--- a/SQL/Project1_database_design_and_query.pptx
+++ b/SQL/Project1_database_design_and_query.pptx
@@ -746,7 +746,8 @@
           <a:p>
             <a:fld id="{58A28DA0-9CF6-4387-B655-A5C6727665B0}" type="datetimeFigureOut">
               <a:rPr lang="en-US" smtClean="0"/>
-              <a:t>11/2/2018</a:t>
+              <a:pPr/>
+              <a:t>11/6/2018</a:t>
             </a:fld>
             <a:endParaRPr lang="en-US"/>
           </a:p>
@@ -808,6 +809,7 @@
           <a:p>
             <a:fld id="{D6B95F7D-B8FC-49E4-A5D5-E2A4F3C45A06}" type="slidenum">
               <a:rPr lang="en-US" smtClean="0"/>
+              <a:pPr/>
               <a:t>‹#›</a:t>
             </a:fld>
             <a:endParaRPr lang="en-US"/>
@@ -942,7 +944,8 @@
           <a:p>
             <a:fld id="{58A28DA0-9CF6-4387-B655-A5C6727665B0}" type="datetimeFigureOut">
               <a:rPr lang="en-US" smtClean="0"/>
-              <a:t>11/2/2018</a:t>
+              <a:pPr/>
+              <a:t>11/6/2018</a:t>
             </a:fld>
             <a:endParaRPr lang="en-US"/>
           </a:p>
@@ -988,6 +991,7 @@
           <a:p>
             <a:fld id="{D6B95F7D-B8FC-49E4-A5D5-E2A4F3C45A06}" type="slidenum">
               <a:rPr lang="en-US" smtClean="0"/>
+              <a:pPr/>
               <a:t>‹#›</a:t>
             </a:fld>
             <a:endParaRPr lang="en-US"/>
@@ -1127,7 +1131,8 @@
           <a:p>
             <a:fld id="{58A28DA0-9CF6-4387-B655-A5C6727665B0}" type="datetimeFigureOut">
               <a:rPr lang="en-US" smtClean="0"/>
-              <a:t>11/2/2018</a:t>
+              <a:pPr/>
+              <a:t>11/6/2018</a:t>
             </a:fld>
             <a:endParaRPr lang="en-US"/>
           </a:p>
@@ -1173,6 +1178,7 @@
           <a:p>
             <a:fld id="{D6B95F7D-B8FC-49E4-A5D5-E2A4F3C45A06}" type="slidenum">
               <a:rPr lang="en-US" smtClean="0"/>
+              <a:pPr/>
               <a:t>‹#›</a:t>
             </a:fld>
             <a:endParaRPr lang="en-US"/>
@@ -1277,7 +1283,8 @@
           <a:p>
             <a:fld id="{58A28DA0-9CF6-4387-B655-A5C6727665B0}" type="datetimeFigureOut">
               <a:rPr lang="en-US" smtClean="0"/>
-              <a:t>11/2/2018</a:t>
+              <a:pPr/>
+              <a:t>11/6/2018</a:t>
             </a:fld>
             <a:endParaRPr lang="en-US"/>
           </a:p>
@@ -1323,6 +1330,7 @@
           <a:p>
             <a:fld id="{D6B95F7D-B8FC-49E4-A5D5-E2A4F3C45A06}" type="slidenum">
               <a:rPr lang="en-US" smtClean="0"/>
+              <a:pPr/>
               <a:t>‹#›</a:t>
             </a:fld>
             <a:endParaRPr lang="en-US"/>
@@ -1532,7 +1540,8 @@
           <a:p>
             <a:fld id="{58A28DA0-9CF6-4387-B655-A5C6727665B0}" type="datetimeFigureOut">
               <a:rPr lang="en-US" smtClean="0"/>
-              <a:t>11/2/2018</a:t>
+              <a:pPr/>
+              <a:t>11/6/2018</a:t>
             </a:fld>
             <a:endParaRPr lang="en-US"/>
           </a:p>
@@ -1578,6 +1587,7 @@
           <a:p>
             <a:fld id="{D6B95F7D-B8FC-49E4-A5D5-E2A4F3C45A06}" type="slidenum">
               <a:rPr lang="en-US" smtClean="0"/>
+              <a:pPr/>
               <a:t>‹#›</a:t>
             </a:fld>
             <a:endParaRPr lang="en-US"/>
@@ -1941,7 +1951,8 @@
           <a:p>
             <a:fld id="{58A28DA0-9CF6-4387-B655-A5C6727665B0}" type="datetimeFigureOut">
               <a:rPr lang="en-US" smtClean="0"/>
-              <a:t>11/2/2018</a:t>
+              <a:pPr/>
+              <a:t>11/6/2018</a:t>
             </a:fld>
             <a:endParaRPr lang="en-US"/>
           </a:p>
@@ -1987,6 +1998,7 @@
           <a:p>
             <a:fld id="{D6B95F7D-B8FC-49E4-A5D5-E2A4F3C45A06}" type="slidenum">
               <a:rPr lang="en-US" smtClean="0"/>
+              <a:pPr/>
               <a:t>‹#›</a:t>
             </a:fld>
             <a:endParaRPr lang="en-US"/>
@@ -2387,7 +2399,8 @@
           <a:p>
             <a:fld id="{58A28DA0-9CF6-4387-B655-A5C6727665B0}" type="datetimeFigureOut">
               <a:rPr lang="en-US" smtClean="0"/>
-              <a:t>11/2/2018</a:t>
+              <a:pPr/>
+              <a:t>11/6/2018</a:t>
             </a:fld>
             <a:endParaRPr lang="en-US"/>
           </a:p>
@@ -2433,6 +2446,7 @@
           <a:p>
             <a:fld id="{D6B95F7D-B8FC-49E4-A5D5-E2A4F3C45A06}" type="slidenum">
               <a:rPr lang="en-US" smtClean="0"/>
+              <a:pPr/>
               <a:t>‹#›</a:t>
             </a:fld>
             <a:endParaRPr lang="en-US"/>
@@ -2488,7 +2502,8 @@
           <a:p>
             <a:fld id="{58A28DA0-9CF6-4387-B655-A5C6727665B0}" type="datetimeFigureOut">
               <a:rPr lang="en-US" smtClean="0"/>
-              <a:t>11/2/2018</a:t>
+              <a:pPr/>
+              <a:t>11/6/2018</a:t>
             </a:fld>
             <a:endParaRPr lang="en-US"/>
           </a:p>
@@ -2534,6 +2549,7 @@
           <a:p>
             <a:fld id="{D6B95F7D-B8FC-49E4-A5D5-E2A4F3C45A06}" type="slidenum">
               <a:rPr lang="en-US" smtClean="0"/>
+              <a:pPr/>
               <a:t>‹#›</a:t>
             </a:fld>
             <a:endParaRPr lang="en-US"/>
@@ -2609,7 +2625,8 @@
           <a:p>
             <a:fld id="{58A28DA0-9CF6-4387-B655-A5C6727665B0}" type="datetimeFigureOut">
               <a:rPr lang="en-US" smtClean="0"/>
-              <a:t>11/2/2018</a:t>
+              <a:pPr/>
+              <a:t>11/6/2018</a:t>
             </a:fld>
             <a:endParaRPr lang="en-US"/>
           </a:p>
@@ -2655,6 +2672,7 @@
           <a:p>
             <a:fld id="{D6B95F7D-B8FC-49E4-A5D5-E2A4F3C45A06}" type="slidenum">
               <a:rPr lang="en-US" smtClean="0"/>
+              <a:pPr/>
               <a:t>‹#›</a:t>
             </a:fld>
             <a:endParaRPr lang="en-US"/>
@@ -2883,7 +2901,8 @@
           <a:p>
             <a:fld id="{58A28DA0-9CF6-4387-B655-A5C6727665B0}" type="datetimeFigureOut">
               <a:rPr lang="en-US" smtClean="0"/>
-              <a:t>11/2/2018</a:t>
+              <a:pPr/>
+              <a:t>11/6/2018</a:t>
             </a:fld>
             <a:endParaRPr lang="en-US"/>
           </a:p>
@@ -2929,6 +2948,7 @@
           <a:p>
             <a:fld id="{D6B95F7D-B8FC-49E4-A5D5-E2A4F3C45A06}" type="slidenum">
               <a:rPr lang="en-US" smtClean="0"/>
+              <a:pPr/>
               <a:t>‹#›</a:t>
             </a:fld>
             <a:endParaRPr lang="en-US"/>
@@ -3088,7 +3108,8 @@
           <a:p>
             <a:fld id="{58A28DA0-9CF6-4387-B655-A5C6727665B0}" type="datetimeFigureOut">
               <a:rPr lang="en-US" smtClean="0"/>
-              <a:t>11/2/2018</a:t>
+              <a:pPr/>
+              <a:t>11/6/2018</a:t>
             </a:fld>
             <a:endParaRPr lang="en-US"/>
           </a:p>
@@ -3153,6 +3174,7 @@
           <a:p>
             <a:fld id="{D6B95F7D-B8FC-49E4-A5D5-E2A4F3C45A06}" type="slidenum">
               <a:rPr lang="en-US" smtClean="0"/>
+              <a:pPr/>
               <a:t>‹#›</a:t>
             </a:fld>
             <a:endParaRPr lang="en-US"/>
@@ -4197,7 +4219,8 @@
           <a:p>
             <a:fld id="{58A28DA0-9CF6-4387-B655-A5C6727665B0}" type="datetimeFigureOut">
               <a:rPr lang="en-US" smtClean="0"/>
-              <a:t>11/2/2018</a:t>
+              <a:pPr/>
+              <a:t>11/6/2018</a:t>
             </a:fld>
             <a:endParaRPr lang="en-US"/>
           </a:p>
@@ -4273,6 +4296,7 @@
           <a:p>
             <a:fld id="{D6B95F7D-B8FC-49E4-A5D5-E2A4F3C45A06}" type="slidenum">
               <a:rPr lang="en-US" smtClean="0"/>
+              <a:pPr/>
               <a:t>‹#›</a:t>
             </a:fld>
             <a:endParaRPr lang="en-US"/>
@@ -4688,11 +4712,7 @@
             </a:r>
             <a:r>
               <a:rPr lang="en-US" sz="2000" dirty="0" smtClean="0"/>
-              <a:t> </a:t>
-            </a:r>
-            <a:r>
-              <a:rPr lang="en-US" sz="2000" dirty="0" smtClean="0"/>
-              <a:t>– 18IT1 Team leader</a:t>
+              <a:t> – 18IT1 Team leader</a:t>
             </a:r>
           </a:p>
           <a:p>
@@ -5130,23 +5150,7 @@
                   <a:srgbClr val="FF0000"/>
                 </a:solidFill>
               </a:rPr>
-              <a:t>	VALUES </a:t>
-            </a:r>
-            <a:r>
-              <a:rPr lang="en-US" sz="2000" dirty="0" smtClean="0">
-                <a:solidFill>
-                  <a:srgbClr val="FF0000"/>
-                </a:solidFill>
-              </a:rPr>
-              <a:t>(</a:t>
-            </a:r>
-            <a:r>
-              <a:rPr lang="en-US" sz="2000" dirty="0" smtClean="0">
-                <a:solidFill>
-                  <a:srgbClr val="FF0000"/>
-                </a:solidFill>
-              </a:rPr>
-              <a:t>12, '</a:t>
+              <a:t>	VALUES (12, '</a:t>
             </a:r>
             <a:r>
               <a:rPr lang="en-US" sz="2000" dirty="0" err="1" smtClean="0">
@@ -5210,31 +5214,7 @@
                   <a:srgbClr val="FF0000"/>
                 </a:solidFill>
               </a:rPr>
-              <a:t> here}', 1300, 1, 1, 1</a:t>
-            </a:r>
-            <a:r>
-              <a:rPr lang="en-US" sz="2000" dirty="0" smtClean="0">
-                <a:solidFill>
-                  <a:srgbClr val="FF0000"/>
-                </a:solidFill>
-              </a:rPr>
-              <a:t>,'iphone-xsmax-32gb</a:t>
-            </a:r>
-            <a:r>
-              <a:rPr lang="en-US" sz="2000" dirty="0" smtClean="0">
-                <a:solidFill>
-                  <a:srgbClr val="FF0000"/>
-                </a:solidFill>
-              </a:rPr>
-              <a:t>', 0, 'now()', 'now</a:t>
-            </a:r>
-            <a:r>
-              <a:rPr lang="en-US" sz="2000" dirty="0" smtClean="0">
-                <a:solidFill>
-                  <a:srgbClr val="FF0000"/>
-                </a:solidFill>
-              </a:rPr>
-              <a:t>()');</a:t>
+              <a:t> here}', 1300, 1, 1, 1,'iphone-xsmax-32gb', 0, 'now()', 'now()');</a:t>
             </a:r>
           </a:p>
           <a:p>
@@ -5733,7 +5713,47 @@
           <a:p>
             <a:r>
               <a:rPr lang="en-US" sz="1800" dirty="0" smtClean="0"/>
-              <a:t>suppliers -&gt; products </a:t>
+              <a:t>suppliers -&gt; products : 1-M</a:t>
+            </a:r>
+          </a:p>
+          <a:p>
+            <a:r>
+              <a:rPr lang="en-US" sz="1800" dirty="0" smtClean="0"/>
+              <a:t>products -&gt; suppliers: 1-1</a:t>
+            </a:r>
+          </a:p>
+          <a:p>
+            <a:r>
+              <a:rPr lang="en-US" sz="1800" dirty="0" smtClean="0"/>
+              <a:t>Products -&gt; images : 1-M</a:t>
+            </a:r>
+          </a:p>
+          <a:p>
+            <a:r>
+              <a:rPr lang="en-US" sz="1800" dirty="0" smtClean="0"/>
+              <a:t>categories -&gt; products:1-M</a:t>
+            </a:r>
+          </a:p>
+          <a:p>
+            <a:r>
+              <a:rPr lang="en-US" sz="1800" dirty="0" smtClean="0"/>
+              <a:t>Products -&gt; categories: 1-1</a:t>
+            </a:r>
+          </a:p>
+          <a:p>
+            <a:r>
+              <a:rPr lang="en-US" sz="1800" dirty="0" smtClean="0"/>
+              <a:t>Orders -&gt; employees: 1-1</a:t>
+            </a:r>
+          </a:p>
+          <a:p>
+            <a:r>
+              <a:rPr lang="en-US" sz="1800" dirty="0" smtClean="0"/>
+              <a:t>Orders -&gt; </a:t>
+            </a:r>
+            <a:r>
+              <a:rPr lang="en-US" sz="1800" dirty="0" err="1" smtClean="0"/>
+              <a:t>orderDetails</a:t>
             </a:r>
             <a:r>
               <a:rPr lang="en-US" sz="1800" dirty="0" smtClean="0"/>
@@ -5742,115 +5762,43 @@
           </a:p>
           <a:p>
             <a:r>
-              <a:rPr lang="en-US" sz="1800" dirty="0" smtClean="0"/>
-              <a:t>products -&gt; suppliers: 1-1</a:t>
-            </a:r>
-          </a:p>
-          <a:p>
-            <a:r>
-              <a:rPr lang="en-US" sz="1800" dirty="0" smtClean="0"/>
-              <a:t>Products -&gt; </a:t>
-            </a:r>
-            <a:r>
-              <a:rPr lang="en-US" sz="1800" dirty="0" smtClean="0"/>
-              <a:t>images : 1-M</a:t>
-            </a:r>
-          </a:p>
-          <a:p>
-            <a:r>
-              <a:rPr lang="en-US" sz="1800" dirty="0" smtClean="0"/>
-              <a:t>categories </a:t>
-            </a:r>
-            <a:r>
-              <a:rPr lang="en-US" sz="1800" dirty="0" smtClean="0"/>
-              <a:t>-&gt; products:1-M</a:t>
-            </a:r>
-            <a:endParaRPr lang="en-US" sz="1800" dirty="0" smtClean="0"/>
-          </a:p>
-          <a:p>
-            <a:r>
-              <a:rPr lang="en-US" sz="1800" dirty="0" smtClean="0"/>
-              <a:t>Products -&gt; categories</a:t>
-            </a:r>
-            <a:r>
-              <a:rPr lang="en-US" sz="1800" dirty="0" smtClean="0"/>
-              <a:t>: 1-1</a:t>
-            </a:r>
-          </a:p>
-          <a:p>
-            <a:r>
-              <a:rPr lang="en-US" sz="1800" dirty="0" smtClean="0"/>
-              <a:t>Orders -&gt; employees</a:t>
-            </a:r>
-            <a:r>
-              <a:rPr lang="en-US" sz="1800" dirty="0" smtClean="0"/>
-              <a:t>: 1-1</a:t>
-            </a:r>
-          </a:p>
-          <a:p>
-            <a:r>
-              <a:rPr lang="en-US" sz="1800" dirty="0" smtClean="0"/>
-              <a:t>Orders -&gt; </a:t>
-            </a:r>
-            <a:r>
               <a:rPr lang="en-US" sz="1800" dirty="0" err="1" smtClean="0"/>
               <a:t>orderDetails</a:t>
             </a:r>
             <a:r>
               <a:rPr lang="en-US" sz="1800" dirty="0" smtClean="0"/>
-              <a:t>: 1-M</a:t>
-            </a:r>
-            <a:endParaRPr lang="en-US" sz="1800" dirty="0" smtClean="0"/>
-          </a:p>
-          <a:p>
-            <a:r>
-              <a:rPr lang="en-US" sz="1800" dirty="0" err="1" smtClean="0"/>
-              <a:t>orderDetails</a:t>
-            </a:r>
-            <a:r>
-              <a:rPr lang="en-US" sz="1800" dirty="0" smtClean="0"/>
               <a:t> -&gt; products: 1-1</a:t>
             </a:r>
-            <a:endParaRPr lang="en-US" sz="1800" dirty="0" smtClean="0"/>
           </a:p>
           <a:p>
             <a:r>
               <a:rPr lang="en-US" sz="1800" dirty="0" smtClean="0"/>
               <a:t>Orders -&gt; customers: 1-1</a:t>
             </a:r>
-            <a:endParaRPr lang="en-US" sz="1800" dirty="0" smtClean="0"/>
           </a:p>
           <a:p>
             <a:r>
               <a:rPr lang="en-US" sz="1800" dirty="0" smtClean="0"/>
               <a:t>Customers -&gt; orders: 1-M</a:t>
             </a:r>
-            <a:endParaRPr lang="en-US" sz="1800" dirty="0" smtClean="0"/>
           </a:p>
           <a:p>
             <a:r>
               <a:rPr lang="en-US" sz="1800" dirty="0" smtClean="0"/>
               <a:t>Employees -&gt; orders: 1-M</a:t>
             </a:r>
-            <a:endParaRPr lang="en-US" sz="1800" dirty="0" smtClean="0"/>
           </a:p>
           <a:p>
             <a:r>
               <a:rPr lang="en-US" sz="1800" dirty="0" smtClean="0"/>
-              <a:t>shippers </a:t>
-            </a:r>
-            <a:r>
-              <a:rPr lang="en-US" sz="1800" dirty="0" smtClean="0"/>
-              <a:t> -&gt; orders: 1-M</a:t>
-            </a:r>
-            <a:endParaRPr lang="en-US" sz="1800" dirty="0" smtClean="0"/>
+              <a:t>shippers  -&gt; orders: 1-M</a:t>
+            </a:r>
           </a:p>
           <a:p>
             <a:r>
               <a:rPr lang="en-US" sz="1800" dirty="0" smtClean="0"/>
               <a:t>Orders -&gt; shippers: 1-1</a:t>
             </a:r>
-            <a:endParaRPr lang="en-US" sz="1800" dirty="0" smtClean="0"/>
           </a:p>
           <a:p>
             <a:endParaRPr lang="en-US" sz="1800" dirty="0"/>
@@ -6078,6 +6026,10 @@
               <a:rPr lang="en-US" sz="2000" dirty="0" err="1" smtClean="0"/>
               <a:t>product_id</a:t>
             </a:r>
+            <a:r>
+              <a:rPr lang="en-US" sz="2000" dirty="0" smtClean="0"/>
+              <a:t> (Primary Key)</a:t>
+            </a:r>
             <a:endParaRPr lang="en-US" sz="2000" dirty="0" smtClean="0"/>
           </a:p>
           <a:p>
@@ -6134,7 +6086,7 @@
         </p:blipFill>
         <p:spPr bwMode="auto">
           <a:xfrm>
-            <a:off x="0" y="2111481"/>
+            <a:off x="1" y="2057400"/>
             <a:ext cx="9143999" cy="4898919"/>
           </a:xfrm>
           <a:prstGeom prst="rect">
@@ -6200,8 +6152,13 @@
             </a:r>
             <a:r>
               <a:rPr lang="en-US" sz="2000" dirty="0" smtClean="0"/>
-              <a:t> of all products in table products</a:t>
-            </a:r>
+              <a:t> of a product in table products by </a:t>
+            </a:r>
+            <a:r>
+              <a:rPr lang="en-US" sz="2000" dirty="0" smtClean="0"/>
+              <a:t>        slug (unique)</a:t>
+            </a:r>
+            <a:endParaRPr lang="en-US" sz="2000" dirty="0" smtClean="0"/>
           </a:p>
           <a:p>
             <a:endParaRPr lang="en-US" dirty="0" smtClean="0"/>
@@ -6237,6 +6194,39 @@
           </a:p>
         </p:txBody>
       </p:sp>
+      <p:pic>
+        <p:nvPicPr>
+          <p:cNvPr id="1027" name="Picture 3"/>
+          <p:cNvPicPr>
+            <a:picLocks noChangeAspect="1" noChangeArrowheads="1"/>
+          </p:cNvPicPr>
+          <p:nvPr/>
+        </p:nvPicPr>
+        <p:blipFill>
+          <a:blip r:embed="rId2"/>
+          <a:srcRect/>
+          <a:stretch>
+            <a:fillRect/>
+          </a:stretch>
+        </p:blipFill>
+        <p:spPr bwMode="auto">
+          <a:xfrm>
+            <a:off x="0" y="2286000"/>
+            <a:ext cx="9144000" cy="4572000"/>
+          </a:xfrm>
+          <a:prstGeom prst="rect">
+            <a:avLst/>
+          </a:prstGeom>
+          <a:noFill/>
+          <a:ln w="9525">
+            <a:noFill/>
+            <a:miter lim="800000"/>
+            <a:headEnd/>
+            <a:tailEnd/>
+          </a:ln>
+          <a:effectLst/>
+        </p:spPr>
+      </p:pic>
     </p:spTree>
   </p:cSld>
   <p:clrMapOvr>
@@ -6282,13 +6272,16 @@
               <a:t>Select </a:t>
             </a:r>
             <a:r>
-              <a:rPr lang="en-US" sz="2000" dirty="0" err="1" smtClean="0"/>
-              <a:t>informations</a:t>
-            </a:r>
-            <a:r>
               <a:rPr lang="en-US" sz="2000" dirty="0" smtClean="0"/>
-              <a:t> of all products in table products</a:t>
-            </a:r>
+              <a:t>all products which are selling 				status==1 =&gt; selling						status==0 =&gt;	stop selling</a:t>
+            </a:r>
+          </a:p>
+          <a:p>
+            <a:r>
+              <a:rPr lang="en-US" sz="2000" dirty="0" smtClean="0"/>
+              <a:t>			</a:t>
+            </a:r>
+            <a:endParaRPr lang="en-US" sz="2000" dirty="0" smtClean="0"/>
           </a:p>
           <a:p>
             <a:endParaRPr lang="en-US" dirty="0" smtClean="0"/>
@@ -6324,6 +6317,39 @@
           </a:p>
         </p:txBody>
       </p:sp>
+      <p:pic>
+        <p:nvPicPr>
+          <p:cNvPr id="2050" name="Picture 2"/>
+          <p:cNvPicPr>
+            <a:picLocks noChangeAspect="1" noChangeArrowheads="1"/>
+          </p:cNvPicPr>
+          <p:nvPr/>
+        </p:nvPicPr>
+        <p:blipFill>
+          <a:blip r:embed="rId2"/>
+          <a:srcRect/>
+          <a:stretch>
+            <a:fillRect/>
+          </a:stretch>
+        </p:blipFill>
+        <p:spPr bwMode="auto">
+          <a:xfrm>
+            <a:off x="0" y="2514600"/>
+            <a:ext cx="9144000" cy="4343400"/>
+          </a:xfrm>
+          <a:prstGeom prst="rect">
+            <a:avLst/>
+          </a:prstGeom>
+          <a:noFill/>
+          <a:ln w="9525">
+            <a:noFill/>
+            <a:miter lim="800000"/>
+            <a:headEnd/>
+            <a:tailEnd/>
+          </a:ln>
+          <a:effectLst/>
+        </p:spPr>
+      </p:pic>
     </p:spTree>
   </p:cSld>
   <p:clrMapOvr>
@@ -6366,16 +6392,17 @@
           <a:p>
             <a:r>
               <a:rPr lang="en-US" sz="2000" dirty="0" smtClean="0"/>
-              <a:t>Select </a:t>
+              <a:t>Search products by </a:t>
             </a:r>
             <a:r>
               <a:rPr lang="en-US" sz="2000" dirty="0" err="1" smtClean="0"/>
-              <a:t>informations</a:t>
+              <a:t>english</a:t>
             </a:r>
             <a:r>
               <a:rPr lang="en-US" sz="2000" dirty="0" smtClean="0"/>
-              <a:t> of all products in table products</a:t>
-            </a:r>
+              <a:t> keyword</a:t>
+            </a:r>
+            <a:endParaRPr lang="en-US" sz="2000" dirty="0" smtClean="0"/>
           </a:p>
           <a:p>
             <a:endParaRPr lang="en-US" dirty="0" smtClean="0"/>
@@ -6411,6 +6438,39 @@
           </a:p>
         </p:txBody>
       </p:sp>
+      <p:pic>
+        <p:nvPicPr>
+          <p:cNvPr id="3074" name="Picture 2"/>
+          <p:cNvPicPr>
+            <a:picLocks noChangeAspect="1" noChangeArrowheads="1"/>
+          </p:cNvPicPr>
+          <p:nvPr/>
+        </p:nvPicPr>
+        <p:blipFill>
+          <a:blip r:embed="rId2"/>
+          <a:srcRect/>
+          <a:stretch>
+            <a:fillRect/>
+          </a:stretch>
+        </p:blipFill>
+        <p:spPr bwMode="auto">
+          <a:xfrm>
+            <a:off x="1" y="1981200"/>
+            <a:ext cx="9143999" cy="4876800"/>
+          </a:xfrm>
+          <a:prstGeom prst="rect">
+            <a:avLst/>
+          </a:prstGeom>
+          <a:noFill/>
+          <a:ln w="9525">
+            <a:noFill/>
+            <a:miter lim="800000"/>
+            <a:headEnd/>
+            <a:tailEnd/>
+          </a:ln>
+          <a:effectLst/>
+        </p:spPr>
+      </p:pic>
     </p:spTree>
   </p:cSld>
   <p:clrMapOvr>
@@ -6453,22 +6513,23 @@
           <a:p>
             <a:r>
               <a:rPr lang="en-US" sz="2000" dirty="0" smtClean="0"/>
-              <a:t>Select </a:t>
+              <a:t>Search products by </a:t>
             </a:r>
             <a:r>
               <a:rPr lang="en-US" sz="2000" dirty="0" err="1" smtClean="0"/>
-              <a:t>informations</a:t>
-            </a:r>
-            <a:r>
-              <a:rPr lang="en-US" sz="2000" dirty="0" smtClean="0"/>
-              <a:t> of all products in table products</a:t>
-            </a:r>
-          </a:p>
-          <a:p>
-            <a:endParaRPr lang="en-US" dirty="0" smtClean="0"/>
-          </a:p>
-          <a:p>
-            <a:endParaRPr lang="en-US" dirty="0"/>
+              <a:t>vietnamese</a:t>
+            </a:r>
+            <a:r>
+              <a:rPr lang="en-US" sz="2000" smtClean="0"/>
+              <a:t> keyword</a:t>
+            </a:r>
+            <a:endParaRPr lang="en-US" sz="2000" dirty="0" smtClean="0"/>
+          </a:p>
+          <a:p>
+            <a:endParaRPr lang="en-US" sz="2000" dirty="0" smtClean="0"/>
+          </a:p>
+          <a:p>
+            <a:endParaRPr lang="en-US" sz="2000" dirty="0"/>
           </a:p>
         </p:txBody>
       </p:sp>

--- a/SQL/Project1_database_design_and_query.pptx
+++ b/SQL/Project1_database_design_and_query.pptx
@@ -12,14 +12,33 @@
     <p:sldId id="261" r:id="rId6"/>
     <p:sldId id="262" r:id="rId7"/>
     <p:sldId id="263" r:id="rId8"/>
-    <p:sldId id="264" r:id="rId9"/>
-    <p:sldId id="265" r:id="rId10"/>
-    <p:sldId id="266" r:id="rId11"/>
-    <p:sldId id="259" r:id="rId12"/>
-    <p:sldId id="267" r:id="rId13"/>
-    <p:sldId id="268" r:id="rId14"/>
-    <p:sldId id="269" r:id="rId15"/>
-    <p:sldId id="270" r:id="rId16"/>
+    <p:sldId id="265" r:id="rId9"/>
+    <p:sldId id="264" r:id="rId10"/>
+    <p:sldId id="271" r:id="rId11"/>
+    <p:sldId id="273" r:id="rId12"/>
+    <p:sldId id="266" r:id="rId13"/>
+    <p:sldId id="274" r:id="rId14"/>
+    <p:sldId id="272" r:id="rId15"/>
+    <p:sldId id="283" r:id="rId16"/>
+    <p:sldId id="284" r:id="rId17"/>
+    <p:sldId id="285" r:id="rId18"/>
+    <p:sldId id="286" r:id="rId19"/>
+    <p:sldId id="287" r:id="rId20"/>
+    <p:sldId id="288" r:id="rId21"/>
+    <p:sldId id="289" r:id="rId22"/>
+    <p:sldId id="259" r:id="rId23"/>
+    <p:sldId id="267" r:id="rId24"/>
+    <p:sldId id="268" r:id="rId25"/>
+    <p:sldId id="269" r:id="rId26"/>
+    <p:sldId id="270" r:id="rId27"/>
+    <p:sldId id="275" r:id="rId28"/>
+    <p:sldId id="276" r:id="rId29"/>
+    <p:sldId id="277" r:id="rId30"/>
+    <p:sldId id="278" r:id="rId31"/>
+    <p:sldId id="279" r:id="rId32"/>
+    <p:sldId id="280" r:id="rId33"/>
+    <p:sldId id="281" r:id="rId34"/>
+    <p:sldId id="282" r:id="rId35"/>
   </p:sldIdLst>
   <p:sldSz cx="9144000" cy="6858000" type="screen4x3"/>
   <p:notesSz cx="6858000" cy="9144000"/>
@@ -747,7 +766,7 @@
             <a:fld id="{58A28DA0-9CF6-4387-B655-A5C6727665B0}" type="datetimeFigureOut">
               <a:rPr lang="en-US" smtClean="0"/>
               <a:pPr/>
-              <a:t>11/6/2018</a:t>
+              <a:t>11/7/2018</a:t>
             </a:fld>
             <a:endParaRPr lang="en-US"/>
           </a:p>
@@ -945,7 +964,7 @@
             <a:fld id="{58A28DA0-9CF6-4387-B655-A5C6727665B0}" type="datetimeFigureOut">
               <a:rPr lang="en-US" smtClean="0"/>
               <a:pPr/>
-              <a:t>11/6/2018</a:t>
+              <a:t>11/7/2018</a:t>
             </a:fld>
             <a:endParaRPr lang="en-US"/>
           </a:p>
@@ -1132,7 +1151,7 @@
             <a:fld id="{58A28DA0-9CF6-4387-B655-A5C6727665B0}" type="datetimeFigureOut">
               <a:rPr lang="en-US" smtClean="0"/>
               <a:pPr/>
-              <a:t>11/6/2018</a:t>
+              <a:t>11/7/2018</a:t>
             </a:fld>
             <a:endParaRPr lang="en-US"/>
           </a:p>
@@ -1284,7 +1303,7 @@
             <a:fld id="{58A28DA0-9CF6-4387-B655-A5C6727665B0}" type="datetimeFigureOut">
               <a:rPr lang="en-US" smtClean="0"/>
               <a:pPr/>
-              <a:t>11/6/2018</a:t>
+              <a:t>11/7/2018</a:t>
             </a:fld>
             <a:endParaRPr lang="en-US"/>
           </a:p>
@@ -1541,7 +1560,7 @@
             <a:fld id="{58A28DA0-9CF6-4387-B655-A5C6727665B0}" type="datetimeFigureOut">
               <a:rPr lang="en-US" smtClean="0"/>
               <a:pPr/>
-              <a:t>11/6/2018</a:t>
+              <a:t>11/7/2018</a:t>
             </a:fld>
             <a:endParaRPr lang="en-US"/>
           </a:p>
@@ -1952,7 +1971,7 @@
             <a:fld id="{58A28DA0-9CF6-4387-B655-A5C6727665B0}" type="datetimeFigureOut">
               <a:rPr lang="en-US" smtClean="0"/>
               <a:pPr/>
-              <a:t>11/6/2018</a:t>
+              <a:t>11/7/2018</a:t>
             </a:fld>
             <a:endParaRPr lang="en-US"/>
           </a:p>
@@ -2400,7 +2419,7 @@
             <a:fld id="{58A28DA0-9CF6-4387-B655-A5C6727665B0}" type="datetimeFigureOut">
               <a:rPr lang="en-US" smtClean="0"/>
               <a:pPr/>
-              <a:t>11/6/2018</a:t>
+              <a:t>11/7/2018</a:t>
             </a:fld>
             <a:endParaRPr lang="en-US"/>
           </a:p>
@@ -2503,7 +2522,7 @@
             <a:fld id="{58A28DA0-9CF6-4387-B655-A5C6727665B0}" type="datetimeFigureOut">
               <a:rPr lang="en-US" smtClean="0"/>
               <a:pPr/>
-              <a:t>11/6/2018</a:t>
+              <a:t>11/7/2018</a:t>
             </a:fld>
             <a:endParaRPr lang="en-US"/>
           </a:p>
@@ -2626,7 +2645,7 @@
             <a:fld id="{58A28DA0-9CF6-4387-B655-A5C6727665B0}" type="datetimeFigureOut">
               <a:rPr lang="en-US" smtClean="0"/>
               <a:pPr/>
-              <a:t>11/6/2018</a:t>
+              <a:t>11/7/2018</a:t>
             </a:fld>
             <a:endParaRPr lang="en-US"/>
           </a:p>
@@ -2902,7 +2921,7 @@
             <a:fld id="{58A28DA0-9CF6-4387-B655-A5C6727665B0}" type="datetimeFigureOut">
               <a:rPr lang="en-US" smtClean="0"/>
               <a:pPr/>
-              <a:t>11/6/2018</a:t>
+              <a:t>11/7/2018</a:t>
             </a:fld>
             <a:endParaRPr lang="en-US"/>
           </a:p>
@@ -3109,7 +3128,7 @@
             <a:fld id="{58A28DA0-9CF6-4387-B655-A5C6727665B0}" type="datetimeFigureOut">
               <a:rPr lang="en-US" smtClean="0"/>
               <a:pPr/>
-              <a:t>11/6/2018</a:t>
+              <a:t>11/7/2018</a:t>
             </a:fld>
             <a:endParaRPr lang="en-US"/>
           </a:p>
@@ -4220,7 +4239,7 @@
             <a:fld id="{58A28DA0-9CF6-4387-B655-A5C6727665B0}" type="datetimeFigureOut">
               <a:rPr lang="en-US" smtClean="0"/>
               <a:pPr/>
-              <a:t>11/6/2018</a:t>
+              <a:t>11/7/2018</a:t>
             </a:fld>
             <a:endParaRPr lang="en-US"/>
           </a:p>
@@ -4878,7 +4897,7 @@
           <a:p>
             <a:r>
               <a:rPr lang="en-US" sz="2000" dirty="0" smtClean="0"/>
-              <a:t>Select </a:t>
+              <a:t>Search </a:t>
             </a:r>
             <a:r>
               <a:rPr lang="en-US" sz="2000" dirty="0" err="1" smtClean="0"/>
@@ -4886,10 +4905,34 @@
             </a:r>
             <a:r>
               <a:rPr lang="en-US" sz="2000" dirty="0" smtClean="0"/>
-              <a:t> of all products in table products</a:t>
-            </a:r>
-          </a:p>
-          <a:p>
+              <a:t> of products </a:t>
+            </a:r>
+            <a:r>
+              <a:rPr lang="en-US" sz="2000" dirty="0" smtClean="0"/>
+              <a:t>with limit and offset (for pagination)</a:t>
+            </a:r>
+          </a:p>
+          <a:p>
+            <a:r>
+              <a:rPr lang="en-US" sz="2000" dirty="0" smtClean="0"/>
+              <a:t> </a:t>
+            </a:r>
+            <a:r>
+              <a:rPr lang="en-US" sz="2000" dirty="0" smtClean="0"/>
+              <a:t>	</a:t>
+            </a:r>
+            <a:endParaRPr lang="en-US" sz="2000" dirty="0" smtClean="0"/>
+          </a:p>
+          <a:p>
+            <a:endParaRPr lang="en-US" sz="2000" dirty="0" smtClean="0"/>
+          </a:p>
+          <a:p>
+            <a:endParaRPr lang="en-US" sz="2000" dirty="0" smtClean="0"/>
+          </a:p>
+          <a:p>
+            <a:pPr>
+              <a:buNone/>
+            </a:pPr>
             <a:endParaRPr lang="en-US" dirty="0" smtClean="0"/>
           </a:p>
           <a:p>
@@ -4917,12 +4960,49 @@
             <a:pPr algn="ctr"/>
             <a:r>
               <a:rPr lang="en-US" sz="3200" dirty="0" smtClean="0"/>
-              <a:t> Query Selector</a:t>
+              <a:t> Query </a:t>
+            </a:r>
+            <a:r>
+              <a:rPr lang="en-US" sz="3200" dirty="0" smtClean="0"/>
+              <a:t>Select</a:t>
             </a:r>
             <a:endParaRPr lang="en-US" sz="3200" dirty="0"/>
           </a:p>
         </p:txBody>
       </p:sp>
+      <p:pic>
+        <p:nvPicPr>
+          <p:cNvPr id="2050" name="Picture 2"/>
+          <p:cNvPicPr>
+            <a:picLocks noChangeAspect="1" noChangeArrowheads="1"/>
+          </p:cNvPicPr>
+          <p:nvPr/>
+        </p:nvPicPr>
+        <p:blipFill>
+          <a:blip r:embed="rId2"/>
+          <a:srcRect/>
+          <a:stretch>
+            <a:fillRect/>
+          </a:stretch>
+        </p:blipFill>
+        <p:spPr bwMode="auto">
+          <a:xfrm>
+            <a:off x="0" y="2209800"/>
+            <a:ext cx="9144000" cy="4648200"/>
+          </a:xfrm>
+          <a:prstGeom prst="rect">
+            <a:avLst/>
+          </a:prstGeom>
+          <a:noFill/>
+          <a:ln w="9525">
+            <a:noFill/>
+            <a:miter lim="800000"/>
+            <a:headEnd/>
+            <a:tailEnd/>
+          </a:ln>
+          <a:effectLst/>
+        </p:spPr>
+      </p:pic>
     </p:spTree>
   </p:cSld>
   <p:clrMapOvr>
@@ -4932,6 +5012,1210 @@
 </file>
 
 <file path=ppt/slides/slide11.xml><?xml version="1.0" encoding="utf-8"?>
+<p:sld xmlns:a="http://schemas.openxmlformats.org/drawingml/2006/main" xmlns:r="http://schemas.openxmlformats.org/officeDocument/2006/relationships" xmlns:p="http://schemas.openxmlformats.org/presentationml/2006/main">
+  <p:cSld>
+    <p:spTree>
+      <p:nvGrpSpPr>
+        <p:cNvPr id="1" name=""/>
+        <p:cNvGrpSpPr/>
+        <p:nvPr/>
+      </p:nvGrpSpPr>
+      <p:grpSpPr>
+        <a:xfrm>
+          <a:off x="0" y="0"/>
+          <a:ext cx="0" cy="0"/>
+          <a:chOff x="0" y="0"/>
+          <a:chExt cx="0" cy="0"/>
+        </a:xfrm>
+      </p:grpSpPr>
+      <p:sp>
+        <p:nvSpPr>
+          <p:cNvPr id="2" name="Content Placeholder 1"/>
+          <p:cNvSpPr>
+            <a:spLocks noGrp="1"/>
+          </p:cNvSpPr>
+          <p:nvPr>
+            <p:ph idx="1"/>
+          </p:nvPr>
+        </p:nvSpPr>
+        <p:spPr/>
+        <p:txBody>
+          <a:bodyPr/>
+          <a:lstStyle/>
+          <a:p>
+            <a:r>
+              <a:rPr lang="en-US" sz="2000" dirty="0" smtClean="0"/>
+              <a:t>Select all categories in categories list </a:t>
+            </a:r>
+            <a:endParaRPr lang="en-US" sz="2000" dirty="0" smtClean="0"/>
+          </a:p>
+          <a:p>
+            <a:endParaRPr lang="en-US" dirty="0" smtClean="0"/>
+          </a:p>
+          <a:p>
+            <a:endParaRPr lang="en-US" dirty="0"/>
+          </a:p>
+        </p:txBody>
+      </p:sp>
+      <p:sp>
+        <p:nvSpPr>
+          <p:cNvPr id="3" name="Title 2"/>
+          <p:cNvSpPr>
+            <a:spLocks noGrp="1"/>
+          </p:cNvSpPr>
+          <p:nvPr>
+            <p:ph type="title"/>
+          </p:nvPr>
+        </p:nvSpPr>
+        <p:spPr/>
+        <p:txBody>
+          <a:bodyPr>
+            <a:normAutofit/>
+          </a:bodyPr>
+          <a:lstStyle/>
+          <a:p>
+            <a:pPr algn="ctr"/>
+            <a:r>
+              <a:rPr lang="en-US" sz="3200" dirty="0" smtClean="0"/>
+              <a:t> Query </a:t>
+            </a:r>
+            <a:r>
+              <a:rPr lang="en-US" sz="3200" dirty="0" smtClean="0"/>
+              <a:t>Select</a:t>
+            </a:r>
+            <a:endParaRPr lang="en-US" sz="3200" dirty="0"/>
+          </a:p>
+        </p:txBody>
+      </p:sp>
+      <p:pic>
+        <p:nvPicPr>
+          <p:cNvPr id="8194" name="Picture 2"/>
+          <p:cNvPicPr>
+            <a:picLocks noChangeAspect="1" noChangeArrowheads="1"/>
+          </p:cNvPicPr>
+          <p:nvPr/>
+        </p:nvPicPr>
+        <p:blipFill>
+          <a:blip r:embed="rId2"/>
+          <a:srcRect/>
+          <a:stretch>
+            <a:fillRect/>
+          </a:stretch>
+        </p:blipFill>
+        <p:spPr bwMode="auto">
+          <a:xfrm>
+            <a:off x="0" y="1905000"/>
+            <a:ext cx="9144000" cy="4953000"/>
+          </a:xfrm>
+          <a:prstGeom prst="rect">
+            <a:avLst/>
+          </a:prstGeom>
+          <a:noFill/>
+          <a:ln w="9525">
+            <a:noFill/>
+            <a:miter lim="800000"/>
+            <a:headEnd/>
+            <a:tailEnd/>
+          </a:ln>
+          <a:effectLst/>
+        </p:spPr>
+      </p:pic>
+    </p:spTree>
+  </p:cSld>
+  <p:clrMapOvr>
+    <a:masterClrMapping/>
+  </p:clrMapOvr>
+</p:sld>
+</file>
+
+<file path=ppt/slides/slide12.xml><?xml version="1.0" encoding="utf-8"?>
+<p:sld xmlns:a="http://schemas.openxmlformats.org/drawingml/2006/main" xmlns:r="http://schemas.openxmlformats.org/officeDocument/2006/relationships" xmlns:p="http://schemas.openxmlformats.org/presentationml/2006/main">
+  <p:cSld>
+    <p:spTree>
+      <p:nvGrpSpPr>
+        <p:cNvPr id="1" name=""/>
+        <p:cNvGrpSpPr/>
+        <p:nvPr/>
+      </p:nvGrpSpPr>
+      <p:grpSpPr>
+        <a:xfrm>
+          <a:off x="0" y="0"/>
+          <a:ext cx="0" cy="0"/>
+          <a:chOff x="0" y="0"/>
+          <a:chExt cx="0" cy="0"/>
+        </a:xfrm>
+      </p:grpSpPr>
+      <p:sp>
+        <p:nvSpPr>
+          <p:cNvPr id="2" name="Content Placeholder 1"/>
+          <p:cNvSpPr>
+            <a:spLocks noGrp="1"/>
+          </p:cNvSpPr>
+          <p:nvPr>
+            <p:ph idx="1"/>
+          </p:nvPr>
+        </p:nvSpPr>
+        <p:spPr/>
+        <p:txBody>
+          <a:bodyPr/>
+          <a:lstStyle/>
+          <a:p>
+            <a:r>
+              <a:rPr lang="en-US" sz="2000" dirty="0" smtClean="0"/>
+              <a:t>Select </a:t>
+            </a:r>
+            <a:r>
+              <a:rPr lang="en-US" sz="2000" dirty="0" smtClean="0"/>
+              <a:t>all information of supplier in suppliers list</a:t>
+            </a:r>
+            <a:endParaRPr lang="en-US" sz="2000" dirty="0" smtClean="0"/>
+          </a:p>
+          <a:p>
+            <a:endParaRPr lang="en-US" dirty="0" smtClean="0"/>
+          </a:p>
+          <a:p>
+            <a:endParaRPr lang="en-US" dirty="0"/>
+          </a:p>
+        </p:txBody>
+      </p:sp>
+      <p:sp>
+        <p:nvSpPr>
+          <p:cNvPr id="3" name="Title 2"/>
+          <p:cNvSpPr>
+            <a:spLocks noGrp="1"/>
+          </p:cNvSpPr>
+          <p:nvPr>
+            <p:ph type="title"/>
+          </p:nvPr>
+        </p:nvSpPr>
+        <p:spPr/>
+        <p:txBody>
+          <a:bodyPr>
+            <a:normAutofit/>
+          </a:bodyPr>
+          <a:lstStyle/>
+          <a:p>
+            <a:pPr algn="ctr"/>
+            <a:r>
+              <a:rPr lang="en-US" sz="3200" dirty="0" smtClean="0"/>
+              <a:t> Query </a:t>
+            </a:r>
+            <a:r>
+              <a:rPr lang="en-US" sz="3200" dirty="0" smtClean="0"/>
+              <a:t>Select</a:t>
+            </a:r>
+            <a:endParaRPr lang="en-US" sz="3200" dirty="0"/>
+          </a:p>
+        </p:txBody>
+      </p:sp>
+      <p:pic>
+        <p:nvPicPr>
+          <p:cNvPr id="9218" name="Picture 2"/>
+          <p:cNvPicPr>
+            <a:picLocks noChangeAspect="1" noChangeArrowheads="1"/>
+          </p:cNvPicPr>
+          <p:nvPr/>
+        </p:nvPicPr>
+        <p:blipFill>
+          <a:blip r:embed="rId2"/>
+          <a:srcRect/>
+          <a:stretch>
+            <a:fillRect/>
+          </a:stretch>
+        </p:blipFill>
+        <p:spPr bwMode="auto">
+          <a:xfrm>
+            <a:off x="0" y="1905000"/>
+            <a:ext cx="9143999" cy="4953000"/>
+          </a:xfrm>
+          <a:prstGeom prst="rect">
+            <a:avLst/>
+          </a:prstGeom>
+          <a:noFill/>
+          <a:ln w="9525">
+            <a:noFill/>
+            <a:miter lim="800000"/>
+            <a:headEnd/>
+            <a:tailEnd/>
+          </a:ln>
+          <a:effectLst/>
+        </p:spPr>
+      </p:pic>
+    </p:spTree>
+  </p:cSld>
+  <p:clrMapOvr>
+    <a:masterClrMapping/>
+  </p:clrMapOvr>
+</p:sld>
+</file>
+
+<file path=ppt/slides/slide13.xml><?xml version="1.0" encoding="utf-8"?>
+<p:sld xmlns:a="http://schemas.openxmlformats.org/drawingml/2006/main" xmlns:r="http://schemas.openxmlformats.org/officeDocument/2006/relationships" xmlns:p="http://schemas.openxmlformats.org/presentationml/2006/main">
+  <p:cSld>
+    <p:spTree>
+      <p:nvGrpSpPr>
+        <p:cNvPr id="1" name=""/>
+        <p:cNvGrpSpPr/>
+        <p:nvPr/>
+      </p:nvGrpSpPr>
+      <p:grpSpPr>
+        <a:xfrm>
+          <a:off x="0" y="0"/>
+          <a:ext cx="0" cy="0"/>
+          <a:chOff x="0" y="0"/>
+          <a:chExt cx="0" cy="0"/>
+        </a:xfrm>
+      </p:grpSpPr>
+      <p:sp>
+        <p:nvSpPr>
+          <p:cNvPr id="2" name="Content Placeholder 1"/>
+          <p:cNvSpPr>
+            <a:spLocks noGrp="1"/>
+          </p:cNvSpPr>
+          <p:nvPr>
+            <p:ph idx="1"/>
+          </p:nvPr>
+        </p:nvSpPr>
+        <p:spPr/>
+        <p:txBody>
+          <a:bodyPr/>
+          <a:lstStyle/>
+          <a:p>
+            <a:r>
+              <a:rPr lang="en-US" sz="2000" dirty="0" smtClean="0"/>
+              <a:t>Select </a:t>
+            </a:r>
+            <a:r>
+              <a:rPr lang="en-US" sz="2000" dirty="0" smtClean="0"/>
+              <a:t>supplier </a:t>
+            </a:r>
+            <a:r>
+              <a:rPr lang="en-US" sz="2000" dirty="0" err="1" smtClean="0"/>
+              <a:t>informations</a:t>
+            </a:r>
+            <a:r>
+              <a:rPr lang="en-US" sz="2000" dirty="0" smtClean="0"/>
+              <a:t> of any products</a:t>
+            </a:r>
+            <a:endParaRPr lang="en-US" sz="2000" dirty="0" smtClean="0"/>
+          </a:p>
+          <a:p>
+            <a:endParaRPr lang="en-US" dirty="0" smtClean="0"/>
+          </a:p>
+          <a:p>
+            <a:endParaRPr lang="en-US" dirty="0"/>
+          </a:p>
+        </p:txBody>
+      </p:sp>
+      <p:sp>
+        <p:nvSpPr>
+          <p:cNvPr id="3" name="Title 2"/>
+          <p:cNvSpPr>
+            <a:spLocks noGrp="1"/>
+          </p:cNvSpPr>
+          <p:nvPr>
+            <p:ph type="title"/>
+          </p:nvPr>
+        </p:nvSpPr>
+        <p:spPr/>
+        <p:txBody>
+          <a:bodyPr>
+            <a:normAutofit/>
+          </a:bodyPr>
+          <a:lstStyle/>
+          <a:p>
+            <a:pPr algn="ctr"/>
+            <a:r>
+              <a:rPr lang="en-US" sz="3200" dirty="0" smtClean="0"/>
+              <a:t> Query </a:t>
+            </a:r>
+            <a:r>
+              <a:rPr lang="en-US" sz="3200" dirty="0" smtClean="0"/>
+              <a:t>Select</a:t>
+            </a:r>
+            <a:endParaRPr lang="en-US" sz="3200" dirty="0"/>
+          </a:p>
+        </p:txBody>
+      </p:sp>
+      <p:pic>
+        <p:nvPicPr>
+          <p:cNvPr id="7171" name="Picture 3"/>
+          <p:cNvPicPr>
+            <a:picLocks noChangeAspect="1" noChangeArrowheads="1"/>
+          </p:cNvPicPr>
+          <p:nvPr/>
+        </p:nvPicPr>
+        <p:blipFill>
+          <a:blip r:embed="rId2"/>
+          <a:srcRect/>
+          <a:stretch>
+            <a:fillRect/>
+          </a:stretch>
+        </p:blipFill>
+        <p:spPr bwMode="auto">
+          <a:xfrm>
+            <a:off x="0" y="1905000"/>
+            <a:ext cx="9144000" cy="4953000"/>
+          </a:xfrm>
+          <a:prstGeom prst="rect">
+            <a:avLst/>
+          </a:prstGeom>
+          <a:noFill/>
+          <a:ln w="9525">
+            <a:noFill/>
+            <a:miter lim="800000"/>
+            <a:headEnd/>
+            <a:tailEnd/>
+          </a:ln>
+          <a:effectLst/>
+        </p:spPr>
+      </p:pic>
+    </p:spTree>
+  </p:cSld>
+  <p:clrMapOvr>
+    <a:masterClrMapping/>
+  </p:clrMapOvr>
+</p:sld>
+</file>
+
+<file path=ppt/slides/slide14.xml><?xml version="1.0" encoding="utf-8"?>
+<p:sld xmlns:a="http://schemas.openxmlformats.org/drawingml/2006/main" xmlns:r="http://schemas.openxmlformats.org/officeDocument/2006/relationships" xmlns:p="http://schemas.openxmlformats.org/presentationml/2006/main">
+  <p:cSld>
+    <p:spTree>
+      <p:nvGrpSpPr>
+        <p:cNvPr id="1" name=""/>
+        <p:cNvGrpSpPr/>
+        <p:nvPr/>
+      </p:nvGrpSpPr>
+      <p:grpSpPr>
+        <a:xfrm>
+          <a:off x="0" y="0"/>
+          <a:ext cx="0" cy="0"/>
+          <a:chOff x="0" y="0"/>
+          <a:chExt cx="0" cy="0"/>
+        </a:xfrm>
+      </p:grpSpPr>
+      <p:sp>
+        <p:nvSpPr>
+          <p:cNvPr id="2" name="Content Placeholder 1"/>
+          <p:cNvSpPr>
+            <a:spLocks noGrp="1"/>
+          </p:cNvSpPr>
+          <p:nvPr>
+            <p:ph idx="1"/>
+          </p:nvPr>
+        </p:nvSpPr>
+        <p:spPr/>
+        <p:txBody>
+          <a:bodyPr/>
+          <a:lstStyle/>
+          <a:p>
+            <a:r>
+              <a:rPr lang="en-US" sz="2000" dirty="0" smtClean="0"/>
+              <a:t>Select </a:t>
+            </a:r>
+            <a:r>
+              <a:rPr lang="en-US" sz="2000" dirty="0" smtClean="0"/>
+              <a:t>category name of any products </a:t>
+            </a:r>
+            <a:endParaRPr lang="en-US" sz="2000" dirty="0" smtClean="0"/>
+          </a:p>
+          <a:p>
+            <a:endParaRPr lang="en-US" dirty="0" smtClean="0"/>
+          </a:p>
+          <a:p>
+            <a:endParaRPr lang="en-US" dirty="0"/>
+          </a:p>
+        </p:txBody>
+      </p:sp>
+      <p:sp>
+        <p:nvSpPr>
+          <p:cNvPr id="3" name="Title 2"/>
+          <p:cNvSpPr>
+            <a:spLocks noGrp="1"/>
+          </p:cNvSpPr>
+          <p:nvPr>
+            <p:ph type="title"/>
+          </p:nvPr>
+        </p:nvSpPr>
+        <p:spPr/>
+        <p:txBody>
+          <a:bodyPr>
+            <a:normAutofit/>
+          </a:bodyPr>
+          <a:lstStyle/>
+          <a:p>
+            <a:pPr algn="ctr"/>
+            <a:r>
+              <a:rPr lang="en-US" sz="3200" dirty="0" smtClean="0"/>
+              <a:t> Query </a:t>
+            </a:r>
+            <a:r>
+              <a:rPr lang="en-US" sz="3200" dirty="0" smtClean="0"/>
+              <a:t>Select</a:t>
+            </a:r>
+            <a:endParaRPr lang="en-US" sz="3200" dirty="0"/>
+          </a:p>
+        </p:txBody>
+      </p:sp>
+      <p:pic>
+        <p:nvPicPr>
+          <p:cNvPr id="5123" name="Picture 3"/>
+          <p:cNvPicPr>
+            <a:picLocks noChangeAspect="1" noChangeArrowheads="1"/>
+          </p:cNvPicPr>
+          <p:nvPr/>
+        </p:nvPicPr>
+        <p:blipFill>
+          <a:blip r:embed="rId2"/>
+          <a:srcRect/>
+          <a:stretch>
+            <a:fillRect/>
+          </a:stretch>
+        </p:blipFill>
+        <p:spPr bwMode="auto">
+          <a:xfrm>
+            <a:off x="0" y="1905000"/>
+            <a:ext cx="9144000" cy="4953000"/>
+          </a:xfrm>
+          <a:prstGeom prst="rect">
+            <a:avLst/>
+          </a:prstGeom>
+          <a:noFill/>
+          <a:ln w="9525">
+            <a:noFill/>
+            <a:miter lim="800000"/>
+            <a:headEnd/>
+            <a:tailEnd/>
+          </a:ln>
+          <a:effectLst/>
+        </p:spPr>
+      </p:pic>
+    </p:spTree>
+  </p:cSld>
+  <p:clrMapOvr>
+    <a:masterClrMapping/>
+  </p:clrMapOvr>
+</p:sld>
+</file>
+
+<file path=ppt/slides/slide15.xml><?xml version="1.0" encoding="utf-8"?>
+<p:sld xmlns:a="http://schemas.openxmlformats.org/drawingml/2006/main" xmlns:r="http://schemas.openxmlformats.org/officeDocument/2006/relationships" xmlns:p="http://schemas.openxmlformats.org/presentationml/2006/main">
+  <p:cSld>
+    <p:spTree>
+      <p:nvGrpSpPr>
+        <p:cNvPr id="1" name=""/>
+        <p:cNvGrpSpPr/>
+        <p:nvPr/>
+      </p:nvGrpSpPr>
+      <p:grpSpPr>
+        <a:xfrm>
+          <a:off x="0" y="0"/>
+          <a:ext cx="0" cy="0"/>
+          <a:chOff x="0" y="0"/>
+          <a:chExt cx="0" cy="0"/>
+        </a:xfrm>
+      </p:grpSpPr>
+      <p:sp>
+        <p:nvSpPr>
+          <p:cNvPr id="2" name="Content Placeholder 1"/>
+          <p:cNvSpPr>
+            <a:spLocks noGrp="1"/>
+          </p:cNvSpPr>
+          <p:nvPr>
+            <p:ph idx="1"/>
+          </p:nvPr>
+        </p:nvSpPr>
+        <p:spPr/>
+        <p:txBody>
+          <a:bodyPr/>
+          <a:lstStyle/>
+          <a:p>
+            <a:r>
+              <a:rPr lang="en-US" sz="2000" dirty="0" smtClean="0"/>
+              <a:t>Select </a:t>
+            </a:r>
+          </a:p>
+          <a:p>
+            <a:endParaRPr lang="en-US" dirty="0" smtClean="0"/>
+          </a:p>
+          <a:p>
+            <a:endParaRPr lang="en-US" dirty="0"/>
+          </a:p>
+        </p:txBody>
+      </p:sp>
+      <p:sp>
+        <p:nvSpPr>
+          <p:cNvPr id="3" name="Title 2"/>
+          <p:cNvSpPr>
+            <a:spLocks noGrp="1"/>
+          </p:cNvSpPr>
+          <p:nvPr>
+            <p:ph type="title"/>
+          </p:nvPr>
+        </p:nvSpPr>
+        <p:spPr/>
+        <p:txBody>
+          <a:bodyPr>
+            <a:normAutofit/>
+          </a:bodyPr>
+          <a:lstStyle/>
+          <a:p>
+            <a:pPr algn="ctr"/>
+            <a:r>
+              <a:rPr lang="en-US" sz="3200" dirty="0" smtClean="0"/>
+              <a:t> Query </a:t>
+            </a:r>
+            <a:r>
+              <a:rPr lang="en-US" sz="3200" dirty="0" smtClean="0"/>
+              <a:t>Select</a:t>
+            </a:r>
+            <a:endParaRPr lang="en-US" sz="3200" dirty="0"/>
+          </a:p>
+        </p:txBody>
+      </p:sp>
+    </p:spTree>
+  </p:cSld>
+  <p:clrMapOvr>
+    <a:masterClrMapping/>
+  </p:clrMapOvr>
+</p:sld>
+</file>
+
+<file path=ppt/slides/slide16.xml><?xml version="1.0" encoding="utf-8"?>
+<p:sld xmlns:a="http://schemas.openxmlformats.org/drawingml/2006/main" xmlns:r="http://schemas.openxmlformats.org/officeDocument/2006/relationships" xmlns:p="http://schemas.openxmlformats.org/presentationml/2006/main">
+  <p:cSld>
+    <p:spTree>
+      <p:nvGrpSpPr>
+        <p:cNvPr id="1" name=""/>
+        <p:cNvGrpSpPr/>
+        <p:nvPr/>
+      </p:nvGrpSpPr>
+      <p:grpSpPr>
+        <a:xfrm>
+          <a:off x="0" y="0"/>
+          <a:ext cx="0" cy="0"/>
+          <a:chOff x="0" y="0"/>
+          <a:chExt cx="0" cy="0"/>
+        </a:xfrm>
+      </p:grpSpPr>
+      <p:sp>
+        <p:nvSpPr>
+          <p:cNvPr id="2" name="Content Placeholder 1"/>
+          <p:cNvSpPr>
+            <a:spLocks noGrp="1"/>
+          </p:cNvSpPr>
+          <p:nvPr>
+            <p:ph idx="1"/>
+          </p:nvPr>
+        </p:nvSpPr>
+        <p:spPr/>
+        <p:txBody>
+          <a:bodyPr/>
+          <a:lstStyle/>
+          <a:p>
+            <a:r>
+              <a:rPr lang="en-US" sz="2000" dirty="0" smtClean="0"/>
+              <a:t>Select </a:t>
+            </a:r>
+            <a:r>
+              <a:rPr lang="en-US" sz="2000" dirty="0" smtClean="0"/>
+              <a:t>all suppliers in suppliers </a:t>
+            </a:r>
+            <a:r>
+              <a:rPr lang="en-US" sz="2000" dirty="0" err="1" smtClean="0"/>
+              <a:t>li</a:t>
+            </a:r>
+            <a:endParaRPr lang="en-US" sz="2000" dirty="0" smtClean="0"/>
+          </a:p>
+          <a:p>
+            <a:endParaRPr lang="en-US" dirty="0" smtClean="0"/>
+          </a:p>
+          <a:p>
+            <a:endParaRPr lang="en-US" dirty="0"/>
+          </a:p>
+        </p:txBody>
+      </p:sp>
+      <p:sp>
+        <p:nvSpPr>
+          <p:cNvPr id="3" name="Title 2"/>
+          <p:cNvSpPr>
+            <a:spLocks noGrp="1"/>
+          </p:cNvSpPr>
+          <p:nvPr>
+            <p:ph type="title"/>
+          </p:nvPr>
+        </p:nvSpPr>
+        <p:spPr/>
+        <p:txBody>
+          <a:bodyPr>
+            <a:normAutofit/>
+          </a:bodyPr>
+          <a:lstStyle/>
+          <a:p>
+            <a:pPr algn="ctr"/>
+            <a:r>
+              <a:rPr lang="en-US" sz="3200" dirty="0" smtClean="0"/>
+              <a:t> Query </a:t>
+            </a:r>
+            <a:r>
+              <a:rPr lang="en-US" sz="3200" dirty="0" smtClean="0"/>
+              <a:t>Select</a:t>
+            </a:r>
+            <a:endParaRPr lang="en-US" sz="3200" dirty="0"/>
+          </a:p>
+        </p:txBody>
+      </p:sp>
+    </p:spTree>
+  </p:cSld>
+  <p:clrMapOvr>
+    <a:masterClrMapping/>
+  </p:clrMapOvr>
+</p:sld>
+</file>
+
+<file path=ppt/slides/slide17.xml><?xml version="1.0" encoding="utf-8"?>
+<p:sld xmlns:a="http://schemas.openxmlformats.org/drawingml/2006/main" xmlns:r="http://schemas.openxmlformats.org/officeDocument/2006/relationships" xmlns:p="http://schemas.openxmlformats.org/presentationml/2006/main">
+  <p:cSld>
+    <p:spTree>
+      <p:nvGrpSpPr>
+        <p:cNvPr id="1" name=""/>
+        <p:cNvGrpSpPr/>
+        <p:nvPr/>
+      </p:nvGrpSpPr>
+      <p:grpSpPr>
+        <a:xfrm>
+          <a:off x="0" y="0"/>
+          <a:ext cx="0" cy="0"/>
+          <a:chOff x="0" y="0"/>
+          <a:chExt cx="0" cy="0"/>
+        </a:xfrm>
+      </p:grpSpPr>
+      <p:sp>
+        <p:nvSpPr>
+          <p:cNvPr id="2" name="Content Placeholder 1"/>
+          <p:cNvSpPr>
+            <a:spLocks noGrp="1"/>
+          </p:cNvSpPr>
+          <p:nvPr>
+            <p:ph idx="1"/>
+          </p:nvPr>
+        </p:nvSpPr>
+        <p:spPr/>
+        <p:txBody>
+          <a:bodyPr/>
+          <a:lstStyle/>
+          <a:p>
+            <a:r>
+              <a:rPr lang="en-US" sz="2000" dirty="0" smtClean="0"/>
+              <a:t>Select </a:t>
+            </a:r>
+            <a:r>
+              <a:rPr lang="en-US" sz="2000" dirty="0" smtClean="0"/>
+              <a:t>all suppliers in suppliers </a:t>
+            </a:r>
+            <a:r>
+              <a:rPr lang="en-US" sz="2000" dirty="0" err="1" smtClean="0"/>
+              <a:t>li</a:t>
+            </a:r>
+            <a:endParaRPr lang="en-US" sz="2000" dirty="0" smtClean="0"/>
+          </a:p>
+          <a:p>
+            <a:endParaRPr lang="en-US" dirty="0" smtClean="0"/>
+          </a:p>
+          <a:p>
+            <a:endParaRPr lang="en-US" dirty="0"/>
+          </a:p>
+        </p:txBody>
+      </p:sp>
+      <p:sp>
+        <p:nvSpPr>
+          <p:cNvPr id="3" name="Title 2"/>
+          <p:cNvSpPr>
+            <a:spLocks noGrp="1"/>
+          </p:cNvSpPr>
+          <p:nvPr>
+            <p:ph type="title"/>
+          </p:nvPr>
+        </p:nvSpPr>
+        <p:spPr/>
+        <p:txBody>
+          <a:bodyPr>
+            <a:normAutofit/>
+          </a:bodyPr>
+          <a:lstStyle/>
+          <a:p>
+            <a:pPr algn="ctr"/>
+            <a:r>
+              <a:rPr lang="en-US" sz="3200" dirty="0" smtClean="0"/>
+              <a:t> Query </a:t>
+            </a:r>
+            <a:r>
+              <a:rPr lang="en-US" sz="3200" dirty="0" smtClean="0"/>
+              <a:t>Select</a:t>
+            </a:r>
+            <a:endParaRPr lang="en-US" sz="3200" dirty="0"/>
+          </a:p>
+        </p:txBody>
+      </p:sp>
+    </p:spTree>
+  </p:cSld>
+  <p:clrMapOvr>
+    <a:masterClrMapping/>
+  </p:clrMapOvr>
+</p:sld>
+</file>
+
+<file path=ppt/slides/slide18.xml><?xml version="1.0" encoding="utf-8"?>
+<p:sld xmlns:a="http://schemas.openxmlformats.org/drawingml/2006/main" xmlns:r="http://schemas.openxmlformats.org/officeDocument/2006/relationships" xmlns:p="http://schemas.openxmlformats.org/presentationml/2006/main">
+  <p:cSld>
+    <p:spTree>
+      <p:nvGrpSpPr>
+        <p:cNvPr id="1" name=""/>
+        <p:cNvGrpSpPr/>
+        <p:nvPr/>
+      </p:nvGrpSpPr>
+      <p:grpSpPr>
+        <a:xfrm>
+          <a:off x="0" y="0"/>
+          <a:ext cx="0" cy="0"/>
+          <a:chOff x="0" y="0"/>
+          <a:chExt cx="0" cy="0"/>
+        </a:xfrm>
+      </p:grpSpPr>
+      <p:sp>
+        <p:nvSpPr>
+          <p:cNvPr id="2" name="Content Placeholder 1"/>
+          <p:cNvSpPr>
+            <a:spLocks noGrp="1"/>
+          </p:cNvSpPr>
+          <p:nvPr>
+            <p:ph idx="1"/>
+          </p:nvPr>
+        </p:nvSpPr>
+        <p:spPr/>
+        <p:txBody>
+          <a:bodyPr/>
+          <a:lstStyle/>
+          <a:p>
+            <a:r>
+              <a:rPr lang="en-US" sz="2000" dirty="0" smtClean="0"/>
+              <a:t>Select </a:t>
+            </a:r>
+            <a:r>
+              <a:rPr lang="en-US" sz="2000" dirty="0" smtClean="0"/>
+              <a:t>all suppliers in suppliers </a:t>
+            </a:r>
+            <a:r>
+              <a:rPr lang="en-US" sz="2000" dirty="0" err="1" smtClean="0"/>
+              <a:t>li</a:t>
+            </a:r>
+            <a:endParaRPr lang="en-US" sz="2000" dirty="0" smtClean="0"/>
+          </a:p>
+          <a:p>
+            <a:endParaRPr lang="en-US" dirty="0" smtClean="0"/>
+          </a:p>
+          <a:p>
+            <a:endParaRPr lang="en-US" dirty="0"/>
+          </a:p>
+        </p:txBody>
+      </p:sp>
+      <p:sp>
+        <p:nvSpPr>
+          <p:cNvPr id="3" name="Title 2"/>
+          <p:cNvSpPr>
+            <a:spLocks noGrp="1"/>
+          </p:cNvSpPr>
+          <p:nvPr>
+            <p:ph type="title"/>
+          </p:nvPr>
+        </p:nvSpPr>
+        <p:spPr/>
+        <p:txBody>
+          <a:bodyPr>
+            <a:normAutofit/>
+          </a:bodyPr>
+          <a:lstStyle/>
+          <a:p>
+            <a:pPr algn="ctr"/>
+            <a:r>
+              <a:rPr lang="en-US" sz="3200" dirty="0" smtClean="0"/>
+              <a:t> Query </a:t>
+            </a:r>
+            <a:r>
+              <a:rPr lang="en-US" sz="3200" dirty="0" smtClean="0"/>
+              <a:t>Select</a:t>
+            </a:r>
+            <a:endParaRPr lang="en-US" sz="3200" dirty="0"/>
+          </a:p>
+        </p:txBody>
+      </p:sp>
+    </p:spTree>
+  </p:cSld>
+  <p:clrMapOvr>
+    <a:masterClrMapping/>
+  </p:clrMapOvr>
+</p:sld>
+</file>
+
+<file path=ppt/slides/slide19.xml><?xml version="1.0" encoding="utf-8"?>
+<p:sld xmlns:a="http://schemas.openxmlformats.org/drawingml/2006/main" xmlns:r="http://schemas.openxmlformats.org/officeDocument/2006/relationships" xmlns:p="http://schemas.openxmlformats.org/presentationml/2006/main">
+  <p:cSld>
+    <p:spTree>
+      <p:nvGrpSpPr>
+        <p:cNvPr id="1" name=""/>
+        <p:cNvGrpSpPr/>
+        <p:nvPr/>
+      </p:nvGrpSpPr>
+      <p:grpSpPr>
+        <a:xfrm>
+          <a:off x="0" y="0"/>
+          <a:ext cx="0" cy="0"/>
+          <a:chOff x="0" y="0"/>
+          <a:chExt cx="0" cy="0"/>
+        </a:xfrm>
+      </p:grpSpPr>
+      <p:sp>
+        <p:nvSpPr>
+          <p:cNvPr id="2" name="Content Placeholder 1"/>
+          <p:cNvSpPr>
+            <a:spLocks noGrp="1"/>
+          </p:cNvSpPr>
+          <p:nvPr>
+            <p:ph idx="1"/>
+          </p:nvPr>
+        </p:nvSpPr>
+        <p:spPr/>
+        <p:txBody>
+          <a:bodyPr/>
+          <a:lstStyle/>
+          <a:p>
+            <a:r>
+              <a:rPr lang="en-US" sz="2000" dirty="0" smtClean="0"/>
+              <a:t>Select </a:t>
+            </a:r>
+            <a:r>
+              <a:rPr lang="en-US" sz="2000" dirty="0" smtClean="0"/>
+              <a:t>all suppliers in suppliers </a:t>
+            </a:r>
+            <a:r>
+              <a:rPr lang="en-US" sz="2000" dirty="0" err="1" smtClean="0"/>
+              <a:t>li</a:t>
+            </a:r>
+            <a:endParaRPr lang="en-US" sz="2000" dirty="0" smtClean="0"/>
+          </a:p>
+          <a:p>
+            <a:endParaRPr lang="en-US" dirty="0" smtClean="0"/>
+          </a:p>
+          <a:p>
+            <a:endParaRPr lang="en-US" dirty="0"/>
+          </a:p>
+        </p:txBody>
+      </p:sp>
+      <p:sp>
+        <p:nvSpPr>
+          <p:cNvPr id="3" name="Title 2"/>
+          <p:cNvSpPr>
+            <a:spLocks noGrp="1"/>
+          </p:cNvSpPr>
+          <p:nvPr>
+            <p:ph type="title"/>
+          </p:nvPr>
+        </p:nvSpPr>
+        <p:spPr/>
+        <p:txBody>
+          <a:bodyPr>
+            <a:normAutofit/>
+          </a:bodyPr>
+          <a:lstStyle/>
+          <a:p>
+            <a:pPr algn="ctr"/>
+            <a:r>
+              <a:rPr lang="en-US" sz="3200" dirty="0" smtClean="0"/>
+              <a:t> Query </a:t>
+            </a:r>
+            <a:r>
+              <a:rPr lang="en-US" sz="3200" dirty="0" smtClean="0"/>
+              <a:t>Select</a:t>
+            </a:r>
+            <a:endParaRPr lang="en-US" sz="3200" dirty="0"/>
+          </a:p>
+        </p:txBody>
+      </p:sp>
+    </p:spTree>
+  </p:cSld>
+  <p:clrMapOvr>
+    <a:masterClrMapping/>
+  </p:clrMapOvr>
+</p:sld>
+</file>
+
+<file path=ppt/slides/slide2.xml><?xml version="1.0" encoding="utf-8"?>
+<p:sld xmlns:a="http://schemas.openxmlformats.org/drawingml/2006/main" xmlns:r="http://schemas.openxmlformats.org/officeDocument/2006/relationships" xmlns:p="http://schemas.openxmlformats.org/presentationml/2006/main">
+  <p:cSld>
+    <p:spTree>
+      <p:nvGrpSpPr>
+        <p:cNvPr id="1" name=""/>
+        <p:cNvGrpSpPr/>
+        <p:nvPr/>
+      </p:nvGrpSpPr>
+      <p:grpSpPr>
+        <a:xfrm>
+          <a:off x="0" y="0"/>
+          <a:ext cx="0" cy="0"/>
+          <a:chOff x="0" y="0"/>
+          <a:chExt cx="0" cy="0"/>
+        </a:xfrm>
+      </p:grpSpPr>
+      <p:pic>
+        <p:nvPicPr>
+          <p:cNvPr id="4" name="Content Placeholder 3" descr="45055760_197202261177450_8726261707288084480_n.png"/>
+          <p:cNvPicPr>
+            <a:picLocks noGrp="1" noChangeAspect="1"/>
+          </p:cNvPicPr>
+          <p:nvPr>
+            <p:ph idx="1"/>
+          </p:nvPr>
+        </p:nvPicPr>
+        <p:blipFill>
+          <a:blip r:embed="rId2"/>
+          <a:stretch>
+            <a:fillRect/>
+          </a:stretch>
+        </p:blipFill>
+        <p:spPr>
+          <a:xfrm>
+            <a:off x="1" y="1066800"/>
+            <a:ext cx="9144000" cy="5943600"/>
+          </a:xfrm>
+        </p:spPr>
+      </p:pic>
+      <p:sp>
+        <p:nvSpPr>
+          <p:cNvPr id="3" name="Title 2"/>
+          <p:cNvSpPr>
+            <a:spLocks noGrp="1"/>
+          </p:cNvSpPr>
+          <p:nvPr>
+            <p:ph type="title"/>
+          </p:nvPr>
+        </p:nvSpPr>
+        <p:spPr/>
+        <p:txBody>
+          <a:bodyPr>
+            <a:normAutofit/>
+          </a:bodyPr>
+          <a:lstStyle/>
+          <a:p>
+            <a:pPr algn="ctr"/>
+            <a:r>
+              <a:rPr lang="en-US" sz="3200" dirty="0" smtClean="0"/>
+              <a:t>Database structure</a:t>
+            </a:r>
+            <a:endParaRPr lang="en-US" sz="3200" dirty="0"/>
+          </a:p>
+        </p:txBody>
+      </p:sp>
+    </p:spTree>
+  </p:cSld>
+  <p:clrMapOvr>
+    <a:masterClrMapping/>
+  </p:clrMapOvr>
+  <p:timing>
+    <p:tnLst>
+      <p:par>
+        <p:cTn id="1" dur="indefinite" restart="never" nodeType="tmRoot"/>
+      </p:par>
+    </p:tnLst>
+  </p:timing>
+</p:sld>
+</file>
+
+<file path=ppt/slides/slide20.xml><?xml version="1.0" encoding="utf-8"?>
+<p:sld xmlns:a="http://schemas.openxmlformats.org/drawingml/2006/main" xmlns:r="http://schemas.openxmlformats.org/officeDocument/2006/relationships" xmlns:p="http://schemas.openxmlformats.org/presentationml/2006/main">
+  <p:cSld>
+    <p:spTree>
+      <p:nvGrpSpPr>
+        <p:cNvPr id="1" name=""/>
+        <p:cNvGrpSpPr/>
+        <p:nvPr/>
+      </p:nvGrpSpPr>
+      <p:grpSpPr>
+        <a:xfrm>
+          <a:off x="0" y="0"/>
+          <a:ext cx="0" cy="0"/>
+          <a:chOff x="0" y="0"/>
+          <a:chExt cx="0" cy="0"/>
+        </a:xfrm>
+      </p:grpSpPr>
+      <p:sp>
+        <p:nvSpPr>
+          <p:cNvPr id="2" name="Content Placeholder 1"/>
+          <p:cNvSpPr>
+            <a:spLocks noGrp="1"/>
+          </p:cNvSpPr>
+          <p:nvPr>
+            <p:ph idx="1"/>
+          </p:nvPr>
+        </p:nvSpPr>
+        <p:spPr/>
+        <p:txBody>
+          <a:bodyPr/>
+          <a:lstStyle/>
+          <a:p>
+            <a:r>
+              <a:rPr lang="en-US" sz="2000" dirty="0" smtClean="0"/>
+              <a:t>Select </a:t>
+            </a:r>
+            <a:r>
+              <a:rPr lang="en-US" sz="2000" dirty="0" smtClean="0"/>
+              <a:t>all suppliers in suppliers </a:t>
+            </a:r>
+            <a:r>
+              <a:rPr lang="en-US" sz="2000" dirty="0" err="1" smtClean="0"/>
+              <a:t>li</a:t>
+            </a:r>
+            <a:endParaRPr lang="en-US" sz="2000" dirty="0" smtClean="0"/>
+          </a:p>
+          <a:p>
+            <a:endParaRPr lang="en-US" dirty="0" smtClean="0"/>
+          </a:p>
+          <a:p>
+            <a:endParaRPr lang="en-US" dirty="0"/>
+          </a:p>
+        </p:txBody>
+      </p:sp>
+      <p:sp>
+        <p:nvSpPr>
+          <p:cNvPr id="3" name="Title 2"/>
+          <p:cNvSpPr>
+            <a:spLocks noGrp="1"/>
+          </p:cNvSpPr>
+          <p:nvPr>
+            <p:ph type="title"/>
+          </p:nvPr>
+        </p:nvSpPr>
+        <p:spPr/>
+        <p:txBody>
+          <a:bodyPr>
+            <a:normAutofit/>
+          </a:bodyPr>
+          <a:lstStyle/>
+          <a:p>
+            <a:pPr algn="ctr"/>
+            <a:r>
+              <a:rPr lang="en-US" sz="3200" dirty="0" smtClean="0"/>
+              <a:t> Query </a:t>
+            </a:r>
+            <a:r>
+              <a:rPr lang="en-US" sz="3200" dirty="0" smtClean="0"/>
+              <a:t>Select</a:t>
+            </a:r>
+            <a:endParaRPr lang="en-US" sz="3200" dirty="0"/>
+          </a:p>
+        </p:txBody>
+      </p:sp>
+    </p:spTree>
+  </p:cSld>
+  <p:clrMapOvr>
+    <a:masterClrMapping/>
+  </p:clrMapOvr>
+</p:sld>
+</file>
+
+<file path=ppt/slides/slide21.xml><?xml version="1.0" encoding="utf-8"?>
+<p:sld xmlns:a="http://schemas.openxmlformats.org/drawingml/2006/main" xmlns:r="http://schemas.openxmlformats.org/officeDocument/2006/relationships" xmlns:p="http://schemas.openxmlformats.org/presentationml/2006/main">
+  <p:cSld>
+    <p:spTree>
+      <p:nvGrpSpPr>
+        <p:cNvPr id="1" name=""/>
+        <p:cNvGrpSpPr/>
+        <p:nvPr/>
+      </p:nvGrpSpPr>
+      <p:grpSpPr>
+        <a:xfrm>
+          <a:off x="0" y="0"/>
+          <a:ext cx="0" cy="0"/>
+          <a:chOff x="0" y="0"/>
+          <a:chExt cx="0" cy="0"/>
+        </a:xfrm>
+      </p:grpSpPr>
+      <p:sp>
+        <p:nvSpPr>
+          <p:cNvPr id="2" name="Content Placeholder 1"/>
+          <p:cNvSpPr>
+            <a:spLocks noGrp="1"/>
+          </p:cNvSpPr>
+          <p:nvPr>
+            <p:ph idx="1"/>
+          </p:nvPr>
+        </p:nvSpPr>
+        <p:spPr/>
+        <p:txBody>
+          <a:bodyPr/>
+          <a:lstStyle/>
+          <a:p>
+            <a:r>
+              <a:rPr lang="en-US" sz="2000" dirty="0" smtClean="0"/>
+              <a:t>Select </a:t>
+            </a:r>
+            <a:r>
+              <a:rPr lang="en-US" sz="2000" dirty="0" smtClean="0"/>
+              <a:t>all suppliers in suppliers </a:t>
+            </a:r>
+            <a:r>
+              <a:rPr lang="en-US" sz="2000" dirty="0" err="1" smtClean="0"/>
+              <a:t>li</a:t>
+            </a:r>
+            <a:endParaRPr lang="en-US" sz="2000" dirty="0" smtClean="0"/>
+          </a:p>
+          <a:p>
+            <a:endParaRPr lang="en-US" dirty="0" smtClean="0"/>
+          </a:p>
+          <a:p>
+            <a:endParaRPr lang="en-US" dirty="0"/>
+          </a:p>
+        </p:txBody>
+      </p:sp>
+      <p:sp>
+        <p:nvSpPr>
+          <p:cNvPr id="3" name="Title 2"/>
+          <p:cNvSpPr>
+            <a:spLocks noGrp="1"/>
+          </p:cNvSpPr>
+          <p:nvPr>
+            <p:ph type="title"/>
+          </p:nvPr>
+        </p:nvSpPr>
+        <p:spPr/>
+        <p:txBody>
+          <a:bodyPr>
+            <a:normAutofit/>
+          </a:bodyPr>
+          <a:lstStyle/>
+          <a:p>
+            <a:pPr algn="ctr"/>
+            <a:r>
+              <a:rPr lang="en-US" sz="3200" dirty="0" smtClean="0"/>
+              <a:t> Query </a:t>
+            </a:r>
+            <a:r>
+              <a:rPr lang="en-US" sz="3200" dirty="0" smtClean="0"/>
+              <a:t>Select</a:t>
+            </a:r>
+            <a:endParaRPr lang="en-US" sz="3200" dirty="0"/>
+          </a:p>
+        </p:txBody>
+      </p:sp>
+    </p:spTree>
+  </p:cSld>
+  <p:clrMapOvr>
+    <a:masterClrMapping/>
+  </p:clrMapOvr>
+</p:sld>
+</file>
+
+<file path=ppt/slides/slide22.xml><?xml version="1.0" encoding="utf-8"?>
 <p:sld xmlns:a="http://schemas.openxmlformats.org/drawingml/2006/main" xmlns:r="http://schemas.openxmlformats.org/officeDocument/2006/relationships" xmlns:p="http://schemas.openxmlformats.org/presentationml/2006/main">
   <p:cSld>
     <p:spTree>
@@ -5311,7 +6595,7 @@
 </p:sld>
 </file>
 
-<file path=ppt/slides/slide12.xml><?xml version="1.0" encoding="utf-8"?>
+<file path=ppt/slides/slide23.xml><?xml version="1.0" encoding="utf-8"?>
 <p:sld xmlns:a="http://schemas.openxmlformats.org/drawingml/2006/main" xmlns:r="http://schemas.openxmlformats.org/officeDocument/2006/relationships" xmlns:p="http://schemas.openxmlformats.org/presentationml/2006/main">
   <p:cSld>
     <p:spTree>
@@ -5343,7 +6627,123 @@
           <a:bodyPr/>
           <a:lstStyle/>
           <a:p>
-            <a:endParaRPr lang="en-US" dirty="0"/>
+            <a:r>
+              <a:rPr lang="en-US" sz="2400" dirty="0" smtClean="0"/>
+              <a:t>Insert a new category into categories list</a:t>
+            </a:r>
+          </a:p>
+          <a:p>
+            <a:r>
+              <a:rPr lang="en-US" sz="2000" dirty="0" smtClean="0">
+                <a:solidFill>
+                  <a:srgbClr val="FF0000"/>
+                </a:solidFill>
+              </a:rPr>
+              <a:t>INSERT INTO </a:t>
+            </a:r>
+            <a:r>
+              <a:rPr lang="en-US" sz="2000" dirty="0" err="1" smtClean="0">
+                <a:solidFill>
+                  <a:srgbClr val="FF0000"/>
+                </a:solidFill>
+              </a:rPr>
+              <a:t>public.categories</a:t>
+            </a:r>
+            <a:r>
+              <a:rPr lang="en-US" sz="2000" dirty="0" smtClean="0">
+                <a:solidFill>
+                  <a:srgbClr val="FF0000"/>
+                </a:solidFill>
+              </a:rPr>
+              <a:t>(</a:t>
+            </a:r>
+          </a:p>
+          <a:p>
+            <a:pPr>
+              <a:buNone/>
+            </a:pPr>
+            <a:r>
+              <a:rPr lang="en-US" sz="2000" dirty="0" smtClean="0">
+                <a:solidFill>
+                  <a:srgbClr val="FF0000"/>
+                </a:solidFill>
+              </a:rPr>
+              <a:t>		</a:t>
+            </a:r>
+            <a:r>
+              <a:rPr lang="en-US" sz="2000" dirty="0" err="1" smtClean="0">
+                <a:solidFill>
+                  <a:srgbClr val="FF0000"/>
+                </a:solidFill>
+              </a:rPr>
+              <a:t>cat_id</a:t>
+            </a:r>
+            <a:r>
+              <a:rPr lang="en-US" sz="2000" dirty="0" smtClean="0">
+                <a:solidFill>
+                  <a:srgbClr val="FF0000"/>
+                </a:solidFill>
+              </a:rPr>
+              <a:t>, </a:t>
+            </a:r>
+            <a:r>
+              <a:rPr lang="en-US" sz="2000" dirty="0" err="1" smtClean="0">
+                <a:solidFill>
+                  <a:srgbClr val="FF0000"/>
+                </a:solidFill>
+              </a:rPr>
+              <a:t>cat_name</a:t>
+            </a:r>
+            <a:r>
+              <a:rPr lang="en-US" sz="2000" dirty="0" smtClean="0">
+                <a:solidFill>
+                  <a:srgbClr val="FF0000"/>
+                </a:solidFill>
+              </a:rPr>
+              <a:t>, </a:t>
+            </a:r>
+            <a:r>
+              <a:rPr lang="en-US" sz="2000" dirty="0" err="1" smtClean="0">
+                <a:solidFill>
+                  <a:srgbClr val="FF0000"/>
+                </a:solidFill>
+              </a:rPr>
+              <a:t>cat_slug</a:t>
+            </a:r>
+            <a:r>
+              <a:rPr lang="en-US" sz="2000" dirty="0" smtClean="0">
+                <a:solidFill>
+                  <a:srgbClr val="FF0000"/>
+                </a:solidFill>
+              </a:rPr>
+              <a:t>)</a:t>
+            </a:r>
+          </a:p>
+          <a:p>
+            <a:pPr>
+              <a:buNone/>
+            </a:pPr>
+            <a:r>
+              <a:rPr lang="en-US" sz="2000" dirty="0" smtClean="0">
+                <a:solidFill>
+                  <a:srgbClr val="FF0000"/>
+                </a:solidFill>
+              </a:rPr>
+              <a:t>			VALUES </a:t>
+            </a:r>
+            <a:r>
+              <a:rPr lang="en-US" sz="2000" dirty="0" smtClean="0">
+                <a:solidFill>
+                  <a:srgbClr val="FF0000"/>
+                </a:solidFill>
+              </a:rPr>
+              <a:t>(5, 'Tablet', 'tablet');</a:t>
+            </a:r>
+            <a:endParaRPr lang="en-US" sz="2000" dirty="0">
+              <a:solidFill>
+                <a:srgbClr val="FF0000"/>
+              </a:solidFill>
+            </a:endParaRPr>
           </a:p>
         </p:txBody>
       </p:sp>
@@ -5373,15 +6773,55 @@
           </a:p>
         </p:txBody>
       </p:sp>
+      <p:pic>
+        <p:nvPicPr>
+          <p:cNvPr id="4098" name="Picture 2"/>
+          <p:cNvPicPr>
+            <a:picLocks noChangeAspect="1" noChangeArrowheads="1"/>
+          </p:cNvPicPr>
+          <p:nvPr/>
+        </p:nvPicPr>
+        <p:blipFill>
+          <a:blip r:embed="rId2"/>
+          <a:srcRect/>
+          <a:stretch>
+            <a:fillRect/>
+          </a:stretch>
+        </p:blipFill>
+        <p:spPr bwMode="auto">
+          <a:xfrm>
+            <a:off x="1" y="3124201"/>
+            <a:ext cx="9143999" cy="3733800"/>
+          </a:xfrm>
+          <a:prstGeom prst="rect">
+            <a:avLst/>
+          </a:prstGeom>
+          <a:noFill/>
+          <a:ln w="9525">
+            <a:noFill/>
+            <a:miter lim="800000"/>
+            <a:headEnd/>
+            <a:tailEnd/>
+          </a:ln>
+          <a:effectLst/>
+        </p:spPr>
+      </p:pic>
     </p:spTree>
   </p:cSld>
   <p:clrMapOvr>
     <a:masterClrMapping/>
   </p:clrMapOvr>
+  <p:timing>
+    <p:tnLst>
+      <p:par>
+        <p:cTn id="1" dur="indefinite" restart="never" nodeType="tmRoot"/>
+      </p:par>
+    </p:tnLst>
+  </p:timing>
 </p:sld>
 </file>
 
-<file path=ppt/slides/slide13.xml><?xml version="1.0" encoding="utf-8"?>
+<file path=ppt/slides/slide24.xml><?xml version="1.0" encoding="utf-8"?>
 <p:sld xmlns:a="http://schemas.openxmlformats.org/drawingml/2006/main" xmlns:r="http://schemas.openxmlformats.org/officeDocument/2006/relationships" xmlns:p="http://schemas.openxmlformats.org/presentationml/2006/main">
   <p:cSld>
     <p:spTree>
@@ -5410,30 +6850,215 @@
         </p:nvSpPr>
         <p:spPr/>
         <p:txBody>
-          <a:bodyPr/>
-          <a:lstStyle/>
-          <a:p>
-            <a:endParaRPr lang="en-US" dirty="0"/>
-          </a:p>
-        </p:txBody>
-      </p:sp>
-      <p:sp>
-        <p:nvSpPr>
-          <p:cNvPr id="3" name="Title 2"/>
-          <p:cNvSpPr>
-            <a:spLocks noGrp="1"/>
-          </p:cNvSpPr>
-          <p:nvPr>
-            <p:ph type="title"/>
-          </p:nvPr>
-        </p:nvSpPr>
-        <p:spPr/>
-        <p:txBody>
           <a:bodyPr>
             <a:normAutofit/>
           </a:bodyPr>
           <a:lstStyle/>
           <a:p>
+            <a:r>
+              <a:rPr lang="en-US" sz="2400" dirty="0" smtClean="0"/>
+              <a:t>Insert new supplier into suppliers list</a:t>
+            </a:r>
+          </a:p>
+          <a:p>
+            <a:r>
+              <a:rPr lang="en-US" sz="2000" dirty="0" smtClean="0">
+                <a:solidFill>
+                  <a:srgbClr val="FF0000"/>
+                </a:solidFill>
+              </a:rPr>
+              <a:t>INSERT INTO </a:t>
+            </a:r>
+            <a:r>
+              <a:rPr lang="en-US" sz="2000" dirty="0" err="1" smtClean="0">
+                <a:solidFill>
+                  <a:srgbClr val="FF0000"/>
+                </a:solidFill>
+              </a:rPr>
+              <a:t>public.suppliers</a:t>
+            </a:r>
+            <a:r>
+              <a:rPr lang="en-US" sz="2000" dirty="0" smtClean="0">
+                <a:solidFill>
+                  <a:srgbClr val="FF0000"/>
+                </a:solidFill>
+              </a:rPr>
+              <a:t>(</a:t>
+            </a:r>
+          </a:p>
+          <a:p>
+            <a:pPr>
+              <a:buNone/>
+            </a:pPr>
+            <a:r>
+              <a:rPr lang="en-US" sz="2000" dirty="0" smtClean="0">
+                <a:solidFill>
+                  <a:srgbClr val="FF0000"/>
+                </a:solidFill>
+              </a:rPr>
+              <a:t>		</a:t>
+            </a:r>
+            <a:r>
+              <a:rPr lang="en-US" sz="2000" dirty="0" err="1" smtClean="0">
+                <a:solidFill>
+                  <a:srgbClr val="FF0000"/>
+                </a:solidFill>
+              </a:rPr>
+              <a:t>sup_id</a:t>
+            </a:r>
+            <a:r>
+              <a:rPr lang="en-US" sz="2000" dirty="0" smtClean="0">
+                <a:solidFill>
+                  <a:srgbClr val="FF0000"/>
+                </a:solidFill>
+              </a:rPr>
+              <a:t>, </a:t>
+            </a:r>
+            <a:r>
+              <a:rPr lang="en-US" sz="2000" dirty="0" err="1" smtClean="0">
+                <a:solidFill>
+                  <a:srgbClr val="FF0000"/>
+                </a:solidFill>
+              </a:rPr>
+              <a:t>sup_name</a:t>
+            </a:r>
+            <a:r>
+              <a:rPr lang="en-US" sz="2000" dirty="0" smtClean="0">
+                <a:solidFill>
+                  <a:srgbClr val="FF0000"/>
+                </a:solidFill>
+              </a:rPr>
+              <a:t>, </a:t>
+            </a:r>
+            <a:r>
+              <a:rPr lang="en-US" sz="2000" dirty="0" err="1" smtClean="0">
+                <a:solidFill>
+                  <a:srgbClr val="FF0000"/>
+                </a:solidFill>
+              </a:rPr>
+              <a:t>contact_mail</a:t>
+            </a:r>
+            <a:r>
+              <a:rPr lang="en-US" sz="2000" dirty="0" smtClean="0">
+                <a:solidFill>
+                  <a:srgbClr val="FF0000"/>
+                </a:solidFill>
+              </a:rPr>
+              <a:t>, </a:t>
+            </a:r>
+            <a:r>
+              <a:rPr lang="en-US" sz="2000" dirty="0" err="1" smtClean="0">
+                <a:solidFill>
+                  <a:srgbClr val="FF0000"/>
+                </a:solidFill>
+              </a:rPr>
+              <a:t>contact_phone</a:t>
+            </a:r>
+            <a:r>
+              <a:rPr lang="en-US" sz="2000" dirty="0" smtClean="0">
+                <a:solidFill>
+                  <a:srgbClr val="FF0000"/>
+                </a:solidFill>
+              </a:rPr>
+              <a:t>, </a:t>
+            </a:r>
+            <a:r>
+              <a:rPr lang="en-US" sz="2000" dirty="0" err="1" smtClean="0">
+                <a:solidFill>
+                  <a:srgbClr val="FF0000"/>
+                </a:solidFill>
+              </a:rPr>
+              <a:t>sup_address</a:t>
+            </a:r>
+            <a:r>
+              <a:rPr lang="en-US" sz="2000" dirty="0" smtClean="0">
+                <a:solidFill>
+                  <a:srgbClr val="FF0000"/>
+                </a:solidFill>
+              </a:rPr>
+              <a:t>, </a:t>
+            </a:r>
+            <a:r>
+              <a:rPr lang="en-US" sz="2000" dirty="0" err="1" smtClean="0">
+                <a:solidFill>
+                  <a:srgbClr val="FF0000"/>
+                </a:solidFill>
+              </a:rPr>
+              <a:t>sup_country</a:t>
+            </a:r>
+            <a:r>
+              <a:rPr lang="en-US" sz="2000" dirty="0" smtClean="0">
+                <a:solidFill>
+                  <a:srgbClr val="FF0000"/>
+                </a:solidFill>
+              </a:rPr>
+              <a:t>)</a:t>
+            </a:r>
+          </a:p>
+          <a:p>
+            <a:pPr>
+              <a:buNone/>
+            </a:pPr>
+            <a:r>
+              <a:rPr lang="en-US" sz="2000" dirty="0" smtClean="0">
+                <a:solidFill>
+                  <a:srgbClr val="FF0000"/>
+                </a:solidFill>
+              </a:rPr>
+              <a:t>		VALUES </a:t>
+            </a:r>
+            <a:r>
+              <a:rPr lang="en-US" sz="2000" dirty="0" smtClean="0">
+                <a:solidFill>
+                  <a:srgbClr val="FF0000"/>
+                </a:solidFill>
+              </a:rPr>
+              <a:t>(1, 'Apple', 'support@apple.com', '(123) 456-789', '123 </a:t>
+            </a:r>
+            <a:r>
+              <a:rPr lang="en-US" sz="2000" dirty="0" err="1" smtClean="0">
+                <a:solidFill>
+                  <a:srgbClr val="FF0000"/>
+                </a:solidFill>
+              </a:rPr>
+              <a:t>abc,xyz</a:t>
+            </a:r>
+            <a:r>
+              <a:rPr lang="en-US" sz="2000" dirty="0" smtClean="0">
+                <a:solidFill>
+                  <a:srgbClr val="FF0000"/>
+                </a:solidFill>
+              </a:rPr>
+              <a:t>', 'USA');</a:t>
+            </a:r>
+            <a:endParaRPr lang="en-US" sz="2000" dirty="0" smtClean="0">
+              <a:solidFill>
+                <a:srgbClr val="FF0000"/>
+              </a:solidFill>
+            </a:endParaRPr>
+          </a:p>
+          <a:p>
+            <a:endParaRPr lang="en-US" sz="2400" dirty="0"/>
+          </a:p>
+        </p:txBody>
+      </p:sp>
+      <p:sp>
+        <p:nvSpPr>
+          <p:cNvPr id="3" name="Title 2"/>
+          <p:cNvSpPr>
+            <a:spLocks noGrp="1"/>
+          </p:cNvSpPr>
+          <p:nvPr>
+            <p:ph type="title"/>
+          </p:nvPr>
+        </p:nvSpPr>
+        <p:spPr/>
+        <p:txBody>
+          <a:bodyPr>
+            <a:normAutofit/>
+          </a:bodyPr>
+          <a:lstStyle/>
+          <a:p>
             <a:pPr algn="ctr"/>
             <a:r>
               <a:rPr lang="en-US" sz="3200" dirty="0" smtClean="0"/>
@@ -5443,15 +7068,55 @@
           </a:p>
         </p:txBody>
       </p:sp>
+      <p:pic>
+        <p:nvPicPr>
+          <p:cNvPr id="6147" name="Picture 3"/>
+          <p:cNvPicPr>
+            <a:picLocks noChangeAspect="1" noChangeArrowheads="1"/>
+          </p:cNvPicPr>
+          <p:nvPr/>
+        </p:nvPicPr>
+        <p:blipFill>
+          <a:blip r:embed="rId2"/>
+          <a:srcRect/>
+          <a:stretch>
+            <a:fillRect/>
+          </a:stretch>
+        </p:blipFill>
+        <p:spPr bwMode="auto">
+          <a:xfrm>
+            <a:off x="0" y="3733800"/>
+            <a:ext cx="9144000" cy="3124199"/>
+          </a:xfrm>
+          <a:prstGeom prst="rect">
+            <a:avLst/>
+          </a:prstGeom>
+          <a:noFill/>
+          <a:ln w="9525">
+            <a:noFill/>
+            <a:miter lim="800000"/>
+            <a:headEnd/>
+            <a:tailEnd/>
+          </a:ln>
+          <a:effectLst/>
+        </p:spPr>
+      </p:pic>
     </p:spTree>
   </p:cSld>
   <p:clrMapOvr>
     <a:masterClrMapping/>
   </p:clrMapOvr>
+  <p:timing>
+    <p:tnLst>
+      <p:par>
+        <p:cTn id="1" dur="indefinite" restart="never" nodeType="tmRoot"/>
+      </p:par>
+    </p:tnLst>
+  </p:timing>
 </p:sld>
 </file>
 
-<file path=ppt/slides/slide14.xml><?xml version="1.0" encoding="utf-8"?>
+<file path=ppt/slides/slide25.xml><?xml version="1.0" encoding="utf-8"?>
 <p:sld xmlns:a="http://schemas.openxmlformats.org/drawingml/2006/main" xmlns:r="http://schemas.openxmlformats.org/officeDocument/2006/relationships" xmlns:p="http://schemas.openxmlformats.org/presentationml/2006/main">
   <p:cSld>
     <p:spTree>
@@ -5521,7 +7186,7 @@
 </p:sld>
 </file>
 
-<file path=ppt/slides/slide15.xml><?xml version="1.0" encoding="utf-8"?>
+<file path=ppt/slides/slide26.xml><?xml version="1.0" encoding="utf-8"?>
 <p:sld xmlns:a="http://schemas.openxmlformats.org/drawingml/2006/main" xmlns:r="http://schemas.openxmlformats.org/officeDocument/2006/relationships" xmlns:p="http://schemas.openxmlformats.org/presentationml/2006/main">
   <p:cSld>
     <p:spTree>
@@ -5591,7 +7256,7 @@
 </p:sld>
 </file>
 
-<file path=ppt/slides/slide2.xml><?xml version="1.0" encoding="utf-8"?>
+<file path=ppt/slides/slide27.xml><?xml version="1.0" encoding="utf-8"?>
 <p:sld xmlns:a="http://schemas.openxmlformats.org/drawingml/2006/main" xmlns:r="http://schemas.openxmlformats.org/officeDocument/2006/relationships" xmlns:p="http://schemas.openxmlformats.org/presentationml/2006/main">
   <p:cSld>
     <p:spTree>
@@ -5608,29 +7273,250 @@
           <a:chExt cx="0" cy="0"/>
         </a:xfrm>
       </p:grpSpPr>
+      <p:sp>
+        <p:nvSpPr>
+          <p:cNvPr id="2" name="Content Placeholder 1"/>
+          <p:cNvSpPr>
+            <a:spLocks noGrp="1"/>
+          </p:cNvSpPr>
+          <p:nvPr>
+            <p:ph idx="1"/>
+          </p:nvPr>
+        </p:nvSpPr>
+        <p:spPr/>
+        <p:txBody>
+          <a:bodyPr/>
+          <a:lstStyle/>
+          <a:p>
+            <a:endParaRPr lang="en-US" dirty="0"/>
+          </a:p>
+        </p:txBody>
+      </p:sp>
+      <p:sp>
+        <p:nvSpPr>
+          <p:cNvPr id="3" name="Title 2"/>
+          <p:cNvSpPr>
+            <a:spLocks noGrp="1"/>
+          </p:cNvSpPr>
+          <p:nvPr>
+            <p:ph type="title"/>
+          </p:nvPr>
+        </p:nvSpPr>
+        <p:spPr/>
+        <p:txBody>
+          <a:bodyPr>
+            <a:normAutofit/>
+          </a:bodyPr>
+          <a:lstStyle/>
+          <a:p>
+            <a:pPr algn="ctr"/>
+            <a:r>
+              <a:rPr lang="en-US" sz="3200" dirty="0" smtClean="0"/>
+              <a:t>Query Insert</a:t>
+            </a:r>
+            <a:endParaRPr lang="en-US" sz="3200" dirty="0"/>
+          </a:p>
+        </p:txBody>
+      </p:sp>
+    </p:spTree>
+  </p:cSld>
+  <p:clrMapOvr>
+    <a:masterClrMapping/>
+  </p:clrMapOvr>
+</p:sld>
+</file>
+
+<file path=ppt/slides/slide28.xml><?xml version="1.0" encoding="utf-8"?>
+<p:sld xmlns:a="http://schemas.openxmlformats.org/drawingml/2006/main" xmlns:r="http://schemas.openxmlformats.org/officeDocument/2006/relationships" xmlns:p="http://schemas.openxmlformats.org/presentationml/2006/main">
+  <p:cSld>
+    <p:spTree>
+      <p:nvGrpSpPr>
+        <p:cNvPr id="1" name=""/>
+        <p:cNvGrpSpPr/>
+        <p:nvPr/>
+      </p:nvGrpSpPr>
+      <p:grpSpPr>
+        <a:xfrm>
+          <a:off x="0" y="0"/>
+          <a:ext cx="0" cy="0"/>
+          <a:chOff x="0" y="0"/>
+          <a:chExt cx="0" cy="0"/>
+        </a:xfrm>
+      </p:grpSpPr>
+      <p:sp>
+        <p:nvSpPr>
+          <p:cNvPr id="2" name="Content Placeholder 1"/>
+          <p:cNvSpPr>
+            <a:spLocks noGrp="1"/>
+          </p:cNvSpPr>
+          <p:nvPr>
+            <p:ph idx="1"/>
+          </p:nvPr>
+        </p:nvSpPr>
+        <p:spPr/>
+        <p:txBody>
+          <a:bodyPr/>
+          <a:lstStyle/>
+          <a:p>
+            <a:r>
+              <a:rPr lang="en-US" dirty="0" smtClean="0"/>
+              <a:t>Edit a category in category list</a:t>
+            </a:r>
+            <a:endParaRPr lang="en-US" dirty="0"/>
+          </a:p>
+        </p:txBody>
+      </p:sp>
+      <p:sp>
+        <p:nvSpPr>
+          <p:cNvPr id="3" name="Title 2"/>
+          <p:cNvSpPr>
+            <a:spLocks noGrp="1"/>
+          </p:cNvSpPr>
+          <p:nvPr>
+            <p:ph type="title"/>
+          </p:nvPr>
+        </p:nvSpPr>
+        <p:spPr/>
+        <p:txBody>
+          <a:bodyPr>
+            <a:normAutofit/>
+          </a:bodyPr>
+          <a:lstStyle/>
+          <a:p>
+            <a:pPr algn="ctr"/>
+            <a:r>
+              <a:rPr lang="en-US" sz="3200" dirty="0" smtClean="0"/>
+              <a:t>Query </a:t>
+            </a:r>
+            <a:r>
+              <a:rPr lang="en-US" sz="3200" dirty="0" smtClean="0"/>
+              <a:t>Update</a:t>
+            </a:r>
+            <a:endParaRPr lang="en-US" sz="3200" dirty="0"/>
+          </a:p>
+        </p:txBody>
+      </p:sp>
       <p:pic>
         <p:nvPicPr>
-          <p:cNvPr id="4" name="Content Placeholder 3" descr="45055760_197202261177450_8726261707288084480_n.png"/>
+          <p:cNvPr id="3075" name="Picture 3"/>
           <p:cNvPicPr>
-            <a:picLocks noGrp="1" noChangeAspect="1"/>
+            <a:picLocks noChangeAspect="1" noChangeArrowheads="1"/>
           </p:cNvPicPr>
-          <p:nvPr>
-            <p:ph idx="1"/>
-          </p:nvPr>
+          <p:nvPr/>
         </p:nvPicPr>
         <p:blipFill>
           <a:blip r:embed="rId2"/>
+          <a:srcRect/>
           <a:stretch>
             <a:fillRect/>
           </a:stretch>
         </p:blipFill>
-        <p:spPr>
+        <p:spPr bwMode="auto">
           <a:xfrm>
-            <a:off x="1" y="1066800"/>
-            <a:ext cx="9144000" cy="5943600"/>
+            <a:off x="0" y="2057400"/>
+            <a:ext cx="9144000" cy="2409825"/>
           </a:xfrm>
+          <a:prstGeom prst="rect">
+            <a:avLst/>
+          </a:prstGeom>
+          <a:noFill/>
+          <a:ln w="9525">
+            <a:noFill/>
+            <a:miter lim="800000"/>
+            <a:headEnd/>
+            <a:tailEnd/>
+          </a:ln>
+          <a:effectLst/>
         </p:spPr>
       </p:pic>
+      <p:pic>
+        <p:nvPicPr>
+          <p:cNvPr id="3076" name="Picture 4"/>
+          <p:cNvPicPr>
+            <a:picLocks noChangeAspect="1" noChangeArrowheads="1"/>
+          </p:cNvPicPr>
+          <p:nvPr/>
+        </p:nvPicPr>
+        <p:blipFill>
+          <a:blip r:embed="rId3"/>
+          <a:srcRect/>
+          <a:stretch>
+            <a:fillRect/>
+          </a:stretch>
+        </p:blipFill>
+        <p:spPr bwMode="auto">
+          <a:xfrm>
+            <a:off x="-76200" y="4391025"/>
+            <a:ext cx="9144001" cy="2466975"/>
+          </a:xfrm>
+          <a:prstGeom prst="rect">
+            <a:avLst/>
+          </a:prstGeom>
+          <a:noFill/>
+          <a:ln w="9525">
+            <a:noFill/>
+            <a:miter lim="800000"/>
+            <a:headEnd/>
+            <a:tailEnd/>
+          </a:ln>
+          <a:effectLst/>
+        </p:spPr>
+      </p:pic>
+    </p:spTree>
+  </p:cSld>
+  <p:clrMapOvr>
+    <a:masterClrMapping/>
+  </p:clrMapOvr>
+  <p:timing>
+    <p:tnLst>
+      <p:par>
+        <p:cTn id="1" dur="indefinite" restart="never" nodeType="tmRoot"/>
+      </p:par>
+    </p:tnLst>
+  </p:timing>
+</p:sld>
+</file>
+
+<file path=ppt/slides/slide29.xml><?xml version="1.0" encoding="utf-8"?>
+<p:sld xmlns:a="http://schemas.openxmlformats.org/drawingml/2006/main" xmlns:r="http://schemas.openxmlformats.org/officeDocument/2006/relationships" xmlns:p="http://schemas.openxmlformats.org/presentationml/2006/main">
+  <p:cSld>
+    <p:spTree>
+      <p:nvGrpSpPr>
+        <p:cNvPr id="1" name=""/>
+        <p:cNvGrpSpPr/>
+        <p:nvPr/>
+      </p:nvGrpSpPr>
+      <p:grpSpPr>
+        <a:xfrm>
+          <a:off x="0" y="0"/>
+          <a:ext cx="0" cy="0"/>
+          <a:chOff x="0" y="0"/>
+          <a:chExt cx="0" cy="0"/>
+        </a:xfrm>
+      </p:grpSpPr>
+      <p:sp>
+        <p:nvSpPr>
+          <p:cNvPr id="2" name="Content Placeholder 1"/>
+          <p:cNvSpPr>
+            <a:spLocks noGrp="1"/>
+          </p:cNvSpPr>
+          <p:nvPr>
+            <p:ph idx="1"/>
+          </p:nvPr>
+        </p:nvSpPr>
+        <p:spPr/>
+        <p:txBody>
+          <a:bodyPr/>
+          <a:lstStyle/>
+          <a:p>
+            <a:r>
+              <a:rPr lang="en-US" dirty="0" smtClean="0"/>
+              <a:t>Edit information of a supplier in suppliers list </a:t>
+            </a:r>
+            <a:endParaRPr lang="en-US" dirty="0"/>
+          </a:p>
+        </p:txBody>
+      </p:sp>
       <p:sp>
         <p:nvSpPr>
           <p:cNvPr id="3" name="Title 2"/>
@@ -5651,7 +7537,11 @@
             <a:pPr algn="ctr"/>
             <a:r>
               <a:rPr lang="en-US" sz="3200" dirty="0" smtClean="0"/>
-              <a:t>Database structure</a:t>
+              <a:t>Query </a:t>
+            </a:r>
+            <a:r>
+              <a:rPr lang="en-US" sz="3200" dirty="0" smtClean="0"/>
+              <a:t>Update</a:t>
             </a:r>
             <a:endParaRPr lang="en-US" sz="3200" dirty="0"/>
           </a:p>
@@ -5846,6 +7736,360 @@
 </p:sld>
 </file>
 
+<file path=ppt/slides/slide30.xml><?xml version="1.0" encoding="utf-8"?>
+<p:sld xmlns:a="http://schemas.openxmlformats.org/drawingml/2006/main" xmlns:r="http://schemas.openxmlformats.org/officeDocument/2006/relationships" xmlns:p="http://schemas.openxmlformats.org/presentationml/2006/main">
+  <p:cSld>
+    <p:spTree>
+      <p:nvGrpSpPr>
+        <p:cNvPr id="1" name=""/>
+        <p:cNvGrpSpPr/>
+        <p:nvPr/>
+      </p:nvGrpSpPr>
+      <p:grpSpPr>
+        <a:xfrm>
+          <a:off x="0" y="0"/>
+          <a:ext cx="0" cy="0"/>
+          <a:chOff x="0" y="0"/>
+          <a:chExt cx="0" cy="0"/>
+        </a:xfrm>
+      </p:grpSpPr>
+      <p:sp>
+        <p:nvSpPr>
+          <p:cNvPr id="2" name="Content Placeholder 1"/>
+          <p:cNvSpPr>
+            <a:spLocks noGrp="1"/>
+          </p:cNvSpPr>
+          <p:nvPr>
+            <p:ph idx="1"/>
+          </p:nvPr>
+        </p:nvSpPr>
+        <p:spPr/>
+        <p:txBody>
+          <a:bodyPr/>
+          <a:lstStyle/>
+          <a:p>
+            <a:endParaRPr lang="en-US" dirty="0"/>
+          </a:p>
+        </p:txBody>
+      </p:sp>
+      <p:sp>
+        <p:nvSpPr>
+          <p:cNvPr id="3" name="Title 2"/>
+          <p:cNvSpPr>
+            <a:spLocks noGrp="1"/>
+          </p:cNvSpPr>
+          <p:nvPr>
+            <p:ph type="title"/>
+          </p:nvPr>
+        </p:nvSpPr>
+        <p:spPr/>
+        <p:txBody>
+          <a:bodyPr>
+            <a:normAutofit/>
+          </a:bodyPr>
+          <a:lstStyle/>
+          <a:p>
+            <a:pPr algn="ctr"/>
+            <a:r>
+              <a:rPr lang="en-US" sz="3200" dirty="0" smtClean="0"/>
+              <a:t>Query </a:t>
+            </a:r>
+            <a:r>
+              <a:rPr lang="en-US" sz="3200" dirty="0" smtClean="0"/>
+              <a:t>Update</a:t>
+            </a:r>
+            <a:endParaRPr lang="en-US" sz="3200" dirty="0"/>
+          </a:p>
+        </p:txBody>
+      </p:sp>
+    </p:spTree>
+  </p:cSld>
+  <p:clrMapOvr>
+    <a:masterClrMapping/>
+  </p:clrMapOvr>
+</p:sld>
+</file>
+
+<file path=ppt/slides/slide31.xml><?xml version="1.0" encoding="utf-8"?>
+<p:sld xmlns:a="http://schemas.openxmlformats.org/drawingml/2006/main" xmlns:r="http://schemas.openxmlformats.org/officeDocument/2006/relationships" xmlns:p="http://schemas.openxmlformats.org/presentationml/2006/main">
+  <p:cSld>
+    <p:spTree>
+      <p:nvGrpSpPr>
+        <p:cNvPr id="1" name=""/>
+        <p:cNvGrpSpPr/>
+        <p:nvPr/>
+      </p:nvGrpSpPr>
+      <p:grpSpPr>
+        <a:xfrm>
+          <a:off x="0" y="0"/>
+          <a:ext cx="0" cy="0"/>
+          <a:chOff x="0" y="0"/>
+          <a:chExt cx="0" cy="0"/>
+        </a:xfrm>
+      </p:grpSpPr>
+      <p:sp>
+        <p:nvSpPr>
+          <p:cNvPr id="2" name="Content Placeholder 1"/>
+          <p:cNvSpPr>
+            <a:spLocks noGrp="1"/>
+          </p:cNvSpPr>
+          <p:nvPr>
+            <p:ph idx="1"/>
+          </p:nvPr>
+        </p:nvSpPr>
+        <p:spPr/>
+        <p:txBody>
+          <a:bodyPr/>
+          <a:lstStyle/>
+          <a:p>
+            <a:endParaRPr lang="en-US" dirty="0"/>
+          </a:p>
+        </p:txBody>
+      </p:sp>
+      <p:sp>
+        <p:nvSpPr>
+          <p:cNvPr id="3" name="Title 2"/>
+          <p:cNvSpPr>
+            <a:spLocks noGrp="1"/>
+          </p:cNvSpPr>
+          <p:nvPr>
+            <p:ph type="title"/>
+          </p:nvPr>
+        </p:nvSpPr>
+        <p:spPr/>
+        <p:txBody>
+          <a:bodyPr>
+            <a:normAutofit/>
+          </a:bodyPr>
+          <a:lstStyle/>
+          <a:p>
+            <a:pPr algn="ctr"/>
+            <a:r>
+              <a:rPr lang="en-US" sz="3200" dirty="0" smtClean="0"/>
+              <a:t>Query Insert</a:t>
+            </a:r>
+            <a:endParaRPr lang="en-US" sz="3200" dirty="0"/>
+          </a:p>
+        </p:txBody>
+      </p:sp>
+    </p:spTree>
+  </p:cSld>
+  <p:clrMapOvr>
+    <a:masterClrMapping/>
+  </p:clrMapOvr>
+</p:sld>
+</file>
+
+<file path=ppt/slides/slide32.xml><?xml version="1.0" encoding="utf-8"?>
+<p:sld xmlns:a="http://schemas.openxmlformats.org/drawingml/2006/main" xmlns:r="http://schemas.openxmlformats.org/officeDocument/2006/relationships" xmlns:p="http://schemas.openxmlformats.org/presentationml/2006/main">
+  <p:cSld>
+    <p:spTree>
+      <p:nvGrpSpPr>
+        <p:cNvPr id="1" name=""/>
+        <p:cNvGrpSpPr/>
+        <p:nvPr/>
+      </p:nvGrpSpPr>
+      <p:grpSpPr>
+        <a:xfrm>
+          <a:off x="0" y="0"/>
+          <a:ext cx="0" cy="0"/>
+          <a:chOff x="0" y="0"/>
+          <a:chExt cx="0" cy="0"/>
+        </a:xfrm>
+      </p:grpSpPr>
+      <p:sp>
+        <p:nvSpPr>
+          <p:cNvPr id="2" name="Content Placeholder 1"/>
+          <p:cNvSpPr>
+            <a:spLocks noGrp="1"/>
+          </p:cNvSpPr>
+          <p:nvPr>
+            <p:ph idx="1"/>
+          </p:nvPr>
+        </p:nvSpPr>
+        <p:spPr/>
+        <p:txBody>
+          <a:bodyPr/>
+          <a:lstStyle/>
+          <a:p>
+            <a:endParaRPr lang="en-US" dirty="0"/>
+          </a:p>
+        </p:txBody>
+      </p:sp>
+      <p:sp>
+        <p:nvSpPr>
+          <p:cNvPr id="3" name="Title 2"/>
+          <p:cNvSpPr>
+            <a:spLocks noGrp="1"/>
+          </p:cNvSpPr>
+          <p:nvPr>
+            <p:ph type="title"/>
+          </p:nvPr>
+        </p:nvSpPr>
+        <p:spPr/>
+        <p:txBody>
+          <a:bodyPr>
+            <a:normAutofit/>
+          </a:bodyPr>
+          <a:lstStyle/>
+          <a:p>
+            <a:pPr algn="ctr"/>
+            <a:r>
+              <a:rPr lang="en-US" sz="3200" dirty="0" smtClean="0"/>
+              <a:t>Query Insert</a:t>
+            </a:r>
+            <a:endParaRPr lang="en-US" sz="3200" dirty="0"/>
+          </a:p>
+        </p:txBody>
+      </p:sp>
+    </p:spTree>
+  </p:cSld>
+  <p:clrMapOvr>
+    <a:masterClrMapping/>
+  </p:clrMapOvr>
+</p:sld>
+</file>
+
+<file path=ppt/slides/slide33.xml><?xml version="1.0" encoding="utf-8"?>
+<p:sld xmlns:a="http://schemas.openxmlformats.org/drawingml/2006/main" xmlns:r="http://schemas.openxmlformats.org/officeDocument/2006/relationships" xmlns:p="http://schemas.openxmlformats.org/presentationml/2006/main">
+  <p:cSld>
+    <p:spTree>
+      <p:nvGrpSpPr>
+        <p:cNvPr id="1" name=""/>
+        <p:cNvGrpSpPr/>
+        <p:nvPr/>
+      </p:nvGrpSpPr>
+      <p:grpSpPr>
+        <a:xfrm>
+          <a:off x="0" y="0"/>
+          <a:ext cx="0" cy="0"/>
+          <a:chOff x="0" y="0"/>
+          <a:chExt cx="0" cy="0"/>
+        </a:xfrm>
+      </p:grpSpPr>
+      <p:sp>
+        <p:nvSpPr>
+          <p:cNvPr id="2" name="Content Placeholder 1"/>
+          <p:cNvSpPr>
+            <a:spLocks noGrp="1"/>
+          </p:cNvSpPr>
+          <p:nvPr>
+            <p:ph idx="1"/>
+          </p:nvPr>
+        </p:nvSpPr>
+        <p:spPr/>
+        <p:txBody>
+          <a:bodyPr/>
+          <a:lstStyle/>
+          <a:p>
+            <a:endParaRPr lang="en-US" dirty="0"/>
+          </a:p>
+        </p:txBody>
+      </p:sp>
+      <p:sp>
+        <p:nvSpPr>
+          <p:cNvPr id="3" name="Title 2"/>
+          <p:cNvSpPr>
+            <a:spLocks noGrp="1"/>
+          </p:cNvSpPr>
+          <p:nvPr>
+            <p:ph type="title"/>
+          </p:nvPr>
+        </p:nvSpPr>
+        <p:spPr/>
+        <p:txBody>
+          <a:bodyPr>
+            <a:normAutofit/>
+          </a:bodyPr>
+          <a:lstStyle/>
+          <a:p>
+            <a:pPr algn="ctr"/>
+            <a:r>
+              <a:rPr lang="en-US" sz="3200" dirty="0" smtClean="0"/>
+              <a:t>Query Insert</a:t>
+            </a:r>
+            <a:endParaRPr lang="en-US" sz="3200" dirty="0"/>
+          </a:p>
+        </p:txBody>
+      </p:sp>
+    </p:spTree>
+  </p:cSld>
+  <p:clrMapOvr>
+    <a:masterClrMapping/>
+  </p:clrMapOvr>
+</p:sld>
+</file>
+
+<file path=ppt/slides/slide34.xml><?xml version="1.0" encoding="utf-8"?>
+<p:sld xmlns:a="http://schemas.openxmlformats.org/drawingml/2006/main" xmlns:r="http://schemas.openxmlformats.org/officeDocument/2006/relationships" xmlns:p="http://schemas.openxmlformats.org/presentationml/2006/main">
+  <p:cSld>
+    <p:spTree>
+      <p:nvGrpSpPr>
+        <p:cNvPr id="1" name=""/>
+        <p:cNvGrpSpPr/>
+        <p:nvPr/>
+      </p:nvGrpSpPr>
+      <p:grpSpPr>
+        <a:xfrm>
+          <a:off x="0" y="0"/>
+          <a:ext cx="0" cy="0"/>
+          <a:chOff x="0" y="0"/>
+          <a:chExt cx="0" cy="0"/>
+        </a:xfrm>
+      </p:grpSpPr>
+      <p:sp>
+        <p:nvSpPr>
+          <p:cNvPr id="2" name="Content Placeholder 1"/>
+          <p:cNvSpPr>
+            <a:spLocks noGrp="1"/>
+          </p:cNvSpPr>
+          <p:nvPr>
+            <p:ph idx="1"/>
+          </p:nvPr>
+        </p:nvSpPr>
+        <p:spPr/>
+        <p:txBody>
+          <a:bodyPr/>
+          <a:lstStyle/>
+          <a:p>
+            <a:endParaRPr lang="en-US" dirty="0"/>
+          </a:p>
+        </p:txBody>
+      </p:sp>
+      <p:sp>
+        <p:nvSpPr>
+          <p:cNvPr id="3" name="Title 2"/>
+          <p:cNvSpPr>
+            <a:spLocks noGrp="1"/>
+          </p:cNvSpPr>
+          <p:nvPr>
+            <p:ph type="title"/>
+          </p:nvPr>
+        </p:nvSpPr>
+        <p:spPr/>
+        <p:txBody>
+          <a:bodyPr>
+            <a:normAutofit/>
+          </a:bodyPr>
+          <a:lstStyle/>
+          <a:p>
+            <a:pPr algn="ctr"/>
+            <a:r>
+              <a:rPr lang="en-US" sz="3200" dirty="0" smtClean="0"/>
+              <a:t>Query Insert</a:t>
+            </a:r>
+            <a:endParaRPr lang="en-US" sz="3200" dirty="0"/>
+          </a:p>
+        </p:txBody>
+      </p:sp>
+    </p:spTree>
+  </p:cSld>
+  <p:clrMapOvr>
+    <a:masterClrMapping/>
+  </p:clrMapOvr>
+</p:sld>
+</file>
+
 <file path=ppt/slides/slide4.xml><?xml version="1.0" encoding="utf-8"?>
 <p:sld xmlns:a="http://schemas.openxmlformats.org/drawingml/2006/main" xmlns:r="http://schemas.openxmlformats.org/officeDocument/2006/relationships" xmlns:p="http://schemas.openxmlformats.org/presentationml/2006/main">
   <p:cSld>
@@ -5919,7 +8163,11 @@
             <a:pPr algn="ctr"/>
             <a:r>
               <a:rPr lang="en-US" sz="3200" dirty="0" smtClean="0"/>
-              <a:t> Query Selector</a:t>
+              <a:t> Query </a:t>
+            </a:r>
+            <a:r>
+              <a:rPr lang="en-US" sz="3200" dirty="0" smtClean="0"/>
+              <a:t>Select</a:t>
             </a:r>
             <a:endParaRPr lang="en-US" sz="3200" dirty="0"/>
           </a:p>
@@ -6030,7 +8278,6 @@
               <a:rPr lang="en-US" sz="2000" dirty="0" smtClean="0"/>
               <a:t> (Primary Key)</a:t>
             </a:r>
-            <a:endParaRPr lang="en-US" sz="2000" dirty="0" smtClean="0"/>
           </a:p>
           <a:p>
             <a:endParaRPr lang="en-US" sz="2000" dirty="0" smtClean="0"/>
@@ -6063,7 +8310,11 @@
             <a:pPr algn="ctr"/>
             <a:r>
               <a:rPr lang="en-US" sz="3200" dirty="0" smtClean="0"/>
-              <a:t> Query Selector</a:t>
+              <a:t> Query </a:t>
+            </a:r>
+            <a:r>
+              <a:rPr lang="en-US" sz="3200" dirty="0" smtClean="0"/>
+              <a:t>Select</a:t>
             </a:r>
             <a:endParaRPr lang="en-US" sz="3200" dirty="0"/>
           </a:p>
@@ -6152,13 +8403,8 @@
             </a:r>
             <a:r>
               <a:rPr lang="en-US" sz="2000" dirty="0" smtClean="0"/>
-              <a:t> of a product in table products by </a:t>
-            </a:r>
-            <a:r>
-              <a:rPr lang="en-US" sz="2000" dirty="0" smtClean="0"/>
-              <a:t>        slug (unique)</a:t>
-            </a:r>
-            <a:endParaRPr lang="en-US" sz="2000" dirty="0" smtClean="0"/>
+              <a:t> of a product in table products by         slug (unique)</a:t>
+            </a:r>
           </a:p>
           <a:p>
             <a:endParaRPr lang="en-US" dirty="0" smtClean="0"/>
@@ -6188,7 +8434,11 @@
             <a:pPr algn="ctr"/>
             <a:r>
               <a:rPr lang="en-US" sz="3200" dirty="0" smtClean="0"/>
-              <a:t> Query Selector</a:t>
+              <a:t> Query </a:t>
+            </a:r>
+            <a:r>
+              <a:rPr lang="en-US" sz="3200" dirty="0" smtClean="0"/>
+              <a:t>Select</a:t>
             </a:r>
             <a:endParaRPr lang="en-US" sz="3200" dirty="0"/>
           </a:p>
@@ -6269,11 +8519,7 @@
           <a:p>
             <a:r>
               <a:rPr lang="en-US" sz="2000" dirty="0" smtClean="0"/>
-              <a:t>Select </a:t>
-            </a:r>
-            <a:r>
-              <a:rPr lang="en-US" sz="2000" dirty="0" smtClean="0"/>
-              <a:t>all products which are selling 				status==1 =&gt; selling						status==0 =&gt;	stop selling</a:t>
+              <a:t>Select all products which are selling 				status==1 =&gt; selling						status==0 =&gt;	stop selling</a:t>
             </a:r>
           </a:p>
           <a:p>
@@ -6281,7 +8527,6 @@
               <a:rPr lang="en-US" sz="2000" dirty="0" smtClean="0"/>
               <a:t>			</a:t>
             </a:r>
-            <a:endParaRPr lang="en-US" sz="2000" dirty="0" smtClean="0"/>
           </a:p>
           <a:p>
             <a:endParaRPr lang="en-US" dirty="0" smtClean="0"/>
@@ -6392,23 +8637,23 @@
           <a:p>
             <a:r>
               <a:rPr lang="en-US" sz="2000" dirty="0" smtClean="0"/>
-              <a:t>Search products by </a:t>
+              <a:t>Select all </a:t>
             </a:r>
             <a:r>
               <a:rPr lang="en-US" sz="2000" dirty="0" err="1" smtClean="0"/>
-              <a:t>english</a:t>
+              <a:t>informations</a:t>
             </a:r>
             <a:r>
               <a:rPr lang="en-US" sz="2000" dirty="0" smtClean="0"/>
-              <a:t> keyword</a:t>
+              <a:t> of products and sort it by Price (Example : high to low)</a:t>
             </a:r>
             <a:endParaRPr lang="en-US" sz="2000" dirty="0" smtClean="0"/>
           </a:p>
           <a:p>
-            <a:endParaRPr lang="en-US" dirty="0" smtClean="0"/>
-          </a:p>
-          <a:p>
-            <a:endParaRPr lang="en-US" dirty="0"/>
+            <a:endParaRPr lang="en-US" sz="2000" dirty="0" smtClean="0"/>
+          </a:p>
+          <a:p>
+            <a:endParaRPr lang="en-US" sz="2000" dirty="0"/>
           </a:p>
         </p:txBody>
       </p:sp>
@@ -6432,7 +8677,11 @@
             <a:pPr algn="ctr"/>
             <a:r>
               <a:rPr lang="en-US" sz="3200" dirty="0" smtClean="0"/>
-              <a:t> Query Selector</a:t>
+              <a:t> Query </a:t>
+            </a:r>
+            <a:r>
+              <a:rPr lang="en-US" sz="3200" dirty="0" smtClean="0"/>
+              <a:t>Select</a:t>
             </a:r>
             <a:endParaRPr lang="en-US" sz="3200" dirty="0"/>
           </a:p>
@@ -6440,7 +8689,7 @@
       </p:sp>
       <p:pic>
         <p:nvPicPr>
-          <p:cNvPr id="3074" name="Picture 2"/>
+          <p:cNvPr id="1026" name="Picture 2"/>
           <p:cNvPicPr>
             <a:picLocks noChangeAspect="1" noChangeArrowheads="1"/>
           </p:cNvPicPr>
@@ -6455,8 +8704,8 @@
         </p:blipFill>
         <p:spPr bwMode="auto">
           <a:xfrm>
-            <a:off x="1" y="1981200"/>
-            <a:ext cx="9143999" cy="4876800"/>
+            <a:off x="1" y="2209800"/>
+            <a:ext cx="9144000" cy="4648200"/>
           </a:xfrm>
           <a:prstGeom prst="rect">
             <a:avLst/>
@@ -6513,23 +8762,31 @@
           <a:p>
             <a:r>
               <a:rPr lang="en-US" sz="2000" dirty="0" smtClean="0"/>
-              <a:t>Search products by </a:t>
+              <a:t>Search </a:t>
             </a:r>
             <a:r>
               <a:rPr lang="en-US" sz="2000" dirty="0" err="1" smtClean="0"/>
-              <a:t>vietnamese</a:t>
-            </a:r>
-            <a:r>
-              <a:rPr lang="en-US" sz="2000" smtClean="0"/>
-              <a:t> keyword</a:t>
+              <a:t>informations</a:t>
+            </a:r>
+            <a:r>
+              <a:rPr lang="en-US" sz="2000" dirty="0" smtClean="0"/>
+              <a:t> of </a:t>
+            </a:r>
+            <a:r>
+              <a:rPr lang="en-US" sz="2000" dirty="0" smtClean="0"/>
+              <a:t>products by </a:t>
+            </a:r>
+            <a:r>
+              <a:rPr lang="en-US" sz="2000" dirty="0" smtClean="0"/>
+              <a:t>keyword</a:t>
             </a:r>
             <a:endParaRPr lang="en-US" sz="2000" dirty="0" smtClean="0"/>
           </a:p>
           <a:p>
-            <a:endParaRPr lang="en-US" sz="2000" dirty="0" smtClean="0"/>
-          </a:p>
-          <a:p>
-            <a:endParaRPr lang="en-US" sz="2000" dirty="0"/>
+            <a:endParaRPr lang="en-US" dirty="0" smtClean="0"/>
+          </a:p>
+          <a:p>
+            <a:endParaRPr lang="en-US" dirty="0"/>
           </a:p>
         </p:txBody>
       </p:sp>
@@ -6553,12 +8810,49 @@
             <a:pPr algn="ctr"/>
             <a:r>
               <a:rPr lang="en-US" sz="3200" dirty="0" smtClean="0"/>
-              <a:t> Query Selector</a:t>
+              <a:t> Query </a:t>
+            </a:r>
+            <a:r>
+              <a:rPr lang="en-US" sz="3200" dirty="0" smtClean="0"/>
+              <a:t>Select</a:t>
             </a:r>
             <a:endParaRPr lang="en-US" sz="3200" dirty="0"/>
           </a:p>
         </p:txBody>
       </p:sp>
+      <p:pic>
+        <p:nvPicPr>
+          <p:cNvPr id="3074" name="Picture 2"/>
+          <p:cNvPicPr>
+            <a:picLocks noChangeAspect="1" noChangeArrowheads="1"/>
+          </p:cNvPicPr>
+          <p:nvPr/>
+        </p:nvPicPr>
+        <p:blipFill>
+          <a:blip r:embed="rId2"/>
+          <a:srcRect/>
+          <a:stretch>
+            <a:fillRect/>
+          </a:stretch>
+        </p:blipFill>
+        <p:spPr bwMode="auto">
+          <a:xfrm>
+            <a:off x="1" y="1981200"/>
+            <a:ext cx="9143999" cy="4876800"/>
+          </a:xfrm>
+          <a:prstGeom prst="rect">
+            <a:avLst/>
+          </a:prstGeom>
+          <a:noFill/>
+          <a:ln w="9525">
+            <a:noFill/>
+            <a:miter lim="800000"/>
+            <a:headEnd/>
+            <a:tailEnd/>
+          </a:ln>
+          <a:effectLst/>
+        </p:spPr>
+      </p:pic>
     </p:spTree>
   </p:cSld>
   <p:clrMapOvr>

--- a/SQL/Project1_database_design_and_query.pptx
+++ b/SQL/Project1_database_design_and_query.pptx
@@ -32,13 +32,16 @@
     <p:sldId id="269" r:id="rId26"/>
     <p:sldId id="270" r:id="rId27"/>
     <p:sldId id="275" r:id="rId28"/>
-    <p:sldId id="276" r:id="rId29"/>
-    <p:sldId id="277" r:id="rId30"/>
-    <p:sldId id="278" r:id="rId31"/>
-    <p:sldId id="279" r:id="rId32"/>
-    <p:sldId id="280" r:id="rId33"/>
-    <p:sldId id="281" r:id="rId34"/>
-    <p:sldId id="282" r:id="rId35"/>
+    <p:sldId id="290" r:id="rId29"/>
+    <p:sldId id="291" r:id="rId30"/>
+    <p:sldId id="293" r:id="rId31"/>
+    <p:sldId id="276" r:id="rId32"/>
+    <p:sldId id="277" r:id="rId33"/>
+    <p:sldId id="278" r:id="rId34"/>
+    <p:sldId id="279" r:id="rId35"/>
+    <p:sldId id="280" r:id="rId36"/>
+    <p:sldId id="281" r:id="rId37"/>
+    <p:sldId id="282" r:id="rId38"/>
   </p:sldIdLst>
   <p:sldSz cx="9144000" cy="6858000" type="screen4x3"/>
   <p:notesSz cx="6858000" cy="9144000"/>
@@ -766,7 +769,7 @@
             <a:fld id="{58A28DA0-9CF6-4387-B655-A5C6727665B0}" type="datetimeFigureOut">
               <a:rPr lang="en-US" smtClean="0"/>
               <a:pPr/>
-              <a:t>11/7/2018</a:t>
+              <a:t>11/9/2018</a:t>
             </a:fld>
             <a:endParaRPr lang="en-US"/>
           </a:p>
@@ -964,7 +967,7 @@
             <a:fld id="{58A28DA0-9CF6-4387-B655-A5C6727665B0}" type="datetimeFigureOut">
               <a:rPr lang="en-US" smtClean="0"/>
               <a:pPr/>
-              <a:t>11/7/2018</a:t>
+              <a:t>11/9/2018</a:t>
             </a:fld>
             <a:endParaRPr lang="en-US"/>
           </a:p>
@@ -1151,7 +1154,7 @@
             <a:fld id="{58A28DA0-9CF6-4387-B655-A5C6727665B0}" type="datetimeFigureOut">
               <a:rPr lang="en-US" smtClean="0"/>
               <a:pPr/>
-              <a:t>11/7/2018</a:t>
+              <a:t>11/9/2018</a:t>
             </a:fld>
             <a:endParaRPr lang="en-US"/>
           </a:p>
@@ -1303,7 +1306,7 @@
             <a:fld id="{58A28DA0-9CF6-4387-B655-A5C6727665B0}" type="datetimeFigureOut">
               <a:rPr lang="en-US" smtClean="0"/>
               <a:pPr/>
-              <a:t>11/7/2018</a:t>
+              <a:t>11/9/2018</a:t>
             </a:fld>
             <a:endParaRPr lang="en-US"/>
           </a:p>
@@ -1560,7 +1563,7 @@
             <a:fld id="{58A28DA0-9CF6-4387-B655-A5C6727665B0}" type="datetimeFigureOut">
               <a:rPr lang="en-US" smtClean="0"/>
               <a:pPr/>
-              <a:t>11/7/2018</a:t>
+              <a:t>11/9/2018</a:t>
             </a:fld>
             <a:endParaRPr lang="en-US"/>
           </a:p>
@@ -1971,7 +1974,7 @@
             <a:fld id="{58A28DA0-9CF6-4387-B655-A5C6727665B0}" type="datetimeFigureOut">
               <a:rPr lang="en-US" smtClean="0"/>
               <a:pPr/>
-              <a:t>11/7/2018</a:t>
+              <a:t>11/9/2018</a:t>
             </a:fld>
             <a:endParaRPr lang="en-US"/>
           </a:p>
@@ -2419,7 +2422,7 @@
             <a:fld id="{58A28DA0-9CF6-4387-B655-A5C6727665B0}" type="datetimeFigureOut">
               <a:rPr lang="en-US" smtClean="0"/>
               <a:pPr/>
-              <a:t>11/7/2018</a:t>
+              <a:t>11/9/2018</a:t>
             </a:fld>
             <a:endParaRPr lang="en-US"/>
           </a:p>
@@ -2522,7 +2525,7 @@
             <a:fld id="{58A28DA0-9CF6-4387-B655-A5C6727665B0}" type="datetimeFigureOut">
               <a:rPr lang="en-US" smtClean="0"/>
               <a:pPr/>
-              <a:t>11/7/2018</a:t>
+              <a:t>11/9/2018</a:t>
             </a:fld>
             <a:endParaRPr lang="en-US"/>
           </a:p>
@@ -2645,7 +2648,7 @@
             <a:fld id="{58A28DA0-9CF6-4387-B655-A5C6727665B0}" type="datetimeFigureOut">
               <a:rPr lang="en-US" smtClean="0"/>
               <a:pPr/>
-              <a:t>11/7/2018</a:t>
+              <a:t>11/9/2018</a:t>
             </a:fld>
             <a:endParaRPr lang="en-US"/>
           </a:p>
@@ -2921,7 +2924,7 @@
             <a:fld id="{58A28DA0-9CF6-4387-B655-A5C6727665B0}" type="datetimeFigureOut">
               <a:rPr lang="en-US" smtClean="0"/>
               <a:pPr/>
-              <a:t>11/7/2018</a:t>
+              <a:t>11/9/2018</a:t>
             </a:fld>
             <a:endParaRPr lang="en-US"/>
           </a:p>
@@ -3128,7 +3131,7 @@
             <a:fld id="{58A28DA0-9CF6-4387-B655-A5C6727665B0}" type="datetimeFigureOut">
               <a:rPr lang="en-US" smtClean="0"/>
               <a:pPr/>
-              <a:t>11/7/2018</a:t>
+              <a:t>11/9/2018</a:t>
             </a:fld>
             <a:endParaRPr lang="en-US"/>
           </a:p>
@@ -4239,7 +4242,7 @@
             <a:fld id="{58A28DA0-9CF6-4387-B655-A5C6727665B0}" type="datetimeFigureOut">
               <a:rPr lang="en-US" smtClean="0"/>
               <a:pPr/>
-              <a:t>11/7/2018</a:t>
+              <a:t>11/9/2018</a:t>
             </a:fld>
             <a:endParaRPr lang="en-US"/>
           </a:p>
@@ -4860,6 +4863,13 @@
   <p:clrMapOvr>
     <a:masterClrMapping/>
   </p:clrMapOvr>
+  <p:timing>
+    <p:tnLst>
+      <p:par>
+        <p:cTn id="1" dur="indefinite" restart="never" nodeType="tmRoot"/>
+      </p:par>
+    </p:tnLst>
+  </p:timing>
 </p:sld>
 </file>
 
@@ -4905,23 +4915,14 @@
             </a:r>
             <a:r>
               <a:rPr lang="en-US" sz="2000" dirty="0" smtClean="0"/>
-              <a:t> of products </a:t>
-            </a:r>
+              <a:t> of products with limit and offset (for pagination)</a:t>
+            </a:r>
+          </a:p>
+          <a:p>
             <a:r>
               <a:rPr lang="en-US" sz="2000" dirty="0" smtClean="0"/>
-              <a:t>with limit and offset (for pagination)</a:t>
-            </a:r>
-          </a:p>
-          <a:p>
-            <a:r>
-              <a:rPr lang="en-US" sz="2000" dirty="0" smtClean="0"/>
-              <a:t> </a:t>
-            </a:r>
-            <a:r>
-              <a:rPr lang="en-US" sz="2000" dirty="0" smtClean="0"/>
-              <a:t>	</a:t>
-            </a:r>
-            <a:endParaRPr lang="en-US" sz="2000" dirty="0" smtClean="0"/>
+              <a:t> 	</a:t>
+            </a:r>
           </a:p>
           <a:p>
             <a:endParaRPr lang="en-US" sz="2000" dirty="0" smtClean="0"/>
@@ -4960,11 +4961,7 @@
             <a:pPr algn="ctr"/>
             <a:r>
               <a:rPr lang="en-US" sz="3200" dirty="0" smtClean="0"/>
-              <a:t> Query </a:t>
-            </a:r>
-            <a:r>
-              <a:rPr lang="en-US" sz="3200" dirty="0" smtClean="0"/>
-              <a:t>Select</a:t>
+              <a:t> Query Select</a:t>
             </a:r>
             <a:endParaRPr lang="en-US" sz="3200" dirty="0"/>
           </a:p>
@@ -5008,6 +5005,13 @@
   <p:clrMapOvr>
     <a:masterClrMapping/>
   </p:clrMapOvr>
+  <p:timing>
+    <p:tnLst>
+      <p:par>
+        <p:cTn id="1" dur="indefinite" restart="never" nodeType="tmRoot"/>
+      </p:par>
+    </p:tnLst>
+  </p:timing>
 </p:sld>
 </file>
 
@@ -5047,7 +5051,6 @@
               <a:rPr lang="en-US" sz="2000" dirty="0" smtClean="0"/>
               <a:t>Select all categories in categories list </a:t>
             </a:r>
-            <a:endParaRPr lang="en-US" sz="2000" dirty="0" smtClean="0"/>
           </a:p>
           <a:p>
             <a:endParaRPr lang="en-US" dirty="0" smtClean="0"/>
@@ -5077,11 +5080,7 @@
             <a:pPr algn="ctr"/>
             <a:r>
               <a:rPr lang="en-US" sz="3200" dirty="0" smtClean="0"/>
-              <a:t> Query </a:t>
-            </a:r>
-            <a:r>
-              <a:rPr lang="en-US" sz="3200" dirty="0" smtClean="0"/>
-              <a:t>Select</a:t>
+              <a:t> Query Select</a:t>
             </a:r>
             <a:endParaRPr lang="en-US" sz="3200" dirty="0"/>
           </a:p>
@@ -5125,6 +5124,13 @@
   <p:clrMapOvr>
     <a:masterClrMapping/>
   </p:clrMapOvr>
+  <p:timing>
+    <p:tnLst>
+      <p:par>
+        <p:cTn id="1" dur="indefinite" restart="never" nodeType="tmRoot"/>
+      </p:par>
+    </p:tnLst>
+  </p:timing>
 </p:sld>
 </file>
 
@@ -5162,13 +5168,8 @@
           <a:p>
             <a:r>
               <a:rPr lang="en-US" sz="2000" dirty="0" smtClean="0"/>
-              <a:t>Select </a:t>
-            </a:r>
-            <a:r>
-              <a:rPr lang="en-US" sz="2000" dirty="0" smtClean="0"/>
-              <a:t>all information of supplier in suppliers list</a:t>
-            </a:r>
-            <a:endParaRPr lang="en-US" sz="2000" dirty="0" smtClean="0"/>
+              <a:t>Select all information of supplier in suppliers list</a:t>
+            </a:r>
           </a:p>
           <a:p>
             <a:endParaRPr lang="en-US" dirty="0" smtClean="0"/>
@@ -5198,11 +5199,7 @@
             <a:pPr algn="ctr"/>
             <a:r>
               <a:rPr lang="en-US" sz="3200" dirty="0" smtClean="0"/>
-              <a:t> Query </a:t>
-            </a:r>
-            <a:r>
-              <a:rPr lang="en-US" sz="3200" dirty="0" smtClean="0"/>
-              <a:t>Select</a:t>
+              <a:t> Query Select</a:t>
             </a:r>
             <a:endParaRPr lang="en-US" sz="3200" dirty="0"/>
           </a:p>
@@ -5246,6 +5243,13 @@
   <p:clrMapOvr>
     <a:masterClrMapping/>
   </p:clrMapOvr>
+  <p:timing>
+    <p:tnLst>
+      <p:par>
+        <p:cTn id="1" dur="indefinite" restart="never" nodeType="tmRoot"/>
+      </p:par>
+    </p:tnLst>
+  </p:timing>
 </p:sld>
 </file>
 
@@ -5283,11 +5287,7 @@
           <a:p>
             <a:r>
               <a:rPr lang="en-US" sz="2000" dirty="0" smtClean="0"/>
-              <a:t>Select </a:t>
-            </a:r>
-            <a:r>
-              <a:rPr lang="en-US" sz="2000" dirty="0" smtClean="0"/>
-              <a:t>supplier </a:t>
+              <a:t>Select supplier </a:t>
             </a:r>
             <a:r>
               <a:rPr lang="en-US" sz="2000" dirty="0" err="1" smtClean="0"/>
@@ -5297,7 +5297,6 @@
               <a:rPr lang="en-US" sz="2000" dirty="0" smtClean="0"/>
               <a:t> of any products</a:t>
             </a:r>
-            <a:endParaRPr lang="en-US" sz="2000" dirty="0" smtClean="0"/>
           </a:p>
           <a:p>
             <a:endParaRPr lang="en-US" dirty="0" smtClean="0"/>
@@ -5327,11 +5326,7 @@
             <a:pPr algn="ctr"/>
             <a:r>
               <a:rPr lang="en-US" sz="3200" dirty="0" smtClean="0"/>
-              <a:t> Query </a:t>
-            </a:r>
-            <a:r>
-              <a:rPr lang="en-US" sz="3200" dirty="0" smtClean="0"/>
-              <a:t>Select</a:t>
+              <a:t> Query Select</a:t>
             </a:r>
             <a:endParaRPr lang="en-US" sz="3200" dirty="0"/>
           </a:p>
@@ -5375,6 +5370,13 @@
   <p:clrMapOvr>
     <a:masterClrMapping/>
   </p:clrMapOvr>
+  <p:timing>
+    <p:tnLst>
+      <p:par>
+        <p:cTn id="1" dur="indefinite" restart="never" nodeType="tmRoot"/>
+      </p:par>
+    </p:tnLst>
+  </p:timing>
 </p:sld>
 </file>
 
@@ -5412,13 +5414,8 @@
           <a:p>
             <a:r>
               <a:rPr lang="en-US" sz="2000" dirty="0" smtClean="0"/>
-              <a:t>Select </a:t>
-            </a:r>
-            <a:r>
-              <a:rPr lang="en-US" sz="2000" dirty="0" smtClean="0"/>
-              <a:t>category name of any products </a:t>
-            </a:r>
-            <a:endParaRPr lang="en-US" sz="2000" dirty="0" smtClean="0"/>
+              <a:t>Select category name of any products </a:t>
+            </a:r>
           </a:p>
           <a:p>
             <a:endParaRPr lang="en-US" dirty="0" smtClean="0"/>
@@ -5448,11 +5445,7 @@
             <a:pPr algn="ctr"/>
             <a:r>
               <a:rPr lang="en-US" sz="3200" dirty="0" smtClean="0"/>
-              <a:t> Query </a:t>
-            </a:r>
-            <a:r>
-              <a:rPr lang="en-US" sz="3200" dirty="0" smtClean="0"/>
-              <a:t>Select</a:t>
+              <a:t> Query Select</a:t>
             </a:r>
             <a:endParaRPr lang="en-US" sz="3200" dirty="0"/>
           </a:p>
@@ -5496,6 +5489,13 @@
   <p:clrMapOvr>
     <a:masterClrMapping/>
   </p:clrMapOvr>
+  <p:timing>
+    <p:tnLst>
+      <p:par>
+        <p:cTn id="1" dur="indefinite" restart="never" nodeType="tmRoot"/>
+      </p:par>
+    </p:tnLst>
+  </p:timing>
 </p:sld>
 </file>
 
@@ -5533,8 +5533,9 @@
           <a:p>
             <a:r>
               <a:rPr lang="en-US" sz="2000" dirty="0" smtClean="0"/>
-              <a:t>Select </a:t>
-            </a:r>
+              <a:t>Select information orders are bought by any customers </a:t>
+            </a:r>
+            <a:endParaRPr lang="en-US" sz="2000" dirty="0" smtClean="0"/>
           </a:p>
           <a:p>
             <a:endParaRPr lang="en-US" dirty="0" smtClean="0"/>
@@ -5564,21 +5565,90 @@
             <a:pPr algn="ctr"/>
             <a:r>
               <a:rPr lang="en-US" sz="3200" dirty="0" smtClean="0"/>
-              <a:t> Query </a:t>
-            </a:r>
-            <a:r>
-              <a:rPr lang="en-US" sz="3200" dirty="0" smtClean="0"/>
-              <a:t>Select</a:t>
+              <a:t> Query Select</a:t>
             </a:r>
             <a:endParaRPr lang="en-US" sz="3200" dirty="0"/>
           </a:p>
         </p:txBody>
       </p:sp>
+      <p:pic>
+        <p:nvPicPr>
+          <p:cNvPr id="7170" name="Picture 2"/>
+          <p:cNvPicPr>
+            <a:picLocks noChangeAspect="1" noChangeArrowheads="1"/>
+          </p:cNvPicPr>
+          <p:nvPr/>
+        </p:nvPicPr>
+        <p:blipFill>
+          <a:blip r:embed="rId2"/>
+          <a:srcRect/>
+          <a:stretch>
+            <a:fillRect/>
+          </a:stretch>
+        </p:blipFill>
+        <p:spPr bwMode="auto">
+          <a:xfrm>
+            <a:off x="0" y="2057400"/>
+            <a:ext cx="9144000" cy="2000250"/>
+          </a:xfrm>
+          <a:prstGeom prst="rect">
+            <a:avLst/>
+          </a:prstGeom>
+          <a:noFill/>
+          <a:ln w="9525">
+            <a:noFill/>
+            <a:miter lim="800000"/>
+            <a:headEnd/>
+            <a:tailEnd/>
+          </a:ln>
+          <a:effectLst/>
+        </p:spPr>
+      </p:pic>
+      <p:pic>
+        <p:nvPicPr>
+          <p:cNvPr id="7171" name="Picture 3"/>
+          <p:cNvPicPr>
+            <a:picLocks noChangeAspect="1" noChangeArrowheads="1"/>
+          </p:cNvPicPr>
+          <p:nvPr/>
+        </p:nvPicPr>
+        <p:blipFill>
+          <a:blip r:embed="rId3"/>
+          <a:srcRect/>
+          <a:stretch>
+            <a:fillRect/>
+          </a:stretch>
+        </p:blipFill>
+        <p:spPr bwMode="auto">
+          <a:xfrm>
+            <a:off x="0" y="4038600"/>
+            <a:ext cx="9144000" cy="2819400"/>
+          </a:xfrm>
+          <a:prstGeom prst="rect">
+            <a:avLst/>
+          </a:prstGeom>
+          <a:noFill/>
+          <a:ln w="9525">
+            <a:noFill/>
+            <a:miter lim="800000"/>
+            <a:headEnd/>
+            <a:tailEnd/>
+          </a:ln>
+          <a:effectLst/>
+        </p:spPr>
+      </p:pic>
     </p:spTree>
   </p:cSld>
   <p:clrMapOvr>
     <a:masterClrMapping/>
   </p:clrMapOvr>
+  <p:timing>
+    <p:tnLst>
+      <p:par>
+        <p:cTn id="1" dur="indefinite" restart="never" nodeType="tmRoot"/>
+      </p:par>
+    </p:tnLst>
+  </p:timing>
 </p:sld>
 </file>
 
@@ -5616,23 +5686,21 @@
           <a:p>
             <a:r>
               <a:rPr lang="en-US" sz="2000" dirty="0" smtClean="0"/>
-              <a:t>Select </a:t>
+              <a:t>Select information orders are </a:t>
             </a:r>
             <a:r>
               <a:rPr lang="en-US" sz="2000" dirty="0" smtClean="0"/>
-              <a:t>all suppliers in suppliers </a:t>
-            </a:r>
-            <a:r>
-              <a:rPr lang="en-US" sz="2000" dirty="0" err="1" smtClean="0"/>
-              <a:t>li</a:t>
+              <a:t>sold by </a:t>
+            </a:r>
+            <a:r>
+              <a:rPr lang="en-US" sz="2000" dirty="0" smtClean="0"/>
+              <a:t>any </a:t>
+            </a:r>
+            <a:r>
+              <a:rPr lang="en-US" sz="2000" dirty="0" smtClean="0"/>
+              <a:t>employees</a:t>
             </a:r>
             <a:endParaRPr lang="en-US" sz="2000" dirty="0" smtClean="0"/>
-          </a:p>
-          <a:p>
-            <a:endParaRPr lang="en-US" dirty="0" smtClean="0"/>
-          </a:p>
-          <a:p>
-            <a:endParaRPr lang="en-US" dirty="0"/>
           </a:p>
         </p:txBody>
       </p:sp>
@@ -5656,21 +5724,57 @@
             <a:pPr algn="ctr"/>
             <a:r>
               <a:rPr lang="en-US" sz="3200" dirty="0" smtClean="0"/>
-              <a:t> Query </a:t>
-            </a:r>
-            <a:r>
-              <a:rPr lang="en-US" sz="3200" dirty="0" smtClean="0"/>
-              <a:t>Select</a:t>
+              <a:t> Query Select</a:t>
             </a:r>
             <a:endParaRPr lang="en-US" sz="3200" dirty="0"/>
           </a:p>
         </p:txBody>
       </p:sp>
+      <p:pic>
+        <p:nvPicPr>
+          <p:cNvPr id="8195" name="Picture 3"/>
+          <p:cNvPicPr>
+            <a:picLocks noChangeAspect="1" noChangeArrowheads="1"/>
+          </p:cNvPicPr>
+          <p:nvPr/>
+        </p:nvPicPr>
+        <p:blipFill>
+          <a:blip r:embed="rId2"/>
+          <a:srcRect/>
+          <a:stretch>
+            <a:fillRect/>
+          </a:stretch>
+        </p:blipFill>
+        <p:spPr bwMode="auto">
+          <a:xfrm>
+            <a:off x="0" y="1905000"/>
+            <a:ext cx="9144000" cy="4953000"/>
+          </a:xfrm>
+          <a:prstGeom prst="rect">
+            <a:avLst/>
+          </a:prstGeom>
+          <a:noFill/>
+          <a:ln w="9525">
+            <a:noFill/>
+            <a:miter lim="800000"/>
+            <a:headEnd/>
+            <a:tailEnd/>
+          </a:ln>
+          <a:effectLst/>
+        </p:spPr>
+      </p:pic>
     </p:spTree>
   </p:cSld>
   <p:clrMapOvr>
     <a:masterClrMapping/>
   </p:clrMapOvr>
+  <p:timing>
+    <p:tnLst>
+      <p:par>
+        <p:cTn id="1" dur="indefinite" restart="never" nodeType="tmRoot"/>
+      </p:par>
+    </p:tnLst>
+  </p:timing>
 </p:sld>
 </file>
 
@@ -5708,15 +5812,11 @@
           <a:p>
             <a:r>
               <a:rPr lang="en-US" sz="2000" dirty="0" smtClean="0"/>
-              <a:t>Select </a:t>
+              <a:t>Select information of products in a orders</a:t>
             </a:r>
             <a:r>
               <a:rPr lang="en-US" sz="2000" dirty="0" smtClean="0"/>
-              <a:t>all suppliers in suppliers </a:t>
-            </a:r>
-            <a:r>
-              <a:rPr lang="en-US" sz="2000" dirty="0" err="1" smtClean="0"/>
-              <a:t>li</a:t>
+              <a:t> </a:t>
             </a:r>
             <a:endParaRPr lang="en-US" sz="2000" dirty="0" smtClean="0"/>
           </a:p>
@@ -5748,21 +5848,57 @@
             <a:pPr algn="ctr"/>
             <a:r>
               <a:rPr lang="en-US" sz="3200" dirty="0" smtClean="0"/>
-              <a:t> Query </a:t>
-            </a:r>
-            <a:r>
-              <a:rPr lang="en-US" sz="3200" dirty="0" smtClean="0"/>
-              <a:t>Select</a:t>
+              <a:t> Query Select</a:t>
             </a:r>
             <a:endParaRPr lang="en-US" sz="3200" dirty="0"/>
           </a:p>
         </p:txBody>
       </p:sp>
+      <p:pic>
+        <p:nvPicPr>
+          <p:cNvPr id="9218" name="Picture 2"/>
+          <p:cNvPicPr>
+            <a:picLocks noChangeAspect="1" noChangeArrowheads="1"/>
+          </p:cNvPicPr>
+          <p:nvPr/>
+        </p:nvPicPr>
+        <p:blipFill>
+          <a:blip r:embed="rId2"/>
+          <a:srcRect/>
+          <a:stretch>
+            <a:fillRect/>
+          </a:stretch>
+        </p:blipFill>
+        <p:spPr bwMode="auto">
+          <a:xfrm>
+            <a:off x="0" y="1905001"/>
+            <a:ext cx="9144000" cy="4952999"/>
+          </a:xfrm>
+          <a:prstGeom prst="rect">
+            <a:avLst/>
+          </a:prstGeom>
+          <a:noFill/>
+          <a:ln w="9525">
+            <a:noFill/>
+            <a:miter lim="800000"/>
+            <a:headEnd/>
+            <a:tailEnd/>
+          </a:ln>
+          <a:effectLst/>
+        </p:spPr>
+      </p:pic>
     </p:spTree>
   </p:cSld>
   <p:clrMapOvr>
     <a:masterClrMapping/>
   </p:clrMapOvr>
+  <p:timing>
+    <p:tnLst>
+      <p:par>
+        <p:cTn id="1" dur="indefinite" restart="never" nodeType="tmRoot"/>
+      </p:par>
+    </p:tnLst>
+  </p:timing>
 </p:sld>
 </file>
 
@@ -5800,11 +5936,7 @@
           <a:p>
             <a:r>
               <a:rPr lang="en-US" sz="2000" dirty="0" smtClean="0"/>
-              <a:t>Select </a:t>
-            </a:r>
-            <a:r>
-              <a:rPr lang="en-US" sz="2000" dirty="0" smtClean="0"/>
-              <a:t>all suppliers in suppliers </a:t>
+              <a:t>Select all suppliers in suppliers </a:t>
             </a:r>
             <a:r>
               <a:rPr lang="en-US" sz="2000" dirty="0" err="1" smtClean="0"/>
@@ -5840,11 +5972,7 @@
             <a:pPr algn="ctr"/>
             <a:r>
               <a:rPr lang="en-US" sz="3200" dirty="0" smtClean="0"/>
-              <a:t> Query </a:t>
-            </a:r>
-            <a:r>
-              <a:rPr lang="en-US" sz="3200" dirty="0" smtClean="0"/>
-              <a:t>Select</a:t>
+              <a:t> Query Select</a:t>
             </a:r>
             <a:endParaRPr lang="en-US" sz="3200" dirty="0"/>
           </a:p>
@@ -5855,6 +5983,13 @@
   <p:clrMapOvr>
     <a:masterClrMapping/>
   </p:clrMapOvr>
+  <p:timing>
+    <p:tnLst>
+      <p:par>
+        <p:cTn id="1" dur="indefinite" restart="never" nodeType="tmRoot"/>
+      </p:par>
+    </p:tnLst>
+  </p:timing>
 </p:sld>
 </file>
 
@@ -5892,11 +6027,7 @@
           <a:p>
             <a:r>
               <a:rPr lang="en-US" sz="2000" dirty="0" smtClean="0"/>
-              <a:t>Select </a:t>
-            </a:r>
-            <a:r>
-              <a:rPr lang="en-US" sz="2000" dirty="0" smtClean="0"/>
-              <a:t>all suppliers in suppliers </a:t>
+              <a:t>Select all suppliers in suppliers </a:t>
             </a:r>
             <a:r>
               <a:rPr lang="en-US" sz="2000" dirty="0" err="1" smtClean="0"/>
@@ -5932,11 +6063,7 @@
             <a:pPr algn="ctr"/>
             <a:r>
               <a:rPr lang="en-US" sz="3200" dirty="0" smtClean="0"/>
-              <a:t> Query </a:t>
-            </a:r>
-            <a:r>
-              <a:rPr lang="en-US" sz="3200" dirty="0" smtClean="0"/>
-              <a:t>Select</a:t>
+              <a:t> Query Select</a:t>
             </a:r>
             <a:endParaRPr lang="en-US" sz="3200" dirty="0"/>
           </a:p>
@@ -5947,6 +6074,13 @@
   <p:clrMapOvr>
     <a:masterClrMapping/>
   </p:clrMapOvr>
+  <p:timing>
+    <p:tnLst>
+      <p:par>
+        <p:cTn id="1" dur="indefinite" restart="never" nodeType="tmRoot"/>
+      </p:par>
+    </p:tnLst>
+  </p:timing>
 </p:sld>
 </file>
 
@@ -6065,11 +6199,7 @@
           <a:p>
             <a:r>
               <a:rPr lang="en-US" sz="2000" dirty="0" smtClean="0"/>
-              <a:t>Select </a:t>
-            </a:r>
-            <a:r>
-              <a:rPr lang="en-US" sz="2000" dirty="0" smtClean="0"/>
-              <a:t>all suppliers in suppliers </a:t>
+              <a:t>Select all suppliers in suppliers </a:t>
             </a:r>
             <a:r>
               <a:rPr lang="en-US" sz="2000" dirty="0" err="1" smtClean="0"/>
@@ -6105,11 +6235,7 @@
             <a:pPr algn="ctr"/>
             <a:r>
               <a:rPr lang="en-US" sz="3200" dirty="0" smtClean="0"/>
-              <a:t> Query </a:t>
-            </a:r>
-            <a:r>
-              <a:rPr lang="en-US" sz="3200" dirty="0" smtClean="0"/>
-              <a:t>Select</a:t>
+              <a:t> Query Select</a:t>
             </a:r>
             <a:endParaRPr lang="en-US" sz="3200" dirty="0"/>
           </a:p>
@@ -6120,6 +6246,13 @@
   <p:clrMapOvr>
     <a:masterClrMapping/>
   </p:clrMapOvr>
+  <p:timing>
+    <p:tnLst>
+      <p:par>
+        <p:cTn id="1" dur="indefinite" restart="never" nodeType="tmRoot"/>
+      </p:par>
+    </p:tnLst>
+  </p:timing>
 </p:sld>
 </file>
 
@@ -6157,11 +6290,7 @@
           <a:p>
             <a:r>
               <a:rPr lang="en-US" sz="2000" dirty="0" smtClean="0"/>
-              <a:t>Select </a:t>
-            </a:r>
-            <a:r>
-              <a:rPr lang="en-US" sz="2000" dirty="0" smtClean="0"/>
-              <a:t>all suppliers in suppliers </a:t>
+              <a:t>Select all suppliers in suppliers </a:t>
             </a:r>
             <a:r>
               <a:rPr lang="en-US" sz="2000" dirty="0" err="1" smtClean="0"/>
@@ -6197,11 +6326,7 @@
             <a:pPr algn="ctr"/>
             <a:r>
               <a:rPr lang="en-US" sz="3200" dirty="0" smtClean="0"/>
-              <a:t> Query </a:t>
-            </a:r>
-            <a:r>
-              <a:rPr lang="en-US" sz="3200" dirty="0" smtClean="0"/>
-              <a:t>Select</a:t>
+              <a:t> Query Select</a:t>
             </a:r>
             <a:endParaRPr lang="en-US" sz="3200" dirty="0"/>
           </a:p>
@@ -6212,6 +6337,13 @@
   <p:clrMapOvr>
     <a:masterClrMapping/>
   </p:clrMapOvr>
+  <p:timing>
+    <p:tnLst>
+      <p:par>
+        <p:cTn id="1" dur="indefinite" restart="never" nodeType="tmRoot"/>
+      </p:par>
+    </p:tnLst>
+  </p:timing>
 </p:sld>
 </file>
 
@@ -6729,15 +6861,7 @@
                   <a:srgbClr val="FF0000"/>
                 </a:solidFill>
               </a:rPr>
-              <a:t>			VALUES </a:t>
-            </a:r>
-            <a:r>
-              <a:rPr lang="en-US" sz="2000" dirty="0" smtClean="0">
-                <a:solidFill>
-                  <a:srgbClr val="FF0000"/>
-                </a:solidFill>
-              </a:rPr>
-              <a:t>(5, 'Tablet', 'tablet');</a:t>
+              <a:t>			VALUES (5, 'Tablet', 'tablet');</a:t>
             </a:r>
             <a:endParaRPr lang="en-US" sz="2000" dirty="0">
               <a:solidFill>
@@ -7005,7 +7129,15 @@
                   <a:srgbClr val="FF0000"/>
                 </a:solidFill>
               </a:rPr>
-              <a:t>		VALUES </a:t>
+              <a:t>		VALUES (1, 'Apple', 'support@apple.com', '(123) 456-789', '123 </a:t>
+            </a:r>
+            <a:r>
+              <a:rPr lang="en-US" sz="2000" dirty="0" err="1" smtClean="0">
+                <a:solidFill>
+                  <a:srgbClr val="FF0000"/>
+                </a:solidFill>
+              </a:rPr>
+              <a:t>abc,xyz</a:t>
             </a:r>
             <a:r>
               <a:rPr lang="en-US" sz="2000" dirty="0" smtClean="0">
@@ -7013,29 +7145,8 @@
                   <a:srgbClr val="FF0000"/>
                 </a:solidFill>
               </a:rPr>
-              <a:t>(1, 'Apple', 'support@apple.com', '(123) 456-789', '123 </a:t>
-            </a:r>
-            <a:r>
-              <a:rPr lang="en-US" sz="2000" dirty="0" err="1" smtClean="0">
-                <a:solidFill>
-                  <a:srgbClr val="FF0000"/>
-                </a:solidFill>
-              </a:rPr>
-              <a:t>abc,xyz</a:t>
-            </a:r>
-            <a:r>
-              <a:rPr lang="en-US" sz="2000" dirty="0" smtClean="0">
-                <a:solidFill>
-                  <a:srgbClr val="FF0000"/>
-                </a:solidFill>
-              </a:rPr>
               <a:t>', 'USA');</a:t>
             </a:r>
-            <a:endParaRPr lang="en-US" sz="2000" dirty="0" smtClean="0">
-              <a:solidFill>
-                <a:srgbClr val="FF0000"/>
-              </a:solidFill>
-            </a:endParaRPr>
           </a:p>
           <a:p>
             <a:endParaRPr lang="en-US" sz="2400" dirty="0"/>
@@ -7145,30 +7256,357 @@
         </p:nvSpPr>
         <p:spPr/>
         <p:txBody>
-          <a:bodyPr/>
-          <a:lstStyle/>
-          <a:p>
-            <a:endParaRPr lang="en-US" dirty="0"/>
-          </a:p>
-        </p:txBody>
-      </p:sp>
-      <p:sp>
-        <p:nvSpPr>
-          <p:cNvPr id="3" name="Title 2"/>
-          <p:cNvSpPr>
-            <a:spLocks noGrp="1"/>
-          </p:cNvSpPr>
-          <p:nvPr>
-            <p:ph type="title"/>
-          </p:nvPr>
-        </p:nvSpPr>
-        <p:spPr/>
-        <p:txBody>
           <a:bodyPr>
             <a:normAutofit/>
           </a:bodyPr>
           <a:lstStyle/>
           <a:p>
+            <a:r>
+              <a:rPr lang="en-US" sz="2400" dirty="0" smtClean="0"/>
+              <a:t>Insert new order into orders list</a:t>
+            </a:r>
+          </a:p>
+          <a:p>
+            <a:pPr>
+              <a:buNone/>
+            </a:pPr>
+            <a:r>
+              <a:rPr lang="en-US" sz="2000" dirty="0" smtClean="0">
+                <a:solidFill>
+                  <a:srgbClr val="FF0000"/>
+                </a:solidFill>
+              </a:rPr>
+              <a:t>	INSERT </a:t>
+            </a:r>
+            <a:r>
+              <a:rPr lang="en-US" sz="2000" dirty="0" smtClean="0">
+                <a:solidFill>
+                  <a:srgbClr val="FF0000"/>
+                </a:solidFill>
+              </a:rPr>
+              <a:t>INTO </a:t>
+            </a:r>
+            <a:r>
+              <a:rPr lang="en-US" sz="2000" dirty="0" err="1" smtClean="0">
+                <a:solidFill>
+                  <a:srgbClr val="FF0000"/>
+                </a:solidFill>
+              </a:rPr>
+              <a:t>public.orders</a:t>
+            </a:r>
+            <a:r>
+              <a:rPr lang="en-US" sz="2000" dirty="0" smtClean="0">
+                <a:solidFill>
+                  <a:srgbClr val="FF0000"/>
+                </a:solidFill>
+              </a:rPr>
+              <a:t>(</a:t>
+            </a:r>
+          </a:p>
+          <a:p>
+            <a:pPr>
+              <a:buNone/>
+            </a:pPr>
+            <a:r>
+              <a:rPr lang="en-US" sz="2000" dirty="0" smtClean="0">
+                <a:solidFill>
+                  <a:srgbClr val="FF0000"/>
+                </a:solidFill>
+              </a:rPr>
+              <a:t>	</a:t>
+            </a:r>
+            <a:r>
+              <a:rPr lang="en-US" sz="2000" dirty="0" smtClean="0">
+                <a:solidFill>
+                  <a:srgbClr val="FF0000"/>
+                </a:solidFill>
+              </a:rPr>
+              <a:t>	</a:t>
+            </a:r>
+            <a:r>
+              <a:rPr lang="en-US" sz="2000" dirty="0" err="1" smtClean="0">
+                <a:solidFill>
+                  <a:srgbClr val="FF0000"/>
+                </a:solidFill>
+              </a:rPr>
+              <a:t>order_id</a:t>
+            </a:r>
+            <a:r>
+              <a:rPr lang="en-US" sz="2000" dirty="0" smtClean="0">
+                <a:solidFill>
+                  <a:srgbClr val="FF0000"/>
+                </a:solidFill>
+              </a:rPr>
+              <a:t>, </a:t>
+            </a:r>
+            <a:r>
+              <a:rPr lang="en-US" sz="2000" dirty="0" err="1" smtClean="0">
+                <a:solidFill>
+                  <a:srgbClr val="FF0000"/>
+                </a:solidFill>
+              </a:rPr>
+              <a:t>emp_id</a:t>
+            </a:r>
+            <a:r>
+              <a:rPr lang="en-US" sz="2000" dirty="0" smtClean="0">
+                <a:solidFill>
+                  <a:srgbClr val="FF0000"/>
+                </a:solidFill>
+              </a:rPr>
+              <a:t>, </a:t>
+            </a:r>
+            <a:r>
+              <a:rPr lang="en-US" sz="2000" dirty="0" err="1" smtClean="0">
+                <a:solidFill>
+                  <a:srgbClr val="FF0000"/>
+                </a:solidFill>
+              </a:rPr>
+              <a:t>cus_id</a:t>
+            </a:r>
+            <a:r>
+              <a:rPr lang="en-US" sz="2000" dirty="0" smtClean="0">
+                <a:solidFill>
+                  <a:srgbClr val="FF0000"/>
+                </a:solidFill>
+              </a:rPr>
+              <a:t>, </a:t>
+            </a:r>
+            <a:r>
+              <a:rPr lang="en-US" sz="2000" dirty="0" err="1" smtClean="0">
+                <a:solidFill>
+                  <a:srgbClr val="FF0000"/>
+                </a:solidFill>
+              </a:rPr>
+              <a:t>ship_id</a:t>
+            </a:r>
+            <a:r>
+              <a:rPr lang="en-US" sz="2000" dirty="0" smtClean="0">
+                <a:solidFill>
+                  <a:srgbClr val="FF0000"/>
+                </a:solidFill>
+              </a:rPr>
+              <a:t>, </a:t>
+            </a:r>
+            <a:r>
+              <a:rPr lang="en-US" sz="2000" dirty="0" err="1" smtClean="0">
+                <a:solidFill>
+                  <a:srgbClr val="FF0000"/>
+                </a:solidFill>
+              </a:rPr>
+              <a:t>receive_address,”totalPay</a:t>
+            </a:r>
+            <a:r>
+              <a:rPr lang="en-US" sz="2000" dirty="0" smtClean="0">
+                <a:solidFill>
+                  <a:srgbClr val="FF0000"/>
+                </a:solidFill>
+              </a:rPr>
+              <a:t>”, </a:t>
+            </a:r>
+            <a:r>
+              <a:rPr lang="en-US" sz="2000" dirty="0" err="1" smtClean="0">
+                <a:solidFill>
+                  <a:srgbClr val="FF0000"/>
+                </a:solidFill>
+              </a:rPr>
+              <a:t>create_at</a:t>
+            </a:r>
+            <a:r>
+              <a:rPr lang="en-US" sz="2000" dirty="0" smtClean="0">
+                <a:solidFill>
+                  <a:srgbClr val="FF0000"/>
+                </a:solidFill>
+              </a:rPr>
+              <a:t>)</a:t>
+            </a:r>
+          </a:p>
+          <a:p>
+            <a:pPr>
+              <a:buNone/>
+            </a:pPr>
+            <a:r>
+              <a:rPr lang="en-US" sz="2000" dirty="0" smtClean="0">
+                <a:solidFill>
+                  <a:srgbClr val="FF0000"/>
+                </a:solidFill>
+              </a:rPr>
+              <a:t>	</a:t>
+            </a:r>
+            <a:r>
+              <a:rPr lang="en-US" sz="2000" dirty="0" smtClean="0">
+                <a:solidFill>
+                  <a:srgbClr val="FF0000"/>
+                </a:solidFill>
+              </a:rPr>
+              <a:t>	VALUES (1, 1, 1, 1, '123 </a:t>
+            </a:r>
+            <a:r>
+              <a:rPr lang="en-US" sz="2000" dirty="0" err="1" smtClean="0">
+                <a:solidFill>
+                  <a:srgbClr val="FF0000"/>
+                </a:solidFill>
+              </a:rPr>
+              <a:t>abc</a:t>
+            </a:r>
+            <a:r>
+              <a:rPr lang="en-US" sz="2000" dirty="0" smtClean="0">
+                <a:solidFill>
+                  <a:srgbClr val="FF0000"/>
+                </a:solidFill>
+              </a:rPr>
+              <a:t>, xyz', 900, 'now()');</a:t>
+            </a:r>
+          </a:p>
+          <a:p>
+            <a:pPr>
+              <a:buNone/>
+            </a:pPr>
+            <a:r>
+              <a:rPr lang="en-US" sz="2000" dirty="0" smtClean="0">
+                <a:solidFill>
+                  <a:srgbClr val="FF0000"/>
+                </a:solidFill>
+              </a:rPr>
+              <a:t>	INSERT </a:t>
+            </a:r>
+            <a:r>
+              <a:rPr lang="en-US" sz="2000" dirty="0" smtClean="0">
+                <a:solidFill>
+                  <a:srgbClr val="FF0000"/>
+                </a:solidFill>
+              </a:rPr>
+              <a:t>INTO </a:t>
+            </a:r>
+            <a:r>
+              <a:rPr lang="en-US" sz="2000" dirty="0" err="1" smtClean="0">
+                <a:solidFill>
+                  <a:srgbClr val="FF0000"/>
+                </a:solidFill>
+              </a:rPr>
+              <a:t>public</a:t>
+            </a:r>
+            <a:r>
+              <a:rPr lang="en-US" sz="2000" dirty="0" err="1" smtClean="0">
+                <a:solidFill>
+                  <a:srgbClr val="FF0000"/>
+                </a:solidFill>
+              </a:rPr>
+              <a:t>.”orderDetails</a:t>
+            </a:r>
+            <a:r>
+              <a:rPr lang="en-US" sz="2000" dirty="0" smtClean="0">
+                <a:solidFill>
+                  <a:srgbClr val="FF0000"/>
+                </a:solidFill>
+              </a:rPr>
+              <a:t>”(</a:t>
+            </a:r>
+            <a:endParaRPr lang="en-US" sz="2000" dirty="0" smtClean="0">
+              <a:solidFill>
+                <a:srgbClr val="FF0000"/>
+              </a:solidFill>
+            </a:endParaRPr>
+          </a:p>
+          <a:p>
+            <a:pPr>
+              <a:buNone/>
+            </a:pPr>
+            <a:r>
+              <a:rPr lang="en-US" sz="2000" dirty="0" smtClean="0">
+                <a:solidFill>
+                  <a:srgbClr val="FF0000"/>
+                </a:solidFill>
+              </a:rPr>
+              <a:t>	</a:t>
+            </a:r>
+            <a:r>
+              <a:rPr lang="en-US" sz="2000" dirty="0" smtClean="0">
+                <a:solidFill>
+                  <a:srgbClr val="FF0000"/>
+                </a:solidFill>
+              </a:rPr>
+              <a:t>	</a:t>
+            </a:r>
+            <a:r>
+              <a:rPr lang="en-US" sz="2000" dirty="0" err="1" smtClean="0">
+                <a:solidFill>
+                  <a:srgbClr val="FF0000"/>
+                </a:solidFill>
+              </a:rPr>
+              <a:t>order_id</a:t>
+            </a:r>
+            <a:r>
+              <a:rPr lang="en-US" sz="2000" dirty="0" smtClean="0">
+                <a:solidFill>
+                  <a:srgbClr val="FF0000"/>
+                </a:solidFill>
+              </a:rPr>
+              <a:t>, </a:t>
+            </a:r>
+            <a:r>
+              <a:rPr lang="en-US" sz="2000" dirty="0" err="1" smtClean="0">
+                <a:solidFill>
+                  <a:srgbClr val="FF0000"/>
+                </a:solidFill>
+              </a:rPr>
+              <a:t>product_id</a:t>
+            </a:r>
+            <a:r>
+              <a:rPr lang="en-US" sz="2000" dirty="0" smtClean="0">
+                <a:solidFill>
+                  <a:srgbClr val="FF0000"/>
+                </a:solidFill>
+              </a:rPr>
+              <a:t>, quantity</a:t>
+            </a:r>
+            <a:r>
+              <a:rPr lang="en-US" sz="2000" dirty="0" smtClean="0">
+                <a:solidFill>
+                  <a:srgbClr val="FF0000"/>
+                </a:solidFill>
+              </a:rPr>
+              <a:t>)</a:t>
+            </a:r>
+          </a:p>
+          <a:p>
+            <a:pPr>
+              <a:buNone/>
+            </a:pPr>
+            <a:r>
+              <a:rPr lang="en-US" sz="2000" dirty="0" smtClean="0">
+                <a:solidFill>
+                  <a:srgbClr val="FF0000"/>
+                </a:solidFill>
+              </a:rPr>
+              <a:t>		VALUES (1, 32, 2);</a:t>
+            </a:r>
+          </a:p>
+          <a:p>
+            <a:endParaRPr lang="en-US" sz="2000" dirty="0">
+              <a:solidFill>
+                <a:srgbClr val="FF0000"/>
+              </a:solidFill>
+            </a:endParaRPr>
+          </a:p>
+        </p:txBody>
+      </p:sp>
+      <p:sp>
+        <p:nvSpPr>
+          <p:cNvPr id="3" name="Title 2"/>
+          <p:cNvSpPr>
+            <a:spLocks noGrp="1"/>
+          </p:cNvSpPr>
+          <p:nvPr>
+            <p:ph type="title"/>
+          </p:nvPr>
+        </p:nvSpPr>
+        <p:spPr/>
+        <p:txBody>
+          <a:bodyPr>
+            <a:normAutofit/>
+          </a:bodyPr>
+          <a:lstStyle/>
+          <a:p>
             <a:pPr algn="ctr"/>
             <a:r>
               <a:rPr lang="en-US" sz="3200" dirty="0" smtClean="0"/>
@@ -7178,11 +7616,84 @@
           </a:p>
         </p:txBody>
       </p:sp>
+      <p:pic>
+        <p:nvPicPr>
+          <p:cNvPr id="1028" name="Picture 4"/>
+          <p:cNvPicPr>
+            <a:picLocks noChangeAspect="1" noChangeArrowheads="1"/>
+          </p:cNvPicPr>
+          <p:nvPr/>
+        </p:nvPicPr>
+        <p:blipFill>
+          <a:blip r:embed="rId2"/>
+          <a:srcRect/>
+          <a:stretch>
+            <a:fillRect/>
+          </a:stretch>
+        </p:blipFill>
+        <p:spPr bwMode="auto">
+          <a:xfrm>
+            <a:off x="0" y="4572000"/>
+            <a:ext cx="9144000" cy="990600"/>
+          </a:xfrm>
+          <a:prstGeom prst="rect">
+            <a:avLst/>
+          </a:prstGeom>
+          <a:noFill/>
+          <a:ln w="9525">
+            <a:noFill/>
+            <a:miter lim="800000"/>
+            <a:headEnd/>
+            <a:tailEnd/>
+          </a:ln>
+          <a:effectLst/>
+        </p:spPr>
+      </p:pic>
+      <p:pic>
+        <p:nvPicPr>
+          <p:cNvPr id="1030" name="Picture 6"/>
+          <p:cNvPicPr>
+            <a:picLocks noChangeAspect="1" noChangeArrowheads="1"/>
+          </p:cNvPicPr>
+          <p:nvPr/>
+        </p:nvPicPr>
+        <p:blipFill>
+          <a:blip r:embed="rId3"/>
+          <a:srcRect/>
+          <a:stretch>
+            <a:fillRect/>
+          </a:stretch>
+        </p:blipFill>
+        <p:spPr bwMode="auto">
+          <a:xfrm>
+            <a:off x="0" y="5638800"/>
+            <a:ext cx="9144000" cy="1219200"/>
+          </a:xfrm>
+          <a:prstGeom prst="rect">
+            <a:avLst/>
+          </a:prstGeom>
+          <a:noFill/>
+          <a:ln w="9525">
+            <a:noFill/>
+            <a:miter lim="800000"/>
+            <a:headEnd/>
+            <a:tailEnd/>
+          </a:ln>
+          <a:effectLst/>
+        </p:spPr>
+      </p:pic>
     </p:spTree>
   </p:cSld>
   <p:clrMapOvr>
     <a:masterClrMapping/>
   </p:clrMapOvr>
+  <p:timing>
+    <p:tnLst>
+      <p:par>
+        <p:cTn id="1" dur="indefinite" restart="never" nodeType="tmRoot"/>
+      </p:par>
+    </p:tnLst>
+  </p:timing>
 </p:sld>
 </file>
 
@@ -7215,30 +7726,166 @@
         </p:nvSpPr>
         <p:spPr/>
         <p:txBody>
-          <a:bodyPr/>
-          <a:lstStyle/>
-          <a:p>
-            <a:endParaRPr lang="en-US" dirty="0"/>
-          </a:p>
-        </p:txBody>
-      </p:sp>
-      <p:sp>
-        <p:nvSpPr>
-          <p:cNvPr id="3" name="Title 2"/>
-          <p:cNvSpPr>
-            <a:spLocks noGrp="1"/>
-          </p:cNvSpPr>
-          <p:nvPr>
-            <p:ph type="title"/>
-          </p:nvPr>
-        </p:nvSpPr>
-        <p:spPr/>
-        <p:txBody>
           <a:bodyPr>
             <a:normAutofit/>
           </a:bodyPr>
           <a:lstStyle/>
           <a:p>
+            <a:r>
+              <a:rPr lang="en-US" sz="2400" dirty="0" smtClean="0"/>
+              <a:t>Insert new shipper into shippers list</a:t>
+            </a:r>
+          </a:p>
+          <a:p>
+            <a:r>
+              <a:rPr lang="en-US" sz="2000" dirty="0" smtClean="0">
+                <a:solidFill>
+                  <a:srgbClr val="FF0000"/>
+                </a:solidFill>
+              </a:rPr>
+              <a:t>INSERT INTO </a:t>
+            </a:r>
+            <a:r>
+              <a:rPr lang="en-US" sz="2000" dirty="0" err="1" smtClean="0">
+                <a:solidFill>
+                  <a:srgbClr val="FF0000"/>
+                </a:solidFill>
+              </a:rPr>
+              <a:t>public.shippers</a:t>
+            </a:r>
+            <a:r>
+              <a:rPr lang="en-US" sz="2000" dirty="0" smtClean="0">
+                <a:solidFill>
+                  <a:srgbClr val="FF0000"/>
+                </a:solidFill>
+              </a:rPr>
+              <a:t>(</a:t>
+            </a:r>
+          </a:p>
+          <a:p>
+            <a:r>
+              <a:rPr lang="en-US" sz="2000" dirty="0" smtClean="0">
+                <a:solidFill>
+                  <a:srgbClr val="FF0000"/>
+                </a:solidFill>
+              </a:rPr>
+              <a:t>	</a:t>
+            </a:r>
+            <a:r>
+              <a:rPr lang="en-US" sz="2000" dirty="0" err="1" smtClean="0">
+                <a:solidFill>
+                  <a:srgbClr val="FF0000"/>
+                </a:solidFill>
+              </a:rPr>
+              <a:t>ship_id</a:t>
+            </a:r>
+            <a:r>
+              <a:rPr lang="en-US" sz="2000" dirty="0" smtClean="0">
+                <a:solidFill>
+                  <a:srgbClr val="FF0000"/>
+                </a:solidFill>
+              </a:rPr>
+              <a:t>, </a:t>
+            </a:r>
+            <a:r>
+              <a:rPr lang="en-US" sz="2000" dirty="0" err="1" smtClean="0">
+                <a:solidFill>
+                  <a:srgbClr val="FF0000"/>
+                </a:solidFill>
+              </a:rPr>
+              <a:t>ship_name</a:t>
+            </a:r>
+            <a:r>
+              <a:rPr lang="en-US" sz="2000" dirty="0" smtClean="0">
+                <a:solidFill>
+                  <a:srgbClr val="FF0000"/>
+                </a:solidFill>
+              </a:rPr>
+              <a:t>, </a:t>
+            </a:r>
+            <a:r>
+              <a:rPr lang="en-US" sz="2000" dirty="0" err="1" smtClean="0">
+                <a:solidFill>
+                  <a:srgbClr val="FF0000"/>
+                </a:solidFill>
+              </a:rPr>
+              <a:t>ship_mail</a:t>
+            </a:r>
+            <a:r>
+              <a:rPr lang="en-US" sz="2000" dirty="0" smtClean="0">
+                <a:solidFill>
+                  <a:srgbClr val="FF0000"/>
+                </a:solidFill>
+              </a:rPr>
+              <a:t>, </a:t>
+            </a:r>
+            <a:r>
+              <a:rPr lang="en-US" sz="2000" dirty="0" err="1" smtClean="0">
+                <a:solidFill>
+                  <a:srgbClr val="FF0000"/>
+                </a:solidFill>
+              </a:rPr>
+              <a:t>ship_phone</a:t>
+            </a:r>
+            <a:r>
+              <a:rPr lang="en-US" sz="2000" dirty="0" smtClean="0">
+                <a:solidFill>
+                  <a:srgbClr val="FF0000"/>
+                </a:solidFill>
+              </a:rPr>
+              <a:t>)</a:t>
+            </a:r>
+          </a:p>
+          <a:p>
+            <a:r>
+              <a:rPr lang="en-US" sz="2000" dirty="0" smtClean="0">
+                <a:solidFill>
+                  <a:srgbClr val="FF0000"/>
+                </a:solidFill>
+              </a:rPr>
+              <a:t>	</a:t>
+            </a:r>
+            <a:r>
+              <a:rPr lang="en-US" sz="2000" dirty="0" smtClean="0">
+                <a:solidFill>
+                  <a:srgbClr val="FF0000"/>
+                </a:solidFill>
+              </a:rPr>
+              <a:t>VALUES </a:t>
+            </a:r>
+            <a:r>
+              <a:rPr lang="en-US" sz="2000" dirty="0" smtClean="0">
+                <a:solidFill>
+                  <a:srgbClr val="FF0000"/>
+                </a:solidFill>
+              </a:rPr>
+              <a:t>(1, 'Bill Gates', 'billgate@abc.com', '012345678');</a:t>
+            </a:r>
+            <a:endParaRPr lang="en-US" sz="2000" dirty="0">
+              <a:solidFill>
+                <a:srgbClr val="FF0000"/>
+              </a:solidFill>
+            </a:endParaRPr>
+          </a:p>
+        </p:txBody>
+      </p:sp>
+      <p:sp>
+        <p:nvSpPr>
+          <p:cNvPr id="3" name="Title 2"/>
+          <p:cNvSpPr>
+            <a:spLocks noGrp="1"/>
+          </p:cNvSpPr>
+          <p:nvPr>
+            <p:ph type="title"/>
+          </p:nvPr>
+        </p:nvSpPr>
+        <p:spPr/>
+        <p:txBody>
+          <a:bodyPr>
+            <a:normAutofit/>
+          </a:bodyPr>
+          <a:lstStyle/>
+          <a:p>
             <a:pPr algn="ctr"/>
             <a:r>
               <a:rPr lang="en-US" sz="3200" dirty="0" smtClean="0"/>
@@ -7248,11 +7895,51 @@
           </a:p>
         </p:txBody>
       </p:sp>
+      <p:pic>
+        <p:nvPicPr>
+          <p:cNvPr id="2050" name="Picture 2"/>
+          <p:cNvPicPr>
+            <a:picLocks noChangeAspect="1" noChangeArrowheads="1"/>
+          </p:cNvPicPr>
+          <p:nvPr/>
+        </p:nvPicPr>
+        <p:blipFill>
+          <a:blip r:embed="rId2"/>
+          <a:srcRect/>
+          <a:stretch>
+            <a:fillRect/>
+          </a:stretch>
+        </p:blipFill>
+        <p:spPr bwMode="auto">
+          <a:xfrm>
+            <a:off x="0" y="3429000"/>
+            <a:ext cx="9144000" cy="1857375"/>
+          </a:xfrm>
+          <a:prstGeom prst="rect">
+            <a:avLst/>
+          </a:prstGeom>
+          <a:noFill/>
+          <a:ln w="9525">
+            <a:noFill/>
+            <a:miter lim="800000"/>
+            <a:headEnd/>
+            <a:tailEnd/>
+          </a:ln>
+          <a:effectLst/>
+        </p:spPr>
+      </p:pic>
     </p:spTree>
   </p:cSld>
   <p:clrMapOvr>
     <a:masterClrMapping/>
   </p:clrMapOvr>
+  <p:timing>
+    <p:tnLst>
+      <p:par>
+        <p:cTn id="1" dur="indefinite" restart="never" nodeType="tmRoot"/>
+      </p:par>
+    </p:tnLst>
+  </p:timing>
 </p:sld>
 </file>
 
@@ -7285,30 +7972,182 @@
         </p:nvSpPr>
         <p:spPr/>
         <p:txBody>
-          <a:bodyPr/>
-          <a:lstStyle/>
-          <a:p>
-            <a:endParaRPr lang="en-US" dirty="0"/>
-          </a:p>
-        </p:txBody>
-      </p:sp>
-      <p:sp>
-        <p:nvSpPr>
-          <p:cNvPr id="3" name="Title 2"/>
-          <p:cNvSpPr>
-            <a:spLocks noGrp="1"/>
-          </p:cNvSpPr>
-          <p:nvPr>
-            <p:ph type="title"/>
-          </p:nvPr>
-        </p:nvSpPr>
-        <p:spPr/>
-        <p:txBody>
           <a:bodyPr>
             <a:normAutofit/>
           </a:bodyPr>
           <a:lstStyle/>
           <a:p>
+            <a:r>
+              <a:rPr lang="en-US" sz="2400" dirty="0" smtClean="0"/>
+              <a:t>Insert new employee into employees list</a:t>
+            </a:r>
+          </a:p>
+          <a:p>
+            <a:r>
+              <a:rPr lang="en-US" sz="2000" dirty="0" smtClean="0">
+                <a:solidFill>
+                  <a:srgbClr val="FF0000"/>
+                </a:solidFill>
+              </a:rPr>
+              <a:t>INSERT INTO </a:t>
+            </a:r>
+            <a:r>
+              <a:rPr lang="en-US" sz="2000" dirty="0" err="1" smtClean="0">
+                <a:solidFill>
+                  <a:srgbClr val="FF0000"/>
+                </a:solidFill>
+              </a:rPr>
+              <a:t>public.employees</a:t>
+            </a:r>
+            <a:r>
+              <a:rPr lang="en-US" sz="2000" dirty="0" smtClean="0">
+                <a:solidFill>
+                  <a:srgbClr val="FF0000"/>
+                </a:solidFill>
+              </a:rPr>
+              <a:t>(</a:t>
+            </a:r>
+          </a:p>
+          <a:p>
+            <a:r>
+              <a:rPr lang="en-US" sz="2000" dirty="0" smtClean="0">
+                <a:solidFill>
+                  <a:srgbClr val="FF0000"/>
+                </a:solidFill>
+              </a:rPr>
+              <a:t>	</a:t>
+            </a:r>
+            <a:r>
+              <a:rPr lang="en-US" sz="2000" dirty="0" err="1" smtClean="0">
+                <a:solidFill>
+                  <a:srgbClr val="FF0000"/>
+                </a:solidFill>
+              </a:rPr>
+              <a:t>emp_id</a:t>
+            </a:r>
+            <a:r>
+              <a:rPr lang="en-US" sz="2000" dirty="0" smtClean="0">
+                <a:solidFill>
+                  <a:srgbClr val="FF0000"/>
+                </a:solidFill>
+              </a:rPr>
+              <a:t>, </a:t>
+            </a:r>
+            <a:r>
+              <a:rPr lang="en-US" sz="2000" dirty="0" err="1" smtClean="0">
+                <a:solidFill>
+                  <a:srgbClr val="FF0000"/>
+                </a:solidFill>
+              </a:rPr>
+              <a:t>emp_name</a:t>
+            </a:r>
+            <a:r>
+              <a:rPr lang="en-US" sz="2000" dirty="0" smtClean="0">
+                <a:solidFill>
+                  <a:srgbClr val="FF0000"/>
+                </a:solidFill>
+              </a:rPr>
+              <a:t>, </a:t>
+            </a:r>
+            <a:r>
+              <a:rPr lang="en-US" sz="2000" dirty="0" err="1" smtClean="0">
+                <a:solidFill>
+                  <a:srgbClr val="FF0000"/>
+                </a:solidFill>
+              </a:rPr>
+              <a:t>emp_birthday</a:t>
+            </a:r>
+            <a:r>
+              <a:rPr lang="en-US" sz="2000" dirty="0" smtClean="0">
+                <a:solidFill>
+                  <a:srgbClr val="FF0000"/>
+                </a:solidFill>
+              </a:rPr>
+              <a:t>, </a:t>
+            </a:r>
+            <a:r>
+              <a:rPr lang="en-US" sz="2000" dirty="0" err="1" smtClean="0">
+                <a:solidFill>
+                  <a:srgbClr val="FF0000"/>
+                </a:solidFill>
+              </a:rPr>
+              <a:t>emp_address</a:t>
+            </a:r>
+            <a:r>
+              <a:rPr lang="en-US" sz="2000" dirty="0" smtClean="0">
+                <a:solidFill>
+                  <a:srgbClr val="FF0000"/>
+                </a:solidFill>
+              </a:rPr>
+              <a:t>, </a:t>
+            </a:r>
+            <a:r>
+              <a:rPr lang="en-US" sz="2000" dirty="0" err="1" smtClean="0">
+                <a:solidFill>
+                  <a:srgbClr val="FF0000"/>
+                </a:solidFill>
+              </a:rPr>
+              <a:t>is_working</a:t>
+            </a:r>
+            <a:r>
+              <a:rPr lang="en-US" sz="2000" dirty="0" smtClean="0">
+                <a:solidFill>
+                  <a:srgbClr val="FF0000"/>
+                </a:solidFill>
+              </a:rPr>
+              <a:t>)</a:t>
+            </a:r>
+          </a:p>
+          <a:p>
+            <a:r>
+              <a:rPr lang="en-US" sz="2000" dirty="0" smtClean="0">
+                <a:solidFill>
+                  <a:srgbClr val="FF0000"/>
+                </a:solidFill>
+              </a:rPr>
+              <a:t>	VALUES (1, 'Hoang Vu', '02-02-2000', '123 </a:t>
+            </a:r>
+            <a:r>
+              <a:rPr lang="en-US" sz="2000" dirty="0" err="1" smtClean="0">
+                <a:solidFill>
+                  <a:srgbClr val="FF0000"/>
+                </a:solidFill>
+              </a:rPr>
+              <a:t>abc</a:t>
+            </a:r>
+            <a:r>
+              <a:rPr lang="en-US" sz="2000" dirty="0" smtClean="0">
+                <a:solidFill>
+                  <a:srgbClr val="FF0000"/>
+                </a:solidFill>
+              </a:rPr>
+              <a:t> xyz', 1);</a:t>
+            </a:r>
+            <a:endParaRPr lang="en-US" sz="2000" dirty="0">
+              <a:solidFill>
+                <a:srgbClr val="FF0000"/>
+              </a:solidFill>
+            </a:endParaRPr>
+          </a:p>
+        </p:txBody>
+      </p:sp>
+      <p:sp>
+        <p:nvSpPr>
+          <p:cNvPr id="3" name="Title 2"/>
+          <p:cNvSpPr>
+            <a:spLocks noGrp="1"/>
+          </p:cNvSpPr>
+          <p:nvPr>
+            <p:ph type="title"/>
+          </p:nvPr>
+        </p:nvSpPr>
+        <p:spPr/>
+        <p:txBody>
+          <a:bodyPr>
+            <a:normAutofit/>
+          </a:bodyPr>
+          <a:lstStyle/>
+          <a:p>
             <a:pPr algn="ctr"/>
             <a:r>
               <a:rPr lang="en-US" sz="3200" dirty="0" smtClean="0"/>
@@ -7318,11 +8157,51 @@
           </a:p>
         </p:txBody>
       </p:sp>
+      <p:pic>
+        <p:nvPicPr>
+          <p:cNvPr id="3074" name="Picture 2"/>
+          <p:cNvPicPr>
+            <a:picLocks noChangeAspect="1" noChangeArrowheads="1"/>
+          </p:cNvPicPr>
+          <p:nvPr/>
+        </p:nvPicPr>
+        <p:blipFill>
+          <a:blip r:embed="rId2"/>
+          <a:srcRect/>
+          <a:stretch>
+            <a:fillRect/>
+          </a:stretch>
+        </p:blipFill>
+        <p:spPr bwMode="auto">
+          <a:xfrm>
+            <a:off x="0" y="3581400"/>
+            <a:ext cx="9144000" cy="2019300"/>
+          </a:xfrm>
+          <a:prstGeom prst="rect">
+            <a:avLst/>
+          </a:prstGeom>
+          <a:noFill/>
+          <a:ln w="9525">
+            <a:noFill/>
+            <a:miter lim="800000"/>
+            <a:headEnd/>
+            <a:tailEnd/>
+          </a:ln>
+          <a:effectLst/>
+        </p:spPr>
+      </p:pic>
     </p:spTree>
   </p:cSld>
   <p:clrMapOvr>
     <a:masterClrMapping/>
   </p:clrMapOvr>
+  <p:timing>
+    <p:tnLst>
+      <p:par>
+        <p:cTn id="1" dur="indefinite" restart="never" nodeType="tmRoot"/>
+      </p:par>
+    </p:tnLst>
+  </p:timing>
 </p:sld>
 </file>
 
@@ -7355,42 +8234,844 @@
         </p:nvSpPr>
         <p:spPr/>
         <p:txBody>
-          <a:bodyPr/>
-          <a:lstStyle/>
-          <a:p>
-            <a:r>
-              <a:rPr lang="en-US" dirty="0" smtClean="0"/>
-              <a:t>Edit a category in category list</a:t>
-            </a:r>
-            <a:endParaRPr lang="en-US" dirty="0"/>
-          </a:p>
-        </p:txBody>
-      </p:sp>
-      <p:sp>
-        <p:nvSpPr>
-          <p:cNvPr id="3" name="Title 2"/>
-          <p:cNvSpPr>
-            <a:spLocks noGrp="1"/>
-          </p:cNvSpPr>
-          <p:nvPr>
-            <p:ph type="title"/>
-          </p:nvPr>
-        </p:nvSpPr>
-        <p:spPr/>
-        <p:txBody>
           <a:bodyPr>
             <a:normAutofit/>
           </a:bodyPr>
           <a:lstStyle/>
           <a:p>
+            <a:r>
+              <a:rPr lang="en-US" sz="2400" dirty="0" smtClean="0"/>
+              <a:t>Insert new customer into customers list</a:t>
+            </a:r>
+          </a:p>
+          <a:p>
+            <a:r>
+              <a:rPr lang="en-US" sz="2000" dirty="0" smtClean="0">
+                <a:solidFill>
+                  <a:srgbClr val="FF0000"/>
+                </a:solidFill>
+              </a:rPr>
+              <a:t>INSERT INTO </a:t>
+            </a:r>
+            <a:r>
+              <a:rPr lang="en-US" sz="2000" dirty="0" err="1" smtClean="0">
+                <a:solidFill>
+                  <a:srgbClr val="FF0000"/>
+                </a:solidFill>
+              </a:rPr>
+              <a:t>public.customers</a:t>
+            </a:r>
+            <a:r>
+              <a:rPr lang="en-US" sz="2000" dirty="0" smtClean="0">
+                <a:solidFill>
+                  <a:srgbClr val="FF0000"/>
+                </a:solidFill>
+              </a:rPr>
+              <a:t>(</a:t>
+            </a:r>
+          </a:p>
+          <a:p>
+            <a:r>
+              <a:rPr lang="en-US" sz="2000" dirty="0" smtClean="0">
+                <a:solidFill>
+                  <a:srgbClr val="FF0000"/>
+                </a:solidFill>
+              </a:rPr>
+              <a:t>	</a:t>
+            </a:r>
+            <a:r>
+              <a:rPr lang="en-US" sz="2000" dirty="0" err="1" smtClean="0">
+                <a:solidFill>
+                  <a:srgbClr val="FF0000"/>
+                </a:solidFill>
+              </a:rPr>
+              <a:t>cus_id</a:t>
+            </a:r>
+            <a:r>
+              <a:rPr lang="en-US" sz="2000" dirty="0" smtClean="0">
+                <a:solidFill>
+                  <a:srgbClr val="FF0000"/>
+                </a:solidFill>
+              </a:rPr>
+              <a:t>, </a:t>
+            </a:r>
+            <a:r>
+              <a:rPr lang="en-US" sz="2000" dirty="0" err="1" smtClean="0">
+                <a:solidFill>
+                  <a:srgbClr val="FF0000"/>
+                </a:solidFill>
+              </a:rPr>
+              <a:t>cus_name</a:t>
+            </a:r>
+            <a:r>
+              <a:rPr lang="en-US" sz="2000" dirty="0" smtClean="0">
+                <a:solidFill>
+                  <a:srgbClr val="FF0000"/>
+                </a:solidFill>
+              </a:rPr>
+              <a:t>, </a:t>
+            </a:r>
+            <a:r>
+              <a:rPr lang="en-US" sz="2000" dirty="0" err="1" smtClean="0">
+                <a:solidFill>
+                  <a:srgbClr val="FF0000"/>
+                </a:solidFill>
+              </a:rPr>
+              <a:t>cus_mail</a:t>
+            </a:r>
+            <a:r>
+              <a:rPr lang="en-US" sz="2000" dirty="0" smtClean="0">
+                <a:solidFill>
+                  <a:srgbClr val="FF0000"/>
+                </a:solidFill>
+              </a:rPr>
+              <a:t>, </a:t>
+            </a:r>
+            <a:r>
+              <a:rPr lang="en-US" sz="2000" dirty="0" err="1" smtClean="0">
+                <a:solidFill>
+                  <a:srgbClr val="FF0000"/>
+                </a:solidFill>
+              </a:rPr>
+              <a:t>cus_phone</a:t>
+            </a:r>
+            <a:r>
+              <a:rPr lang="en-US" sz="2000" dirty="0" smtClean="0">
+                <a:solidFill>
+                  <a:srgbClr val="FF0000"/>
+                </a:solidFill>
+              </a:rPr>
+              <a:t>, </a:t>
+            </a:r>
+            <a:r>
+              <a:rPr lang="en-US" sz="2000" dirty="0" err="1" smtClean="0">
+                <a:solidFill>
+                  <a:srgbClr val="FF0000"/>
+                </a:solidFill>
+              </a:rPr>
+              <a:t>cus_address</a:t>
+            </a:r>
+            <a:r>
+              <a:rPr lang="en-US" sz="2000" dirty="0" smtClean="0">
+                <a:solidFill>
+                  <a:srgbClr val="FF0000"/>
+                </a:solidFill>
+              </a:rPr>
+              <a:t>, </a:t>
+            </a:r>
+            <a:r>
+              <a:rPr lang="en-US" sz="2000" dirty="0" err="1" smtClean="0">
+                <a:solidFill>
+                  <a:srgbClr val="FF0000"/>
+                </a:solidFill>
+              </a:rPr>
+              <a:t>cus_country</a:t>
+            </a:r>
+            <a:r>
+              <a:rPr lang="en-US" sz="2000" dirty="0" smtClean="0">
+                <a:solidFill>
+                  <a:srgbClr val="FF0000"/>
+                </a:solidFill>
+              </a:rPr>
+              <a:t>)</a:t>
+            </a:r>
+          </a:p>
+          <a:p>
+            <a:r>
+              <a:rPr lang="en-US" sz="2000" dirty="0" smtClean="0">
+                <a:solidFill>
+                  <a:srgbClr val="FF0000"/>
+                </a:solidFill>
+              </a:rPr>
+              <a:t>	VALUES (1, '</a:t>
+            </a:r>
+            <a:r>
+              <a:rPr lang="en-US" sz="2000" dirty="0" err="1" smtClean="0">
+                <a:solidFill>
+                  <a:srgbClr val="FF0000"/>
+                </a:solidFill>
+              </a:rPr>
+              <a:t>Bao</a:t>
+            </a:r>
+            <a:r>
+              <a:rPr lang="en-US" sz="2000" dirty="0" smtClean="0">
+                <a:solidFill>
+                  <a:srgbClr val="FF0000"/>
+                </a:solidFill>
+              </a:rPr>
+              <a:t> </a:t>
+            </a:r>
+            <a:r>
+              <a:rPr lang="en-US" sz="2000" dirty="0" err="1" smtClean="0">
+                <a:solidFill>
+                  <a:srgbClr val="FF0000"/>
+                </a:solidFill>
+              </a:rPr>
+              <a:t>Anh</a:t>
+            </a:r>
+            <a:r>
+              <a:rPr lang="en-US" sz="2000" dirty="0" smtClean="0">
+                <a:solidFill>
+                  <a:srgbClr val="FF0000"/>
+                </a:solidFill>
+              </a:rPr>
+              <a:t>', 'baoanh@abc.com', '0123456789', '123 </a:t>
+            </a:r>
+            <a:r>
+              <a:rPr lang="en-US" sz="2000" dirty="0" err="1" smtClean="0">
+                <a:solidFill>
+                  <a:srgbClr val="FF0000"/>
+                </a:solidFill>
+              </a:rPr>
+              <a:t>abc,xyz</a:t>
+            </a:r>
+            <a:r>
+              <a:rPr lang="en-US" sz="2000" dirty="0" smtClean="0">
+                <a:solidFill>
+                  <a:srgbClr val="FF0000"/>
+                </a:solidFill>
+              </a:rPr>
+              <a:t>', 'Viet Nam')</a:t>
+            </a:r>
+            <a:r>
+              <a:rPr lang="en-US" sz="2400" dirty="0" smtClean="0"/>
+              <a:t>;</a:t>
+            </a:r>
+            <a:endParaRPr lang="en-US" sz="2400" dirty="0"/>
+          </a:p>
+        </p:txBody>
+      </p:sp>
+      <p:sp>
+        <p:nvSpPr>
+          <p:cNvPr id="3" name="Title 2"/>
+          <p:cNvSpPr>
+            <a:spLocks noGrp="1"/>
+          </p:cNvSpPr>
+          <p:nvPr>
+            <p:ph type="title"/>
+          </p:nvPr>
+        </p:nvSpPr>
+        <p:spPr/>
+        <p:txBody>
+          <a:bodyPr>
+            <a:normAutofit/>
+          </a:bodyPr>
+          <a:lstStyle/>
+          <a:p>
             <a:pPr algn="ctr"/>
             <a:r>
               <a:rPr lang="en-US" sz="3200" dirty="0" smtClean="0"/>
-              <a:t>Query </a:t>
-            </a:r>
+              <a:t>Query Insert</a:t>
+            </a:r>
+            <a:endParaRPr lang="en-US" sz="3200" dirty="0"/>
+          </a:p>
+        </p:txBody>
+      </p:sp>
+      <p:pic>
+        <p:nvPicPr>
+          <p:cNvPr id="4098" name="Picture 2"/>
+          <p:cNvPicPr>
+            <a:picLocks noChangeAspect="1" noChangeArrowheads="1"/>
+          </p:cNvPicPr>
+          <p:nvPr/>
+        </p:nvPicPr>
+        <p:blipFill>
+          <a:blip r:embed="rId2"/>
+          <a:srcRect/>
+          <a:stretch>
+            <a:fillRect/>
+          </a:stretch>
+        </p:blipFill>
+        <p:spPr bwMode="auto">
+          <a:xfrm>
+            <a:off x="0" y="3657600"/>
+            <a:ext cx="9144000" cy="2009775"/>
+          </a:xfrm>
+          <a:prstGeom prst="rect">
+            <a:avLst/>
+          </a:prstGeom>
+          <a:noFill/>
+          <a:ln w="9525">
+            <a:noFill/>
+            <a:miter lim="800000"/>
+            <a:headEnd/>
+            <a:tailEnd/>
+          </a:ln>
+          <a:effectLst/>
+        </p:spPr>
+      </p:pic>
+    </p:spTree>
+  </p:cSld>
+  <p:clrMapOvr>
+    <a:masterClrMapping/>
+  </p:clrMapOvr>
+  <p:timing>
+    <p:tnLst>
+      <p:par>
+        <p:cTn id="1" dur="indefinite" restart="never" nodeType="tmRoot"/>
+      </p:par>
+    </p:tnLst>
+  </p:timing>
+</p:sld>
+</file>
+
+<file path=ppt/slides/slide29.xml><?xml version="1.0" encoding="utf-8"?>
+<p:sld xmlns:a="http://schemas.openxmlformats.org/drawingml/2006/main" xmlns:r="http://schemas.openxmlformats.org/officeDocument/2006/relationships" xmlns:p="http://schemas.openxmlformats.org/presentationml/2006/main">
+  <p:cSld>
+    <p:spTree>
+      <p:nvGrpSpPr>
+        <p:cNvPr id="1" name=""/>
+        <p:cNvGrpSpPr/>
+        <p:nvPr/>
+      </p:nvGrpSpPr>
+      <p:grpSpPr>
+        <a:xfrm>
+          <a:off x="0" y="0"/>
+          <a:ext cx="0" cy="0"/>
+          <a:chOff x="0" y="0"/>
+          <a:chExt cx="0" cy="0"/>
+        </a:xfrm>
+      </p:grpSpPr>
+      <p:sp>
+        <p:nvSpPr>
+          <p:cNvPr id="2" name="Content Placeholder 1"/>
+          <p:cNvSpPr>
+            <a:spLocks noGrp="1"/>
+          </p:cNvSpPr>
+          <p:nvPr>
+            <p:ph idx="1"/>
+          </p:nvPr>
+        </p:nvSpPr>
+        <p:spPr/>
+        <p:txBody>
+          <a:bodyPr>
+            <a:normAutofit/>
+          </a:bodyPr>
+          <a:lstStyle/>
+          <a:p>
+            <a:r>
+              <a:rPr lang="en-US" sz="2400" dirty="0" smtClean="0"/>
+              <a:t>Insert images for products</a:t>
+            </a:r>
+          </a:p>
+          <a:p>
+            <a:r>
+              <a:rPr lang="en-US" sz="2000" dirty="0" smtClean="0">
+                <a:solidFill>
+                  <a:srgbClr val="FF0000"/>
+                </a:solidFill>
+              </a:rPr>
+              <a:t>INSERT INTO </a:t>
+            </a:r>
+            <a:r>
+              <a:rPr lang="en-US" sz="2000" dirty="0" err="1" smtClean="0">
+                <a:solidFill>
+                  <a:srgbClr val="FF0000"/>
+                </a:solidFill>
+              </a:rPr>
+              <a:t>public.images</a:t>
+            </a:r>
+            <a:r>
+              <a:rPr lang="en-US" sz="2000" dirty="0" smtClean="0">
+                <a:solidFill>
+                  <a:srgbClr val="FF0000"/>
+                </a:solidFill>
+              </a:rPr>
+              <a:t>(</a:t>
+            </a:r>
+          </a:p>
+          <a:p>
+            <a:r>
+              <a:rPr lang="en-US" sz="2000" dirty="0" smtClean="0">
+                <a:solidFill>
+                  <a:srgbClr val="FF0000"/>
+                </a:solidFill>
+              </a:rPr>
+              <a:t>	</a:t>
+            </a:r>
+            <a:r>
+              <a:rPr lang="en-US" sz="2000" dirty="0" err="1" smtClean="0">
+                <a:solidFill>
+                  <a:srgbClr val="FF0000"/>
+                </a:solidFill>
+              </a:rPr>
+              <a:t>product_id</a:t>
+            </a:r>
+            <a:r>
+              <a:rPr lang="en-US" sz="2000" dirty="0" smtClean="0">
+                <a:solidFill>
+                  <a:srgbClr val="FF0000"/>
+                </a:solidFill>
+              </a:rPr>
+              <a:t>, </a:t>
+            </a:r>
+            <a:r>
+              <a:rPr lang="en-US" sz="2000" dirty="0" err="1" smtClean="0">
+                <a:solidFill>
+                  <a:srgbClr val="FF0000"/>
+                </a:solidFill>
+              </a:rPr>
+              <a:t>img_src</a:t>
+            </a:r>
+            <a:r>
+              <a:rPr lang="en-US" sz="2000" dirty="0" smtClean="0">
+                <a:solidFill>
+                  <a:srgbClr val="FF0000"/>
+                </a:solidFill>
+              </a:rPr>
+              <a:t>)</a:t>
+            </a:r>
+          </a:p>
+          <a:p>
+            <a:r>
+              <a:rPr lang="en-US" sz="2000" dirty="0" smtClean="0">
+                <a:solidFill>
+                  <a:srgbClr val="FF0000"/>
+                </a:solidFill>
+              </a:rPr>
+              <a:t>	VALUES (12, 'iphone_xsmax_001.jpg'),(12, </a:t>
+            </a:r>
+            <a:r>
+              <a:rPr lang="en-US" sz="2000" dirty="0" smtClean="0">
+                <a:solidFill>
+                  <a:srgbClr val="FF0000"/>
+                </a:solidFill>
+              </a:rPr>
+              <a:t>	'iphone_xsmax_002.jpg'),(</a:t>
+            </a:r>
+            <a:r>
+              <a:rPr lang="en-US" sz="2000" dirty="0" smtClean="0">
+                <a:solidFill>
+                  <a:srgbClr val="FF0000"/>
+                </a:solidFill>
+              </a:rPr>
+              <a:t>12, 'iphone_xsmax_003.jpg</a:t>
+            </a:r>
+            <a:r>
+              <a:rPr lang="en-US" sz="2000" dirty="0" smtClean="0">
+                <a:solidFill>
+                  <a:srgbClr val="FF0000"/>
+                </a:solidFill>
+              </a:rPr>
+              <a:t>')</a:t>
+            </a:r>
+            <a:br>
+              <a:rPr lang="en-US" sz="2000" dirty="0" smtClean="0">
+                <a:solidFill>
+                  <a:srgbClr val="FF0000"/>
+                </a:solidFill>
+              </a:rPr>
+            </a:br>
+            <a:r>
+              <a:rPr lang="en-US" sz="2000" dirty="0" smtClean="0">
+                <a:solidFill>
+                  <a:srgbClr val="FF0000"/>
+                </a:solidFill>
+              </a:rPr>
+              <a:t>	,(</a:t>
+            </a:r>
+            <a:r>
+              <a:rPr lang="en-US" sz="2000" dirty="0" smtClean="0">
+                <a:solidFill>
+                  <a:srgbClr val="FF0000"/>
+                </a:solidFill>
+              </a:rPr>
+              <a:t>12, 'iphone_xsmax_004.jpg');</a:t>
+            </a:r>
+            <a:endParaRPr lang="en-US" sz="2000" dirty="0">
+              <a:solidFill>
+                <a:srgbClr val="FF0000"/>
+              </a:solidFill>
+            </a:endParaRPr>
+          </a:p>
+        </p:txBody>
+      </p:sp>
+      <p:sp>
+        <p:nvSpPr>
+          <p:cNvPr id="3" name="Title 2"/>
+          <p:cNvSpPr>
+            <a:spLocks noGrp="1"/>
+          </p:cNvSpPr>
+          <p:nvPr>
+            <p:ph type="title"/>
+          </p:nvPr>
+        </p:nvSpPr>
+        <p:spPr/>
+        <p:txBody>
+          <a:bodyPr>
+            <a:normAutofit/>
+          </a:bodyPr>
+          <a:lstStyle/>
+          <a:p>
+            <a:pPr algn="ctr"/>
             <a:r>
               <a:rPr lang="en-US" sz="3200" dirty="0" smtClean="0"/>
-              <a:t>Update</a:t>
+              <a:t>Query Insert</a:t>
+            </a:r>
+            <a:endParaRPr lang="en-US" sz="3200" dirty="0"/>
+          </a:p>
+        </p:txBody>
+      </p:sp>
+      <p:pic>
+        <p:nvPicPr>
+          <p:cNvPr id="5122" name="Picture 2"/>
+          <p:cNvPicPr>
+            <a:picLocks noChangeAspect="1" noChangeArrowheads="1"/>
+          </p:cNvPicPr>
+          <p:nvPr/>
+        </p:nvPicPr>
+        <p:blipFill>
+          <a:blip r:embed="rId2"/>
+          <a:srcRect/>
+          <a:stretch>
+            <a:fillRect/>
+          </a:stretch>
+        </p:blipFill>
+        <p:spPr bwMode="auto">
+          <a:xfrm>
+            <a:off x="0" y="3810000"/>
+            <a:ext cx="9144000" cy="3048000"/>
+          </a:xfrm>
+          <a:prstGeom prst="rect">
+            <a:avLst/>
+          </a:prstGeom>
+          <a:noFill/>
+          <a:ln w="9525">
+            <a:noFill/>
+            <a:miter lim="800000"/>
+            <a:headEnd/>
+            <a:tailEnd/>
+          </a:ln>
+          <a:effectLst/>
+        </p:spPr>
+      </p:pic>
+    </p:spTree>
+  </p:cSld>
+  <p:clrMapOvr>
+    <a:masterClrMapping/>
+  </p:clrMapOvr>
+  <p:timing>
+    <p:tnLst>
+      <p:par>
+        <p:cTn id="1" dur="indefinite" restart="never" nodeType="tmRoot"/>
+      </p:par>
+    </p:tnLst>
+  </p:timing>
+</p:sld>
+</file>
+
+<file path=ppt/slides/slide3.xml><?xml version="1.0" encoding="utf-8"?>
+<p:sld xmlns:a="http://schemas.openxmlformats.org/drawingml/2006/main" xmlns:r="http://schemas.openxmlformats.org/officeDocument/2006/relationships" xmlns:p="http://schemas.openxmlformats.org/presentationml/2006/main">
+  <p:cSld>
+    <p:spTree>
+      <p:nvGrpSpPr>
+        <p:cNvPr id="1" name=""/>
+        <p:cNvGrpSpPr/>
+        <p:nvPr/>
+      </p:nvGrpSpPr>
+      <p:grpSpPr>
+        <a:xfrm>
+          <a:off x="0" y="0"/>
+          <a:ext cx="0" cy="0"/>
+          <a:chOff x="0" y="0"/>
+          <a:chExt cx="0" cy="0"/>
+        </a:xfrm>
+      </p:grpSpPr>
+      <p:sp>
+        <p:nvSpPr>
+          <p:cNvPr id="2" name="Content Placeholder 1"/>
+          <p:cNvSpPr>
+            <a:spLocks noGrp="1"/>
+          </p:cNvSpPr>
+          <p:nvPr>
+            <p:ph idx="1"/>
+          </p:nvPr>
+        </p:nvSpPr>
+        <p:spPr>
+          <a:xfrm>
+            <a:off x="1066800" y="1481328"/>
+            <a:ext cx="8229600" cy="4525963"/>
+          </a:xfrm>
+        </p:spPr>
+        <p:txBody>
+          <a:bodyPr>
+            <a:normAutofit/>
+          </a:bodyPr>
+          <a:lstStyle/>
+          <a:p>
+            <a:r>
+              <a:rPr lang="en-US" sz="1800" dirty="0" smtClean="0"/>
+              <a:t>suppliers -&gt; products : 1-M</a:t>
+            </a:r>
+          </a:p>
+          <a:p>
+            <a:r>
+              <a:rPr lang="en-US" sz="1800" dirty="0" smtClean="0"/>
+              <a:t>products -&gt; suppliers: 1-1</a:t>
+            </a:r>
+          </a:p>
+          <a:p>
+            <a:r>
+              <a:rPr lang="en-US" sz="1800" dirty="0" smtClean="0"/>
+              <a:t>Products -&gt; images : 1-M</a:t>
+            </a:r>
+          </a:p>
+          <a:p>
+            <a:r>
+              <a:rPr lang="en-US" sz="1800" dirty="0" smtClean="0"/>
+              <a:t>categories -&gt; products:1-M</a:t>
+            </a:r>
+          </a:p>
+          <a:p>
+            <a:r>
+              <a:rPr lang="en-US" sz="1800" dirty="0" smtClean="0"/>
+              <a:t>Products -&gt; categories: 1-1</a:t>
+            </a:r>
+          </a:p>
+          <a:p>
+            <a:r>
+              <a:rPr lang="en-US" sz="1800" dirty="0" smtClean="0"/>
+              <a:t>Orders -&gt; employees: 1-1</a:t>
+            </a:r>
+          </a:p>
+          <a:p>
+            <a:r>
+              <a:rPr lang="en-US" sz="1800" dirty="0" smtClean="0"/>
+              <a:t>Orders -&gt; </a:t>
+            </a:r>
+            <a:r>
+              <a:rPr lang="en-US" sz="1800" dirty="0" err="1" smtClean="0"/>
+              <a:t>orderDetails</a:t>
+            </a:r>
+            <a:r>
+              <a:rPr lang="en-US" sz="1800" dirty="0" smtClean="0"/>
+              <a:t>: 1-M</a:t>
+            </a:r>
+          </a:p>
+          <a:p>
+            <a:r>
+              <a:rPr lang="en-US" sz="1800" dirty="0" err="1" smtClean="0"/>
+              <a:t>orderDetails</a:t>
+            </a:r>
+            <a:r>
+              <a:rPr lang="en-US" sz="1800" dirty="0" smtClean="0"/>
+              <a:t> -&gt; products: 1-1</a:t>
+            </a:r>
+          </a:p>
+          <a:p>
+            <a:r>
+              <a:rPr lang="en-US" sz="1800" dirty="0" smtClean="0"/>
+              <a:t>Orders -&gt; customers: 1-1</a:t>
+            </a:r>
+          </a:p>
+          <a:p>
+            <a:r>
+              <a:rPr lang="en-US" sz="1800" dirty="0" smtClean="0"/>
+              <a:t>Customers -&gt; orders: 1-M</a:t>
+            </a:r>
+          </a:p>
+          <a:p>
+            <a:r>
+              <a:rPr lang="en-US" sz="1800" dirty="0" smtClean="0"/>
+              <a:t>Employees -&gt; orders: 1-M</a:t>
+            </a:r>
+          </a:p>
+          <a:p>
+            <a:r>
+              <a:rPr lang="en-US" sz="1800" dirty="0" smtClean="0"/>
+              <a:t>shippers  -&gt; orders: 1-M</a:t>
+            </a:r>
+          </a:p>
+          <a:p>
+            <a:r>
+              <a:rPr lang="en-US" sz="1800" dirty="0" smtClean="0"/>
+              <a:t>Orders -&gt; shippers: 1-1</a:t>
+            </a:r>
+          </a:p>
+          <a:p>
+            <a:endParaRPr lang="en-US" sz="1800" dirty="0"/>
+          </a:p>
+        </p:txBody>
+      </p:sp>
+      <p:sp>
+        <p:nvSpPr>
+          <p:cNvPr id="3" name="Title 2"/>
+          <p:cNvSpPr>
+            <a:spLocks noGrp="1"/>
+          </p:cNvSpPr>
+          <p:nvPr>
+            <p:ph type="title"/>
+          </p:nvPr>
+        </p:nvSpPr>
+        <p:spPr/>
+        <p:txBody>
+          <a:bodyPr>
+            <a:normAutofit/>
+          </a:bodyPr>
+          <a:lstStyle/>
+          <a:p>
+            <a:pPr algn="ctr"/>
+            <a:r>
+              <a:rPr lang="en-US" sz="3200" dirty="0" smtClean="0"/>
+              <a:t> Relationships</a:t>
+            </a:r>
+            <a:endParaRPr lang="en-US" sz="3200" dirty="0"/>
+          </a:p>
+        </p:txBody>
+      </p:sp>
+    </p:spTree>
+  </p:cSld>
+  <p:clrMapOvr>
+    <a:masterClrMapping/>
+  </p:clrMapOvr>
+  <p:timing>
+    <p:tnLst>
+      <p:par>
+        <p:cTn id="1" dur="indefinite" restart="never" nodeType="tmRoot"/>
+      </p:par>
+    </p:tnLst>
+  </p:timing>
+</p:sld>
+</file>
+
+<file path=ppt/slides/slide30.xml><?xml version="1.0" encoding="utf-8"?>
+<p:sld xmlns:a="http://schemas.openxmlformats.org/drawingml/2006/main" xmlns:r="http://schemas.openxmlformats.org/officeDocument/2006/relationships" xmlns:p="http://schemas.openxmlformats.org/presentationml/2006/main">
+  <p:cSld>
+    <p:spTree>
+      <p:nvGrpSpPr>
+        <p:cNvPr id="1" name=""/>
+        <p:cNvGrpSpPr/>
+        <p:nvPr/>
+      </p:nvGrpSpPr>
+      <p:grpSpPr>
+        <a:xfrm>
+          <a:off x="0" y="0"/>
+          <a:ext cx="0" cy="0"/>
+          <a:chOff x="0" y="0"/>
+          <a:chExt cx="0" cy="0"/>
+        </a:xfrm>
+      </p:grpSpPr>
+      <p:sp>
+        <p:nvSpPr>
+          <p:cNvPr id="2" name="Content Placeholder 1"/>
+          <p:cNvSpPr>
+            <a:spLocks noGrp="1"/>
+          </p:cNvSpPr>
+          <p:nvPr>
+            <p:ph idx="1"/>
+          </p:nvPr>
+        </p:nvSpPr>
+        <p:spPr/>
+        <p:txBody>
+          <a:bodyPr/>
+          <a:lstStyle/>
+          <a:p>
+            <a:endParaRPr lang="en-US" dirty="0"/>
+          </a:p>
+        </p:txBody>
+      </p:sp>
+      <p:sp>
+        <p:nvSpPr>
+          <p:cNvPr id="3" name="Title 2"/>
+          <p:cNvSpPr>
+            <a:spLocks noGrp="1"/>
+          </p:cNvSpPr>
+          <p:nvPr>
+            <p:ph type="title"/>
+          </p:nvPr>
+        </p:nvSpPr>
+        <p:spPr/>
+        <p:txBody>
+          <a:bodyPr>
+            <a:normAutofit/>
+          </a:bodyPr>
+          <a:lstStyle/>
+          <a:p>
+            <a:pPr algn="ctr"/>
+            <a:r>
+              <a:rPr lang="en-US" sz="3200" dirty="0" smtClean="0"/>
+              <a:t>Query Insert</a:t>
+            </a:r>
+            <a:endParaRPr lang="en-US" sz="3200" dirty="0"/>
+          </a:p>
+        </p:txBody>
+      </p:sp>
+    </p:spTree>
+  </p:cSld>
+  <p:clrMapOvr>
+    <a:masterClrMapping/>
+  </p:clrMapOvr>
+  <p:timing>
+    <p:tnLst>
+      <p:par>
+        <p:cTn id="1" dur="indefinite" restart="never" nodeType="tmRoot"/>
+      </p:par>
+    </p:tnLst>
+  </p:timing>
+</p:sld>
+</file>
+
+<file path=ppt/slides/slide31.xml><?xml version="1.0" encoding="utf-8"?>
+<p:sld xmlns:a="http://schemas.openxmlformats.org/drawingml/2006/main" xmlns:r="http://schemas.openxmlformats.org/officeDocument/2006/relationships" xmlns:p="http://schemas.openxmlformats.org/presentationml/2006/main">
+  <p:cSld>
+    <p:spTree>
+      <p:nvGrpSpPr>
+        <p:cNvPr id="1" name=""/>
+        <p:cNvGrpSpPr/>
+        <p:nvPr/>
+      </p:nvGrpSpPr>
+      <p:grpSpPr>
+        <a:xfrm>
+          <a:off x="0" y="0"/>
+          <a:ext cx="0" cy="0"/>
+          <a:chOff x="0" y="0"/>
+          <a:chExt cx="0" cy="0"/>
+        </a:xfrm>
+      </p:grpSpPr>
+      <p:sp>
+        <p:nvSpPr>
+          <p:cNvPr id="2" name="Content Placeholder 1"/>
+          <p:cNvSpPr>
+            <a:spLocks noGrp="1"/>
+          </p:cNvSpPr>
+          <p:nvPr>
+            <p:ph idx="1"/>
+          </p:nvPr>
+        </p:nvSpPr>
+        <p:spPr/>
+        <p:txBody>
+          <a:bodyPr/>
+          <a:lstStyle/>
+          <a:p>
+            <a:r>
+              <a:rPr lang="en-US" dirty="0" smtClean="0"/>
+              <a:t>Edit a category in category list</a:t>
+            </a:r>
+            <a:endParaRPr lang="en-US" dirty="0"/>
+          </a:p>
+        </p:txBody>
+      </p:sp>
+      <p:sp>
+        <p:nvSpPr>
+          <p:cNvPr id="3" name="Title 2"/>
+          <p:cNvSpPr>
+            <a:spLocks noGrp="1"/>
+          </p:cNvSpPr>
+          <p:nvPr>
+            <p:ph type="title"/>
+          </p:nvPr>
+        </p:nvSpPr>
+        <p:spPr/>
+        <p:txBody>
+          <a:bodyPr>
+            <a:normAutofit/>
+          </a:bodyPr>
+          <a:lstStyle/>
+          <a:p>
+            <a:pPr algn="ctr"/>
+            <a:r>
+              <a:rPr lang="en-US" sz="3200" dirty="0" smtClean="0"/>
+              <a:t>Query Update</a:t>
             </a:r>
             <a:endParaRPr lang="en-US" sz="3200" dirty="0"/>
           </a:p>
@@ -7477,409 +9158,6 @@
 </p:sld>
 </file>
 
-<file path=ppt/slides/slide29.xml><?xml version="1.0" encoding="utf-8"?>
-<p:sld xmlns:a="http://schemas.openxmlformats.org/drawingml/2006/main" xmlns:r="http://schemas.openxmlformats.org/officeDocument/2006/relationships" xmlns:p="http://schemas.openxmlformats.org/presentationml/2006/main">
-  <p:cSld>
-    <p:spTree>
-      <p:nvGrpSpPr>
-        <p:cNvPr id="1" name=""/>
-        <p:cNvGrpSpPr/>
-        <p:nvPr/>
-      </p:nvGrpSpPr>
-      <p:grpSpPr>
-        <a:xfrm>
-          <a:off x="0" y="0"/>
-          <a:ext cx="0" cy="0"/>
-          <a:chOff x="0" y="0"/>
-          <a:chExt cx="0" cy="0"/>
-        </a:xfrm>
-      </p:grpSpPr>
-      <p:sp>
-        <p:nvSpPr>
-          <p:cNvPr id="2" name="Content Placeholder 1"/>
-          <p:cNvSpPr>
-            <a:spLocks noGrp="1"/>
-          </p:cNvSpPr>
-          <p:nvPr>
-            <p:ph idx="1"/>
-          </p:nvPr>
-        </p:nvSpPr>
-        <p:spPr/>
-        <p:txBody>
-          <a:bodyPr/>
-          <a:lstStyle/>
-          <a:p>
-            <a:r>
-              <a:rPr lang="en-US" dirty="0" smtClean="0"/>
-              <a:t>Edit information of a supplier in suppliers list </a:t>
-            </a:r>
-            <a:endParaRPr lang="en-US" dirty="0"/>
-          </a:p>
-        </p:txBody>
-      </p:sp>
-      <p:sp>
-        <p:nvSpPr>
-          <p:cNvPr id="3" name="Title 2"/>
-          <p:cNvSpPr>
-            <a:spLocks noGrp="1"/>
-          </p:cNvSpPr>
-          <p:nvPr>
-            <p:ph type="title"/>
-          </p:nvPr>
-        </p:nvSpPr>
-        <p:spPr/>
-        <p:txBody>
-          <a:bodyPr>
-            <a:normAutofit/>
-          </a:bodyPr>
-          <a:lstStyle/>
-          <a:p>
-            <a:pPr algn="ctr"/>
-            <a:r>
-              <a:rPr lang="en-US" sz="3200" dirty="0" smtClean="0"/>
-              <a:t>Query </a:t>
-            </a:r>
-            <a:r>
-              <a:rPr lang="en-US" sz="3200" dirty="0" smtClean="0"/>
-              <a:t>Update</a:t>
-            </a:r>
-            <a:endParaRPr lang="en-US" sz="3200" dirty="0"/>
-          </a:p>
-        </p:txBody>
-      </p:sp>
-    </p:spTree>
-  </p:cSld>
-  <p:clrMapOvr>
-    <a:masterClrMapping/>
-  </p:clrMapOvr>
-  <p:timing>
-    <p:tnLst>
-      <p:par>
-        <p:cTn id="1" dur="indefinite" restart="never" nodeType="tmRoot"/>
-      </p:par>
-    </p:tnLst>
-  </p:timing>
-</p:sld>
-</file>
-
-<file path=ppt/slides/slide3.xml><?xml version="1.0" encoding="utf-8"?>
-<p:sld xmlns:a="http://schemas.openxmlformats.org/drawingml/2006/main" xmlns:r="http://schemas.openxmlformats.org/officeDocument/2006/relationships" xmlns:p="http://schemas.openxmlformats.org/presentationml/2006/main">
-  <p:cSld>
-    <p:spTree>
-      <p:nvGrpSpPr>
-        <p:cNvPr id="1" name=""/>
-        <p:cNvGrpSpPr/>
-        <p:nvPr/>
-      </p:nvGrpSpPr>
-      <p:grpSpPr>
-        <a:xfrm>
-          <a:off x="0" y="0"/>
-          <a:ext cx="0" cy="0"/>
-          <a:chOff x="0" y="0"/>
-          <a:chExt cx="0" cy="0"/>
-        </a:xfrm>
-      </p:grpSpPr>
-      <p:sp>
-        <p:nvSpPr>
-          <p:cNvPr id="2" name="Content Placeholder 1"/>
-          <p:cNvSpPr>
-            <a:spLocks noGrp="1"/>
-          </p:cNvSpPr>
-          <p:nvPr>
-            <p:ph idx="1"/>
-          </p:nvPr>
-        </p:nvSpPr>
-        <p:spPr>
-          <a:xfrm>
-            <a:off x="1066800" y="1481328"/>
-            <a:ext cx="8229600" cy="4525963"/>
-          </a:xfrm>
-        </p:spPr>
-        <p:txBody>
-          <a:bodyPr>
-            <a:normAutofit/>
-          </a:bodyPr>
-          <a:lstStyle/>
-          <a:p>
-            <a:r>
-              <a:rPr lang="en-US" sz="1800" dirty="0" smtClean="0"/>
-              <a:t>suppliers -&gt; products : 1-M</a:t>
-            </a:r>
-          </a:p>
-          <a:p>
-            <a:r>
-              <a:rPr lang="en-US" sz="1800" dirty="0" smtClean="0"/>
-              <a:t>products -&gt; suppliers: 1-1</a:t>
-            </a:r>
-          </a:p>
-          <a:p>
-            <a:r>
-              <a:rPr lang="en-US" sz="1800" dirty="0" smtClean="0"/>
-              <a:t>Products -&gt; images : 1-M</a:t>
-            </a:r>
-          </a:p>
-          <a:p>
-            <a:r>
-              <a:rPr lang="en-US" sz="1800" dirty="0" smtClean="0"/>
-              <a:t>categories -&gt; products:1-M</a:t>
-            </a:r>
-          </a:p>
-          <a:p>
-            <a:r>
-              <a:rPr lang="en-US" sz="1800" dirty="0" smtClean="0"/>
-              <a:t>Products -&gt; categories: 1-1</a:t>
-            </a:r>
-          </a:p>
-          <a:p>
-            <a:r>
-              <a:rPr lang="en-US" sz="1800" dirty="0" smtClean="0"/>
-              <a:t>Orders -&gt; employees: 1-1</a:t>
-            </a:r>
-          </a:p>
-          <a:p>
-            <a:r>
-              <a:rPr lang="en-US" sz="1800" dirty="0" smtClean="0"/>
-              <a:t>Orders -&gt; </a:t>
-            </a:r>
-            <a:r>
-              <a:rPr lang="en-US" sz="1800" dirty="0" err="1" smtClean="0"/>
-              <a:t>orderDetails</a:t>
-            </a:r>
-            <a:r>
-              <a:rPr lang="en-US" sz="1800" dirty="0" smtClean="0"/>
-              <a:t>: 1-M</a:t>
-            </a:r>
-          </a:p>
-          <a:p>
-            <a:r>
-              <a:rPr lang="en-US" sz="1800" dirty="0" err="1" smtClean="0"/>
-              <a:t>orderDetails</a:t>
-            </a:r>
-            <a:r>
-              <a:rPr lang="en-US" sz="1800" dirty="0" smtClean="0"/>
-              <a:t> -&gt; products: 1-1</a:t>
-            </a:r>
-          </a:p>
-          <a:p>
-            <a:r>
-              <a:rPr lang="en-US" sz="1800" dirty="0" smtClean="0"/>
-              <a:t>Orders -&gt; customers: 1-1</a:t>
-            </a:r>
-          </a:p>
-          <a:p>
-            <a:r>
-              <a:rPr lang="en-US" sz="1800" dirty="0" smtClean="0"/>
-              <a:t>Customers -&gt; orders: 1-M</a:t>
-            </a:r>
-          </a:p>
-          <a:p>
-            <a:r>
-              <a:rPr lang="en-US" sz="1800" dirty="0" smtClean="0"/>
-              <a:t>Employees -&gt; orders: 1-M</a:t>
-            </a:r>
-          </a:p>
-          <a:p>
-            <a:r>
-              <a:rPr lang="en-US" sz="1800" dirty="0" smtClean="0"/>
-              <a:t>shippers  -&gt; orders: 1-M</a:t>
-            </a:r>
-          </a:p>
-          <a:p>
-            <a:r>
-              <a:rPr lang="en-US" sz="1800" dirty="0" smtClean="0"/>
-              <a:t>Orders -&gt; shippers: 1-1</a:t>
-            </a:r>
-          </a:p>
-          <a:p>
-            <a:endParaRPr lang="en-US" sz="1800" dirty="0"/>
-          </a:p>
-        </p:txBody>
-      </p:sp>
-      <p:sp>
-        <p:nvSpPr>
-          <p:cNvPr id="3" name="Title 2"/>
-          <p:cNvSpPr>
-            <a:spLocks noGrp="1"/>
-          </p:cNvSpPr>
-          <p:nvPr>
-            <p:ph type="title"/>
-          </p:nvPr>
-        </p:nvSpPr>
-        <p:spPr/>
-        <p:txBody>
-          <a:bodyPr>
-            <a:normAutofit/>
-          </a:bodyPr>
-          <a:lstStyle/>
-          <a:p>
-            <a:pPr algn="ctr"/>
-            <a:r>
-              <a:rPr lang="en-US" sz="3200" dirty="0" smtClean="0"/>
-              <a:t> Relationships</a:t>
-            </a:r>
-            <a:endParaRPr lang="en-US" sz="3200" dirty="0"/>
-          </a:p>
-        </p:txBody>
-      </p:sp>
-    </p:spTree>
-  </p:cSld>
-  <p:clrMapOvr>
-    <a:masterClrMapping/>
-  </p:clrMapOvr>
-  <p:timing>
-    <p:tnLst>
-      <p:par>
-        <p:cTn id="1" dur="indefinite" restart="never" nodeType="tmRoot"/>
-      </p:par>
-    </p:tnLst>
-  </p:timing>
-</p:sld>
-</file>
-
-<file path=ppt/slides/slide30.xml><?xml version="1.0" encoding="utf-8"?>
-<p:sld xmlns:a="http://schemas.openxmlformats.org/drawingml/2006/main" xmlns:r="http://schemas.openxmlformats.org/officeDocument/2006/relationships" xmlns:p="http://schemas.openxmlformats.org/presentationml/2006/main">
-  <p:cSld>
-    <p:spTree>
-      <p:nvGrpSpPr>
-        <p:cNvPr id="1" name=""/>
-        <p:cNvGrpSpPr/>
-        <p:nvPr/>
-      </p:nvGrpSpPr>
-      <p:grpSpPr>
-        <a:xfrm>
-          <a:off x="0" y="0"/>
-          <a:ext cx="0" cy="0"/>
-          <a:chOff x="0" y="0"/>
-          <a:chExt cx="0" cy="0"/>
-        </a:xfrm>
-      </p:grpSpPr>
-      <p:sp>
-        <p:nvSpPr>
-          <p:cNvPr id="2" name="Content Placeholder 1"/>
-          <p:cNvSpPr>
-            <a:spLocks noGrp="1"/>
-          </p:cNvSpPr>
-          <p:nvPr>
-            <p:ph idx="1"/>
-          </p:nvPr>
-        </p:nvSpPr>
-        <p:spPr/>
-        <p:txBody>
-          <a:bodyPr/>
-          <a:lstStyle/>
-          <a:p>
-            <a:endParaRPr lang="en-US" dirty="0"/>
-          </a:p>
-        </p:txBody>
-      </p:sp>
-      <p:sp>
-        <p:nvSpPr>
-          <p:cNvPr id="3" name="Title 2"/>
-          <p:cNvSpPr>
-            <a:spLocks noGrp="1"/>
-          </p:cNvSpPr>
-          <p:nvPr>
-            <p:ph type="title"/>
-          </p:nvPr>
-        </p:nvSpPr>
-        <p:spPr/>
-        <p:txBody>
-          <a:bodyPr>
-            <a:normAutofit/>
-          </a:bodyPr>
-          <a:lstStyle/>
-          <a:p>
-            <a:pPr algn="ctr"/>
-            <a:r>
-              <a:rPr lang="en-US" sz="3200" dirty="0" smtClean="0"/>
-              <a:t>Query </a:t>
-            </a:r>
-            <a:r>
-              <a:rPr lang="en-US" sz="3200" dirty="0" smtClean="0"/>
-              <a:t>Update</a:t>
-            </a:r>
-            <a:endParaRPr lang="en-US" sz="3200" dirty="0"/>
-          </a:p>
-        </p:txBody>
-      </p:sp>
-    </p:spTree>
-  </p:cSld>
-  <p:clrMapOvr>
-    <a:masterClrMapping/>
-  </p:clrMapOvr>
-</p:sld>
-</file>
-
-<file path=ppt/slides/slide31.xml><?xml version="1.0" encoding="utf-8"?>
-<p:sld xmlns:a="http://schemas.openxmlformats.org/drawingml/2006/main" xmlns:r="http://schemas.openxmlformats.org/officeDocument/2006/relationships" xmlns:p="http://schemas.openxmlformats.org/presentationml/2006/main">
-  <p:cSld>
-    <p:spTree>
-      <p:nvGrpSpPr>
-        <p:cNvPr id="1" name=""/>
-        <p:cNvGrpSpPr/>
-        <p:nvPr/>
-      </p:nvGrpSpPr>
-      <p:grpSpPr>
-        <a:xfrm>
-          <a:off x="0" y="0"/>
-          <a:ext cx="0" cy="0"/>
-          <a:chOff x="0" y="0"/>
-          <a:chExt cx="0" cy="0"/>
-        </a:xfrm>
-      </p:grpSpPr>
-      <p:sp>
-        <p:nvSpPr>
-          <p:cNvPr id="2" name="Content Placeholder 1"/>
-          <p:cNvSpPr>
-            <a:spLocks noGrp="1"/>
-          </p:cNvSpPr>
-          <p:nvPr>
-            <p:ph idx="1"/>
-          </p:nvPr>
-        </p:nvSpPr>
-        <p:spPr/>
-        <p:txBody>
-          <a:bodyPr/>
-          <a:lstStyle/>
-          <a:p>
-            <a:endParaRPr lang="en-US" dirty="0"/>
-          </a:p>
-        </p:txBody>
-      </p:sp>
-      <p:sp>
-        <p:nvSpPr>
-          <p:cNvPr id="3" name="Title 2"/>
-          <p:cNvSpPr>
-            <a:spLocks noGrp="1"/>
-          </p:cNvSpPr>
-          <p:nvPr>
-            <p:ph type="title"/>
-          </p:nvPr>
-        </p:nvSpPr>
-        <p:spPr/>
-        <p:txBody>
-          <a:bodyPr>
-            <a:normAutofit/>
-          </a:bodyPr>
-          <a:lstStyle/>
-          <a:p>
-            <a:pPr algn="ctr"/>
-            <a:r>
-              <a:rPr lang="en-US" sz="3200" dirty="0" smtClean="0"/>
-              <a:t>Query Insert</a:t>
-            </a:r>
-            <a:endParaRPr lang="en-US" sz="3200" dirty="0"/>
-          </a:p>
-        </p:txBody>
-      </p:sp>
-    </p:spTree>
-  </p:cSld>
-  <p:clrMapOvr>
-    <a:masterClrMapping/>
-  </p:clrMapOvr>
-</p:sld>
-</file>
-
 <file path=ppt/slides/slide32.xml><?xml version="1.0" encoding="utf-8"?>
 <p:sld xmlns:a="http://schemas.openxmlformats.org/drawingml/2006/main" xmlns:r="http://schemas.openxmlformats.org/officeDocument/2006/relationships" xmlns:p="http://schemas.openxmlformats.org/presentationml/2006/main">
   <p:cSld>
@@ -7912,7 +9190,65 @@
           <a:bodyPr/>
           <a:lstStyle/>
           <a:p>
-            <a:endParaRPr lang="en-US" dirty="0"/>
+            <a:r>
+              <a:rPr lang="en-US" dirty="0" smtClean="0"/>
+              <a:t>Increment a viewer on a product</a:t>
+            </a:r>
+          </a:p>
+          <a:p>
+            <a:r>
+              <a:rPr lang="en-US" sz="2000" dirty="0" smtClean="0">
+                <a:solidFill>
+                  <a:srgbClr val="FF0000"/>
+                </a:solidFill>
+              </a:rPr>
+              <a:t>Update </a:t>
+            </a:r>
+            <a:r>
+              <a:rPr lang="en-US" sz="2000" dirty="0" smtClean="0">
+                <a:solidFill>
+                  <a:srgbClr val="FF0000"/>
+                </a:solidFill>
+              </a:rPr>
+              <a:t> products set </a:t>
+            </a:r>
+            <a:r>
+              <a:rPr lang="en-US" sz="2000" dirty="0" err="1" smtClean="0">
+                <a:solidFill>
+                  <a:srgbClr val="FF0000"/>
+                </a:solidFill>
+              </a:rPr>
+              <a:t>view_count</a:t>
+            </a:r>
+            <a:r>
+              <a:rPr lang="en-US" sz="2000" dirty="0" smtClean="0">
+                <a:solidFill>
+                  <a:srgbClr val="FF0000"/>
+                </a:solidFill>
+              </a:rPr>
+              <a:t> = view_count+1,update_at=‘now()’ WHERE </a:t>
+            </a:r>
+            <a:r>
+              <a:rPr lang="en-US" sz="2000" dirty="0" err="1" smtClean="0">
+                <a:solidFill>
+                  <a:srgbClr val="FF0000"/>
+                </a:solidFill>
+              </a:rPr>
+              <a:t>product_id</a:t>
+            </a:r>
+            <a:r>
+              <a:rPr lang="en-US" sz="2000" dirty="0" smtClean="0">
+                <a:solidFill>
+                  <a:srgbClr val="FF0000"/>
+                </a:solidFill>
+              </a:rPr>
+              <a:t>=12</a:t>
+            </a:r>
+            <a:endParaRPr lang="en-US" sz="2000" dirty="0">
+              <a:solidFill>
+                <a:srgbClr val="FF0000"/>
+              </a:solidFill>
+            </a:endParaRPr>
           </a:p>
         </p:txBody>
       </p:sp>
@@ -7936,17 +9272,57 @@
             <a:pPr algn="ctr"/>
             <a:r>
               <a:rPr lang="en-US" sz="3200" dirty="0" smtClean="0"/>
-              <a:t>Query Insert</a:t>
+              <a:t>Query Update</a:t>
             </a:r>
             <a:endParaRPr lang="en-US" sz="3200" dirty="0"/>
           </a:p>
         </p:txBody>
       </p:sp>
+      <p:pic>
+        <p:nvPicPr>
+          <p:cNvPr id="6146" name="Picture 2"/>
+          <p:cNvPicPr>
+            <a:picLocks noChangeAspect="1" noChangeArrowheads="1"/>
+          </p:cNvPicPr>
+          <p:nvPr/>
+        </p:nvPicPr>
+        <p:blipFill>
+          <a:blip r:embed="rId2"/>
+          <a:srcRect/>
+          <a:stretch>
+            <a:fillRect/>
+          </a:stretch>
+        </p:blipFill>
+        <p:spPr bwMode="auto">
+          <a:xfrm>
+            <a:off x="0" y="2971800"/>
+            <a:ext cx="9144001" cy="3886200"/>
+          </a:xfrm>
+          <a:prstGeom prst="rect">
+            <a:avLst/>
+          </a:prstGeom>
+          <a:noFill/>
+          <a:ln w="9525">
+            <a:noFill/>
+            <a:miter lim="800000"/>
+            <a:headEnd/>
+            <a:tailEnd/>
+          </a:ln>
+          <a:effectLst/>
+        </p:spPr>
+      </p:pic>
     </p:spTree>
   </p:cSld>
   <p:clrMapOvr>
     <a:masterClrMapping/>
   </p:clrMapOvr>
+  <p:timing>
+    <p:tnLst>
+      <p:par>
+        <p:cTn id="1" dur="indefinite" restart="never" nodeType="tmRoot"/>
+      </p:par>
+    </p:tnLst>
+  </p:timing>
 </p:sld>
 </file>
 
@@ -8006,7 +9382,7 @@
             <a:pPr algn="ctr"/>
             <a:r>
               <a:rPr lang="en-US" sz="3200" dirty="0" smtClean="0"/>
-              <a:t>Query Insert</a:t>
+              <a:t>Query Update</a:t>
             </a:r>
             <a:endParaRPr lang="en-US" sz="3200" dirty="0"/>
           </a:p>
@@ -8017,6 +9393,13 @@
   <p:clrMapOvr>
     <a:masterClrMapping/>
   </p:clrMapOvr>
+  <p:timing>
+    <p:tnLst>
+      <p:par>
+        <p:cTn id="1" dur="indefinite" restart="never" nodeType="tmRoot"/>
+      </p:par>
+    </p:tnLst>
+  </p:timing>
 </p:sld>
 </file>
 
@@ -8087,6 +9470,244 @@
   <p:clrMapOvr>
     <a:masterClrMapping/>
   </p:clrMapOvr>
+  <p:timing>
+    <p:tnLst>
+      <p:par>
+        <p:cTn id="1" dur="indefinite" restart="never" nodeType="tmRoot"/>
+      </p:par>
+    </p:tnLst>
+  </p:timing>
+</p:sld>
+</file>
+
+<file path=ppt/slides/slide35.xml><?xml version="1.0" encoding="utf-8"?>
+<p:sld xmlns:a="http://schemas.openxmlformats.org/drawingml/2006/main" xmlns:r="http://schemas.openxmlformats.org/officeDocument/2006/relationships" xmlns:p="http://schemas.openxmlformats.org/presentationml/2006/main">
+  <p:cSld>
+    <p:spTree>
+      <p:nvGrpSpPr>
+        <p:cNvPr id="1" name=""/>
+        <p:cNvGrpSpPr/>
+        <p:nvPr/>
+      </p:nvGrpSpPr>
+      <p:grpSpPr>
+        <a:xfrm>
+          <a:off x="0" y="0"/>
+          <a:ext cx="0" cy="0"/>
+          <a:chOff x="0" y="0"/>
+          <a:chExt cx="0" cy="0"/>
+        </a:xfrm>
+      </p:grpSpPr>
+      <p:sp>
+        <p:nvSpPr>
+          <p:cNvPr id="2" name="Content Placeholder 1"/>
+          <p:cNvSpPr>
+            <a:spLocks noGrp="1"/>
+          </p:cNvSpPr>
+          <p:nvPr>
+            <p:ph idx="1"/>
+          </p:nvPr>
+        </p:nvSpPr>
+        <p:spPr/>
+        <p:txBody>
+          <a:bodyPr/>
+          <a:lstStyle/>
+          <a:p>
+            <a:endParaRPr lang="en-US" dirty="0"/>
+          </a:p>
+        </p:txBody>
+      </p:sp>
+      <p:sp>
+        <p:nvSpPr>
+          <p:cNvPr id="3" name="Title 2"/>
+          <p:cNvSpPr>
+            <a:spLocks noGrp="1"/>
+          </p:cNvSpPr>
+          <p:nvPr>
+            <p:ph type="title"/>
+          </p:nvPr>
+        </p:nvSpPr>
+        <p:spPr/>
+        <p:txBody>
+          <a:bodyPr>
+            <a:normAutofit/>
+          </a:bodyPr>
+          <a:lstStyle/>
+          <a:p>
+            <a:pPr algn="ctr"/>
+            <a:r>
+              <a:rPr lang="en-US" sz="3200" dirty="0" smtClean="0"/>
+              <a:t>Query Insert</a:t>
+            </a:r>
+            <a:endParaRPr lang="en-US" sz="3200" dirty="0"/>
+          </a:p>
+        </p:txBody>
+      </p:sp>
+    </p:spTree>
+  </p:cSld>
+  <p:clrMapOvr>
+    <a:masterClrMapping/>
+  </p:clrMapOvr>
+  <p:timing>
+    <p:tnLst>
+      <p:par>
+        <p:cTn id="1" dur="indefinite" restart="never" nodeType="tmRoot"/>
+      </p:par>
+    </p:tnLst>
+  </p:timing>
+</p:sld>
+</file>
+
+<file path=ppt/slides/slide36.xml><?xml version="1.0" encoding="utf-8"?>
+<p:sld xmlns:a="http://schemas.openxmlformats.org/drawingml/2006/main" xmlns:r="http://schemas.openxmlformats.org/officeDocument/2006/relationships" xmlns:p="http://schemas.openxmlformats.org/presentationml/2006/main">
+  <p:cSld>
+    <p:spTree>
+      <p:nvGrpSpPr>
+        <p:cNvPr id="1" name=""/>
+        <p:cNvGrpSpPr/>
+        <p:nvPr/>
+      </p:nvGrpSpPr>
+      <p:grpSpPr>
+        <a:xfrm>
+          <a:off x="0" y="0"/>
+          <a:ext cx="0" cy="0"/>
+          <a:chOff x="0" y="0"/>
+          <a:chExt cx="0" cy="0"/>
+        </a:xfrm>
+      </p:grpSpPr>
+      <p:sp>
+        <p:nvSpPr>
+          <p:cNvPr id="2" name="Content Placeholder 1"/>
+          <p:cNvSpPr>
+            <a:spLocks noGrp="1"/>
+          </p:cNvSpPr>
+          <p:nvPr>
+            <p:ph idx="1"/>
+          </p:nvPr>
+        </p:nvSpPr>
+        <p:spPr/>
+        <p:txBody>
+          <a:bodyPr/>
+          <a:lstStyle/>
+          <a:p>
+            <a:endParaRPr lang="en-US" dirty="0"/>
+          </a:p>
+        </p:txBody>
+      </p:sp>
+      <p:sp>
+        <p:nvSpPr>
+          <p:cNvPr id="3" name="Title 2"/>
+          <p:cNvSpPr>
+            <a:spLocks noGrp="1"/>
+          </p:cNvSpPr>
+          <p:nvPr>
+            <p:ph type="title"/>
+          </p:nvPr>
+        </p:nvSpPr>
+        <p:spPr/>
+        <p:txBody>
+          <a:bodyPr>
+            <a:normAutofit/>
+          </a:bodyPr>
+          <a:lstStyle/>
+          <a:p>
+            <a:pPr algn="ctr"/>
+            <a:r>
+              <a:rPr lang="en-US" sz="3200" dirty="0" smtClean="0"/>
+              <a:t>Query Insert</a:t>
+            </a:r>
+            <a:endParaRPr lang="en-US" sz="3200" dirty="0"/>
+          </a:p>
+        </p:txBody>
+      </p:sp>
+    </p:spTree>
+  </p:cSld>
+  <p:clrMapOvr>
+    <a:masterClrMapping/>
+  </p:clrMapOvr>
+  <p:timing>
+    <p:tnLst>
+      <p:par>
+        <p:cTn id="1" dur="indefinite" restart="never" nodeType="tmRoot"/>
+      </p:par>
+    </p:tnLst>
+  </p:timing>
+</p:sld>
+</file>
+
+<file path=ppt/slides/slide37.xml><?xml version="1.0" encoding="utf-8"?>
+<p:sld xmlns:a="http://schemas.openxmlformats.org/drawingml/2006/main" xmlns:r="http://schemas.openxmlformats.org/officeDocument/2006/relationships" xmlns:p="http://schemas.openxmlformats.org/presentationml/2006/main">
+  <p:cSld>
+    <p:spTree>
+      <p:nvGrpSpPr>
+        <p:cNvPr id="1" name=""/>
+        <p:cNvGrpSpPr/>
+        <p:nvPr/>
+      </p:nvGrpSpPr>
+      <p:grpSpPr>
+        <a:xfrm>
+          <a:off x="0" y="0"/>
+          <a:ext cx="0" cy="0"/>
+          <a:chOff x="0" y="0"/>
+          <a:chExt cx="0" cy="0"/>
+        </a:xfrm>
+      </p:grpSpPr>
+      <p:sp>
+        <p:nvSpPr>
+          <p:cNvPr id="2" name="Content Placeholder 1"/>
+          <p:cNvSpPr>
+            <a:spLocks noGrp="1"/>
+          </p:cNvSpPr>
+          <p:nvPr>
+            <p:ph idx="1"/>
+          </p:nvPr>
+        </p:nvSpPr>
+        <p:spPr/>
+        <p:txBody>
+          <a:bodyPr/>
+          <a:lstStyle/>
+          <a:p>
+            <a:endParaRPr lang="en-US" dirty="0"/>
+          </a:p>
+        </p:txBody>
+      </p:sp>
+      <p:sp>
+        <p:nvSpPr>
+          <p:cNvPr id="3" name="Title 2"/>
+          <p:cNvSpPr>
+            <a:spLocks noGrp="1"/>
+          </p:cNvSpPr>
+          <p:nvPr>
+            <p:ph type="title"/>
+          </p:nvPr>
+        </p:nvSpPr>
+        <p:spPr/>
+        <p:txBody>
+          <a:bodyPr>
+            <a:normAutofit/>
+          </a:bodyPr>
+          <a:lstStyle/>
+          <a:p>
+            <a:pPr algn="ctr"/>
+            <a:r>
+              <a:rPr lang="en-US" sz="3200" dirty="0" smtClean="0"/>
+              <a:t>Query Insert</a:t>
+            </a:r>
+            <a:endParaRPr lang="en-US" sz="3200" dirty="0"/>
+          </a:p>
+        </p:txBody>
+      </p:sp>
+    </p:spTree>
+  </p:cSld>
+  <p:clrMapOvr>
+    <a:masterClrMapping/>
+  </p:clrMapOvr>
+  <p:timing>
+    <p:tnLst>
+      <p:par>
+        <p:cTn id="1" dur="indefinite" restart="never" nodeType="tmRoot"/>
+      </p:par>
+    </p:tnLst>
+  </p:timing>
 </p:sld>
 </file>
 
@@ -8163,11 +9784,7 @@
             <a:pPr algn="ctr"/>
             <a:r>
               <a:rPr lang="en-US" sz="3200" dirty="0" smtClean="0"/>
-              <a:t> Query </a:t>
-            </a:r>
-            <a:r>
-              <a:rPr lang="en-US" sz="3200" dirty="0" smtClean="0"/>
-              <a:t>Select</a:t>
+              <a:t> Query Select</a:t>
             </a:r>
             <a:endParaRPr lang="en-US" sz="3200" dirty="0"/>
           </a:p>
@@ -8310,11 +9927,7 @@
             <a:pPr algn="ctr"/>
             <a:r>
               <a:rPr lang="en-US" sz="3200" dirty="0" smtClean="0"/>
-              <a:t> Query </a:t>
-            </a:r>
-            <a:r>
-              <a:rPr lang="en-US" sz="3200" dirty="0" smtClean="0"/>
-              <a:t>Select</a:t>
+              <a:t> Query Select</a:t>
             </a:r>
             <a:endParaRPr lang="en-US" sz="3200" dirty="0"/>
           </a:p>
@@ -8358,6 +9971,13 @@
   <p:clrMapOvr>
     <a:masterClrMapping/>
   </p:clrMapOvr>
+  <p:timing>
+    <p:tnLst>
+      <p:par>
+        <p:cTn id="1" dur="indefinite" restart="never" nodeType="tmRoot"/>
+      </p:par>
+    </p:tnLst>
+  </p:timing>
 </p:sld>
 </file>
 
@@ -8434,11 +10054,7 @@
             <a:pPr algn="ctr"/>
             <a:r>
               <a:rPr lang="en-US" sz="3200" dirty="0" smtClean="0"/>
-              <a:t> Query </a:t>
-            </a:r>
-            <a:r>
-              <a:rPr lang="en-US" sz="3200" dirty="0" smtClean="0"/>
-              <a:t>Select</a:t>
+              <a:t> Query Select</a:t>
             </a:r>
             <a:endParaRPr lang="en-US" sz="3200" dirty="0"/>
           </a:p>
@@ -8482,6 +10098,13 @@
   <p:clrMapOvr>
     <a:masterClrMapping/>
   </p:clrMapOvr>
+  <p:timing>
+    <p:tnLst>
+      <p:par>
+        <p:cTn id="1" dur="indefinite" restart="never" nodeType="tmRoot"/>
+      </p:par>
+    </p:tnLst>
+  </p:timing>
 </p:sld>
 </file>
 
@@ -8600,6 +10223,13 @@
   <p:clrMapOvr>
     <a:masterClrMapping/>
   </p:clrMapOvr>
+  <p:timing>
+    <p:tnLst>
+      <p:par>
+        <p:cTn id="1" dur="indefinite" restart="never" nodeType="tmRoot"/>
+      </p:par>
+    </p:tnLst>
+  </p:timing>
 </p:sld>
 </file>
 
@@ -8647,7 +10277,6 @@
               <a:rPr lang="en-US" sz="2000" dirty="0" smtClean="0"/>
               <a:t> of products and sort it by Price (Example : high to low)</a:t>
             </a:r>
-            <a:endParaRPr lang="en-US" sz="2000" dirty="0" smtClean="0"/>
           </a:p>
           <a:p>
             <a:endParaRPr lang="en-US" sz="2000" dirty="0" smtClean="0"/>
@@ -8677,11 +10306,7 @@
             <a:pPr algn="ctr"/>
             <a:r>
               <a:rPr lang="en-US" sz="3200" dirty="0" smtClean="0"/>
-              <a:t> Query </a:t>
-            </a:r>
-            <a:r>
-              <a:rPr lang="en-US" sz="3200" dirty="0" smtClean="0"/>
-              <a:t>Select</a:t>
+              <a:t> Query Select</a:t>
             </a:r>
             <a:endParaRPr lang="en-US" sz="3200" dirty="0"/>
           </a:p>
@@ -8725,6 +10350,13 @@
   <p:clrMapOvr>
     <a:masterClrMapping/>
   </p:clrMapOvr>
+  <p:timing>
+    <p:tnLst>
+      <p:par>
+        <p:cTn id="1" dur="indefinite" restart="never" nodeType="tmRoot"/>
+      </p:par>
+    </p:tnLst>
+  </p:timing>
 </p:sld>
 </file>
 
@@ -8770,17 +10402,8 @@
             </a:r>
             <a:r>
               <a:rPr lang="en-US" sz="2000" dirty="0" smtClean="0"/>
-              <a:t> of </a:t>
-            </a:r>
-            <a:r>
-              <a:rPr lang="en-US" sz="2000" dirty="0" smtClean="0"/>
-              <a:t>products by </a:t>
-            </a:r>
-            <a:r>
-              <a:rPr lang="en-US" sz="2000" dirty="0" smtClean="0"/>
-              <a:t>keyword</a:t>
-            </a:r>
-            <a:endParaRPr lang="en-US" sz="2000" dirty="0" smtClean="0"/>
+              <a:t> of products by keyword</a:t>
+            </a:r>
           </a:p>
           <a:p>
             <a:endParaRPr lang="en-US" dirty="0" smtClean="0"/>
@@ -8810,11 +10433,7 @@
             <a:pPr algn="ctr"/>
             <a:r>
               <a:rPr lang="en-US" sz="3200" dirty="0" smtClean="0"/>
-              <a:t> Query </a:t>
-            </a:r>
-            <a:r>
-              <a:rPr lang="en-US" sz="3200" dirty="0" smtClean="0"/>
-              <a:t>Select</a:t>
+              <a:t> Query Select</a:t>
             </a:r>
             <a:endParaRPr lang="en-US" sz="3200" dirty="0"/>
           </a:p>
@@ -8858,6 +10477,13 @@
   <p:clrMapOvr>
     <a:masterClrMapping/>
   </p:clrMapOvr>
+  <p:timing>
+    <p:tnLst>
+      <p:par>
+        <p:cTn id="1" dur="indefinite" restart="never" nodeType="tmRoot"/>
+      </p:par>
+    </p:tnLst>
+  </p:timing>
 </p:sld>
 </file>
 
